--- a/ppts/notes/ch_2.pptx
+++ b/ppts/notes/ch_2.pptx
@@ -5,37 +5,44 @@
     <p:sldMasterId id="2147483672" r:id="rId1"/>
   </p:sldMasterIdLst>
   <p:notesMasterIdLst>
-    <p:notesMasterId r:id="rId30"/>
+    <p:notesMasterId r:id="rId37"/>
   </p:notesMasterIdLst>
   <p:sldIdLst>
     <p:sldId id="256" r:id="rId2"/>
-    <p:sldId id="257" r:id="rId3"/>
-    <p:sldId id="259" r:id="rId4"/>
-    <p:sldId id="260" r:id="rId5"/>
-    <p:sldId id="261" r:id="rId6"/>
-    <p:sldId id="262" r:id="rId7"/>
-    <p:sldId id="263" r:id="rId8"/>
-    <p:sldId id="264" r:id="rId9"/>
-    <p:sldId id="265" r:id="rId10"/>
-    <p:sldId id="266" r:id="rId11"/>
-    <p:sldId id="267" r:id="rId12"/>
-    <p:sldId id="269" r:id="rId13"/>
-    <p:sldId id="270" r:id="rId14"/>
-    <p:sldId id="271" r:id="rId15"/>
-    <p:sldId id="281" r:id="rId16"/>
-    <p:sldId id="282" r:id="rId17"/>
-    <p:sldId id="283" r:id="rId18"/>
-    <p:sldId id="284" r:id="rId19"/>
-    <p:sldId id="268" r:id="rId20"/>
-    <p:sldId id="272" r:id="rId21"/>
-    <p:sldId id="273" r:id="rId22"/>
-    <p:sldId id="274" r:id="rId23"/>
-    <p:sldId id="275" r:id="rId24"/>
-    <p:sldId id="276" r:id="rId25"/>
-    <p:sldId id="280" r:id="rId26"/>
-    <p:sldId id="277" r:id="rId27"/>
-    <p:sldId id="278" r:id="rId28"/>
-    <p:sldId id="279" r:id="rId29"/>
+    <p:sldId id="291" r:id="rId3"/>
+    <p:sldId id="285" r:id="rId4"/>
+    <p:sldId id="257" r:id="rId5"/>
+    <p:sldId id="259" r:id="rId6"/>
+    <p:sldId id="260" r:id="rId7"/>
+    <p:sldId id="261" r:id="rId8"/>
+    <p:sldId id="262" r:id="rId9"/>
+    <p:sldId id="263" r:id="rId10"/>
+    <p:sldId id="264" r:id="rId11"/>
+    <p:sldId id="265" r:id="rId12"/>
+    <p:sldId id="266" r:id="rId13"/>
+    <p:sldId id="267" r:id="rId14"/>
+    <p:sldId id="269" r:id="rId15"/>
+    <p:sldId id="270" r:id="rId16"/>
+    <p:sldId id="286" r:id="rId17"/>
+    <p:sldId id="287" r:id="rId18"/>
+    <p:sldId id="271" r:id="rId19"/>
+    <p:sldId id="281" r:id="rId20"/>
+    <p:sldId id="282" r:id="rId21"/>
+    <p:sldId id="283" r:id="rId22"/>
+    <p:sldId id="284" r:id="rId23"/>
+    <p:sldId id="268" r:id="rId24"/>
+    <p:sldId id="272" r:id="rId25"/>
+    <p:sldId id="288" r:id="rId26"/>
+    <p:sldId id="273" r:id="rId27"/>
+    <p:sldId id="274" r:id="rId28"/>
+    <p:sldId id="275" r:id="rId29"/>
+    <p:sldId id="276" r:id="rId30"/>
+    <p:sldId id="289" r:id="rId31"/>
+    <p:sldId id="280" r:id="rId32"/>
+    <p:sldId id="290" r:id="rId33"/>
+    <p:sldId id="278" r:id="rId34"/>
+    <p:sldId id="279" r:id="rId35"/>
+    <p:sldId id="292" r:id="rId36"/>
   </p:sldIdLst>
   <p:sldSz cx="12192000" cy="6858000"/>
   <p:notesSz cx="6858000" cy="9144000"/>
@@ -235,7 +242,7 @@
           <a:p>
             <a:fld id="{A875C063-02D5-2B46-9C85-346D4D5535FE}" type="datetimeFigureOut">
               <a:rPr lang="en-US" smtClean="0"/>
-              <a:t>8/17/17</a:t>
+              <a:t>9/11/17</a:t>
             </a:fld>
             <a:endParaRPr lang="en-US"/>
           </a:p>
@@ -631,12 +638,7 @@
             <p:ph type="sldImg"/>
           </p:nvPr>
         </p:nvSpPr>
-        <p:spPr>
-          <a:xfrm>
-            <a:off x="381000" y="685800"/>
-            <a:ext cx="6096000" cy="3429000"/>
-          </a:xfrm>
-        </p:spPr>
+        <p:spPr/>
       </p:sp>
       <p:sp>
         <p:nvSpPr>
@@ -652,6 +654,35 @@
         <p:txBody>
           <a:bodyPr/>
           <a:lstStyle/>
+          <a:p>
+            <a:r>
+              <a:rPr lang="en-US" dirty="0" smtClean="0"/>
+              <a:t>Research provides mixed findings</a:t>
+            </a:r>
+          </a:p>
+          <a:p>
+            <a:pPr lvl="1"/>
+            <a:r>
+              <a:rPr lang="en-US" dirty="0" smtClean="0"/>
+              <a:t>Black unemployment is both </a:t>
+            </a:r>
+            <a:r>
+              <a:rPr lang="en-US" i="1" dirty="0" smtClean="0"/>
+              <a:t>unrelated to </a:t>
+            </a:r>
+            <a:r>
+              <a:rPr lang="en-US" dirty="0" smtClean="0"/>
+              <a:t>and </a:t>
+            </a:r>
+            <a:r>
+              <a:rPr lang="en-US" i="1" dirty="0" smtClean="0"/>
+              <a:t>significantly associated with </a:t>
+            </a:r>
+            <a:r>
+              <a:rPr lang="en-US" dirty="0" smtClean="0"/>
+              <a:t>black riots</a:t>
+            </a:r>
+          </a:p>
           <a:p>
             <a:endParaRPr lang="en-US" dirty="0"/>
           </a:p>
@@ -683,7 +714,7 @@
     </p:spTree>
     <p:extLst>
       <p:ext uri="{BB962C8B-B14F-4D97-AF65-F5344CB8AC3E}">
-        <p14:creationId xmlns:p14="http://schemas.microsoft.com/office/powerpoint/2010/main" val="3538134952"/>
+        <p14:creationId xmlns:p14="http://schemas.microsoft.com/office/powerpoint/2010/main" val="763064149"/>
       </p:ext>
     </p:extLst>
   </p:cSld>
@@ -742,6 +773,22 @@
           <a:bodyPr/>
           <a:lstStyle/>
           <a:p>
+            <a:r>
+              <a:rPr lang="en-US" dirty="0" smtClean="0"/>
+              <a:t>Both actual</a:t>
+            </a:r>
+            <a:r>
+              <a:rPr lang="en-US" baseline="0" dirty="0" smtClean="0"/>
+              <a:t> and threatened loss in the quotidian are enough to spur action. </a:t>
+            </a:r>
+            <a:r>
+              <a:rPr lang="en-US" baseline="0" dirty="0" err="1" smtClean="0"/>
+              <a:t>Ppl</a:t>
+            </a:r>
+            <a:r>
+              <a:rPr lang="en-US" baseline="0" dirty="0" smtClean="0"/>
+              <a:t> are motivated to recoup what they have already lost or guard against the prospect of such loss</a:t>
+            </a:r>
             <a:endParaRPr lang="en-US" dirty="0"/>
           </a:p>
         </p:txBody>
@@ -763,7 +810,7 @@
           <a:p>
             <a:fld id="{ED8B9EAB-9194-C349-939B-458D4FF5A6A9}" type="slidenum">
               <a:rPr lang="en-US" smtClean="0"/>
-              <a:t>17</a:t>
+              <a:t>18</a:t>
             </a:fld>
             <a:endParaRPr lang="en-US"/>
           </a:p>
@@ -852,7 +899,7 @@
           <a:p>
             <a:fld id="{ED8B9EAB-9194-C349-939B-458D4FF5A6A9}" type="slidenum">
               <a:rPr lang="en-US" smtClean="0"/>
-              <a:t>18</a:t>
+              <a:t>19</a:t>
             </a:fld>
             <a:endParaRPr lang="en-US"/>
           </a:p>
@@ -920,29 +967,6 @@
           <a:bodyPr/>
           <a:lstStyle/>
           <a:p>
-            <a:pPr marL="0" marR="0" lvl="2" indent="0" algn="l" defTabSz="457200" rtl="0" eaLnBrk="1" fontAlgn="auto" latinLnBrk="0" hangingPunct="1">
-              <a:lnSpc>
-                <a:spcPct val="100000"/>
-              </a:lnSpc>
-              <a:spcBef>
-                <a:spcPts val="0"/>
-              </a:spcBef>
-              <a:spcAft>
-                <a:spcPts val="0"/>
-              </a:spcAft>
-              <a:buClrTx/>
-              <a:buSzTx/>
-              <a:buFontTx/>
-              <a:buNone/>
-              <a:tabLst/>
-              <a:defRPr/>
-            </a:pPr>
-            <a:r>
-              <a:rPr lang="en-US" i="1" dirty="0" smtClean="0"/>
-              <a:t>Post civil war south, declining cotton prices increased poor whites’ frustration, who took out their frustration on local Blacks</a:t>
-            </a:r>
-          </a:p>
-          <a:p>
             <a:endParaRPr lang="en-US" dirty="0"/>
           </a:p>
         </p:txBody>
@@ -964,7 +988,7 @@
           <a:p>
             <a:fld id="{ED8B9EAB-9194-C349-939B-458D4FF5A6A9}" type="slidenum">
               <a:rPr lang="en-US" smtClean="0"/>
-              <a:t>19</a:t>
+              <a:t>20</a:t>
             </a:fld>
             <a:endParaRPr lang="en-US"/>
           </a:p>
@@ -973,7 +997,7 @@
     </p:spTree>
     <p:extLst>
       <p:ext uri="{BB962C8B-B14F-4D97-AF65-F5344CB8AC3E}">
-        <p14:creationId xmlns:p14="http://schemas.microsoft.com/office/powerpoint/2010/main" val="2229417407"/>
+        <p14:creationId xmlns:p14="http://schemas.microsoft.com/office/powerpoint/2010/main" val="3538134952"/>
       </p:ext>
     </p:extLst>
   </p:cSld>
@@ -1032,14 +1056,6 @@
           <a:bodyPr/>
           <a:lstStyle/>
           <a:p>
-            <a:r>
-              <a:rPr lang="en-US" dirty="0" smtClean="0"/>
-              <a:t>Framing is</a:t>
-            </a:r>
-            <a:r>
-              <a:rPr lang="en-US" baseline="0" dirty="0" smtClean="0"/>
-              <a:t> a way of packaging a belief, view, or argument for consumption and convincing others </a:t>
-            </a:r>
             <a:endParaRPr lang="en-US" dirty="0"/>
           </a:p>
         </p:txBody>
@@ -1061,7 +1077,7 @@
           <a:p>
             <a:fld id="{ED8B9EAB-9194-C349-939B-458D4FF5A6A9}" type="slidenum">
               <a:rPr lang="en-US" smtClean="0"/>
-              <a:t>22</a:t>
+              <a:t>21</a:t>
             </a:fld>
             <a:endParaRPr lang="en-US"/>
           </a:p>
@@ -1070,7 +1086,7 @@
     </p:spTree>
     <p:extLst>
       <p:ext uri="{BB962C8B-B14F-4D97-AF65-F5344CB8AC3E}">
-        <p14:creationId xmlns:p14="http://schemas.microsoft.com/office/powerpoint/2010/main" val="1619502577"/>
+        <p14:creationId xmlns:p14="http://schemas.microsoft.com/office/powerpoint/2010/main" val="3538134952"/>
       </p:ext>
     </p:extLst>
   </p:cSld>
@@ -1129,14 +1145,6 @@
           <a:bodyPr/>
           <a:lstStyle/>
           <a:p>
-            <a:r>
-              <a:rPr lang="en-US" dirty="0" smtClean="0"/>
-              <a:t>Social Movements must</a:t>
-            </a:r>
-            <a:r>
-              <a:rPr lang="en-US" baseline="0" dirty="0" smtClean="0"/>
-              <a:t> engage in framing</a:t>
-            </a:r>
             <a:endParaRPr lang="en-US" dirty="0"/>
           </a:p>
         </p:txBody>
@@ -1158,7 +1166,7 @@
           <a:p>
             <a:fld id="{ED8B9EAB-9194-C349-939B-458D4FF5A6A9}" type="slidenum">
               <a:rPr lang="en-US" smtClean="0"/>
-              <a:t>23</a:t>
+              <a:t>22</a:t>
             </a:fld>
             <a:endParaRPr lang="en-US"/>
           </a:p>
@@ -1167,7 +1175,7 @@
     </p:spTree>
     <p:extLst>
       <p:ext uri="{BB962C8B-B14F-4D97-AF65-F5344CB8AC3E}">
-        <p14:creationId xmlns:p14="http://schemas.microsoft.com/office/powerpoint/2010/main" val="3148152781"/>
+        <p14:creationId xmlns:p14="http://schemas.microsoft.com/office/powerpoint/2010/main" val="3538134952"/>
       </p:ext>
     </p:extLst>
   </p:cSld>
@@ -1226,23 +1234,29 @@
           <a:bodyPr/>
           <a:lstStyle/>
           <a:p>
-            <a:r>
-              <a:rPr lang="en-US" dirty="0" smtClean="0"/>
-              <a:t>P54: Austin, TX need to build a new Salvation Army</a:t>
-            </a:r>
-            <a:r>
-              <a:rPr lang="en-US" baseline="0" dirty="0" smtClean="0"/>
-              <a:t> to deal with its homeless problem in the 1980s. Relocation effort faced backlash from NIMBY movements. NIMBY movements portrayed its residents as being victimized by relocation of Salvation Army. Was difficult since SA was a Christian, charitable/outreach organization, so NIMBY movements needed more negative claims against it.</a:t>
-            </a:r>
-          </a:p>
-          <a:p>
-            <a:endParaRPr lang="en-US" baseline="0" dirty="0" smtClean="0"/>
-          </a:p>
-          <a:p>
-            <a:r>
-              <a:rPr lang="en-US" baseline="0" dirty="0" smtClean="0"/>
-              <a:t>Focused on transients, how they threatened neighborhood women and children. Kept framing the homeless as criminally inclined, drunken, sex-crazed men who would infiltrate their communities and rob their homes and rape their women. </a:t>
-            </a:r>
+            <a:pPr marL="0" marR="0" lvl="2" indent="0" algn="l" defTabSz="457200" rtl="0" eaLnBrk="1" fontAlgn="auto" latinLnBrk="0" hangingPunct="1">
+              <a:lnSpc>
+                <a:spcPct val="100000"/>
+              </a:lnSpc>
+              <a:spcBef>
+                <a:spcPts val="0"/>
+              </a:spcBef>
+              <a:spcAft>
+                <a:spcPts val="0"/>
+              </a:spcAft>
+              <a:buClrTx/>
+              <a:buSzTx/>
+              <a:buFontTx/>
+              <a:buNone/>
+              <a:tabLst/>
+              <a:defRPr/>
+            </a:pPr>
+            <a:r>
+              <a:rPr lang="en-US" i="1" dirty="0" smtClean="0"/>
+              <a:t>Post civil war south, declining cotton prices increased poor whites’ frustration, who took out their frustration on local Blacks</a:t>
+            </a:r>
+          </a:p>
+          <a:p>
             <a:endParaRPr lang="en-US" dirty="0"/>
           </a:p>
         </p:txBody>
@@ -1264,7 +1278,7 @@
           <a:p>
             <a:fld id="{ED8B9EAB-9194-C349-939B-458D4FF5A6A9}" type="slidenum">
               <a:rPr lang="en-US" smtClean="0"/>
-              <a:t>24</a:t>
+              <a:t>23</a:t>
             </a:fld>
             <a:endParaRPr lang="en-US"/>
           </a:p>
@@ -1273,7 +1287,7 @@
     </p:spTree>
     <p:extLst>
       <p:ext uri="{BB962C8B-B14F-4D97-AF65-F5344CB8AC3E}">
-        <p14:creationId xmlns:p14="http://schemas.microsoft.com/office/powerpoint/2010/main" val="3148152781"/>
+        <p14:creationId xmlns:p14="http://schemas.microsoft.com/office/powerpoint/2010/main" val="2229417407"/>
       </p:ext>
     </p:extLst>
   </p:cSld>
@@ -1310,12 +1324,7 @@
             <p:ph type="sldImg"/>
           </p:nvPr>
         </p:nvSpPr>
-        <p:spPr>
-          <a:xfrm>
-            <a:off x="381000" y="685800"/>
-            <a:ext cx="6096000" cy="3429000"/>
-          </a:xfrm>
-        </p:spPr>
+        <p:spPr/>
       </p:sp>
       <p:sp>
         <p:nvSpPr>
@@ -1332,24 +1341,32 @@
           <a:bodyPr/>
           <a:lstStyle/>
           <a:p>
-            <a:r>
-              <a:rPr lang="en-US" dirty="0" smtClean="0"/>
-              <a:t>P54: Austin, TX need to build a new Salvation Army</a:t>
-            </a:r>
-            <a:r>
-              <a:rPr lang="en-US" baseline="0" dirty="0" smtClean="0"/>
-              <a:t> to deal with its homeless problem in the 1980s. Relocation effort faced backlash from NIMBY movements. NIMBY movements portrayed its residents as being victimized by relocation of Salvation Army. Was difficult since SA was a Christian, charitable/outreach organization, so NIMBY movements needed more negative claims against it.</a:t>
-            </a:r>
-          </a:p>
-          <a:p>
-            <a:endParaRPr lang="en-US" baseline="0" dirty="0" smtClean="0"/>
-          </a:p>
-          <a:p>
-            <a:r>
-              <a:rPr lang="en-US" baseline="0" dirty="0" smtClean="0"/>
-              <a:t>Focused on transients, how they threatened neighborhood women and children. Kept framing the homeless as criminally inclined, drunken, sex-crazed men who would infiltrate their communities and rob their homes and rape their women. </a:t>
-            </a:r>
-            <a:endParaRPr lang="en-US" dirty="0"/>
+            <a:pPr lvl="0"/>
+            <a:r>
+              <a:rPr lang="en-US" dirty="0" smtClean="0"/>
+              <a:t>Group comparisons</a:t>
+            </a:r>
+          </a:p>
+          <a:p>
+            <a:pPr lvl="0"/>
+            <a:r>
+              <a:rPr lang="en-US" dirty="0" smtClean="0"/>
+              <a:t>Understandings of procedural justice</a:t>
+            </a:r>
+          </a:p>
+          <a:p>
+            <a:pPr lvl="0"/>
+            <a:r>
+              <a:rPr lang="en-US" dirty="0" smtClean="0"/>
+              <a:t>Actual or threatened loss</a:t>
+            </a:r>
+          </a:p>
+          <a:p>
+            <a:pPr lvl="0"/>
+            <a:r>
+              <a:rPr lang="en-US" dirty="0" smtClean="0"/>
+              <a:t>Interpretation of grievances</a:t>
+            </a:r>
           </a:p>
         </p:txBody>
       </p:sp>
@@ -1370,7 +1387,7 @@
           <a:p>
             <a:fld id="{ED8B9EAB-9194-C349-939B-458D4FF5A6A9}" type="slidenum">
               <a:rPr lang="en-US" smtClean="0"/>
-              <a:t>25</a:t>
+              <a:t>24</a:t>
             </a:fld>
             <a:endParaRPr lang="en-US"/>
           </a:p>
@@ -1379,7 +1396,7 @@
     </p:spTree>
     <p:extLst>
       <p:ext uri="{BB962C8B-B14F-4D97-AF65-F5344CB8AC3E}">
-        <p14:creationId xmlns:p14="http://schemas.microsoft.com/office/powerpoint/2010/main" val="3148152781"/>
+        <p14:creationId xmlns:p14="http://schemas.microsoft.com/office/powerpoint/2010/main" val="1870419849"/>
       </p:ext>
     </p:extLst>
   </p:cSld>
@@ -1440,30 +1457,11 @@
           <a:p>
             <a:r>
               <a:rPr lang="en-US" dirty="0" smtClean="0"/>
-              <a:t>Heavens</a:t>
+              <a:t>Framing is</a:t>
             </a:r>
             <a:r>
               <a:rPr lang="en-US" baseline="0" dirty="0" smtClean="0"/>
-              <a:t> Gate</a:t>
-            </a:r>
-            <a:r>
-              <a:rPr lang="is-IS" baseline="0" dirty="0" smtClean="0"/>
-              <a:t>…religious movement march 1997, thought that if they committed suicide, they would be transported to a UFO trailing the Hale-Bopp comet (the last comet of the century).</a:t>
-            </a:r>
-          </a:p>
-          <a:p>
-            <a:endParaRPr lang="is-IS" baseline="0" dirty="0" smtClean="0"/>
-          </a:p>
-          <a:p>
-            <a:r>
-              <a:rPr lang="is-IS" baseline="0" dirty="0" smtClean="0"/>
-              <a:t>needed the empirical event of Hale Bop’s comet in order for it to be framed as a passage to Heaven</a:t>
-            </a:r>
-          </a:p>
-          <a:p>
-            <a:r>
-              <a:rPr lang="is-IS" baseline="0" dirty="0" smtClean="0"/>
-              <a:t>Also need to take place in a cultural environment that allowed for the free expression of religion</a:t>
+              <a:t> a way of packaging a belief, view, or argument for consumption and convincing others </a:t>
             </a:r>
             <a:endParaRPr lang="en-US" dirty="0"/>
           </a:p>
@@ -1495,7 +1493,7 @@
     </p:spTree>
     <p:extLst>
       <p:ext uri="{BB962C8B-B14F-4D97-AF65-F5344CB8AC3E}">
-        <p14:creationId xmlns:p14="http://schemas.microsoft.com/office/powerpoint/2010/main" val="2019191894"/>
+        <p14:creationId xmlns:p14="http://schemas.microsoft.com/office/powerpoint/2010/main" val="1619502577"/>
       </p:ext>
     </p:extLst>
   </p:cSld>
@@ -1556,34 +1554,11 @@
           <a:p>
             <a:r>
               <a:rPr lang="en-US" dirty="0" smtClean="0"/>
-              <a:t>Heavens</a:t>
+              <a:t>Social Movements must</a:t>
             </a:r>
             <a:r>
               <a:rPr lang="en-US" baseline="0" dirty="0" smtClean="0"/>
-              <a:t> Gate</a:t>
-            </a:r>
-            <a:r>
-              <a:rPr lang="is-IS" baseline="0" smtClean="0"/>
-              <a:t>…religious movement </a:t>
-            </a:r>
-            <a:r>
-              <a:rPr lang="is-IS" baseline="0" dirty="0" smtClean="0"/>
-              <a:t>march 1997, thought that if they committed suicide, they would be transported to a UFO trailing the Hale-Bopp comet (the last comet of the century).</a:t>
-            </a:r>
-          </a:p>
-          <a:p>
-            <a:endParaRPr lang="is-IS" baseline="0" dirty="0" smtClean="0"/>
-          </a:p>
-          <a:p>
-            <a:r>
-              <a:rPr lang="is-IS" baseline="0" dirty="0" smtClean="0"/>
-              <a:t>needed the empirical event of Hale Bop’s comet in order for it to be framed as a passage to Heaven</a:t>
-            </a:r>
-          </a:p>
-          <a:p>
-            <a:r>
-              <a:rPr lang="is-IS" baseline="0" dirty="0" smtClean="0"/>
-              <a:t>Also need to take place in a cultural environment that allowed for the free expression of religion</a:t>
+              <a:t> engage in framing</a:t>
             </a:r>
             <a:endParaRPr lang="en-US" dirty="0"/>
           </a:p>
@@ -1615,7 +1590,7 @@
     </p:spTree>
     <p:extLst>
       <p:ext uri="{BB962C8B-B14F-4D97-AF65-F5344CB8AC3E}">
-        <p14:creationId xmlns:p14="http://schemas.microsoft.com/office/powerpoint/2010/main" val="2019191894"/>
+        <p14:creationId xmlns:p14="http://schemas.microsoft.com/office/powerpoint/2010/main" val="3148152781"/>
       </p:ext>
     </p:extLst>
   </p:cSld>
@@ -1718,7 +1693,7 @@
           <a:p>
             <a:fld id="{ED8B9EAB-9194-C349-939B-458D4FF5A6A9}" type="slidenum">
               <a:rPr lang="en-US" smtClean="0"/>
-              <a:t>2</a:t>
+              <a:t>4</a:t>
             </a:fld>
             <a:endParaRPr lang="en-US"/>
           </a:p>
@@ -1728,6 +1703,725 @@
     <p:extLst>
       <p:ext uri="{BB962C8B-B14F-4D97-AF65-F5344CB8AC3E}">
         <p14:creationId xmlns:p14="http://schemas.microsoft.com/office/powerpoint/2010/main" val="4294698202"/>
+      </p:ext>
+    </p:extLst>
+  </p:cSld>
+  <p:clrMapOvr>
+    <a:masterClrMapping/>
+  </p:clrMapOvr>
+</p:notes>
+</file>
+
+<file path=ppt/notesSlides/notesSlide20.xml><?xml version="1.0" encoding="utf-8"?>
+<p:notes xmlns:a="http://schemas.openxmlformats.org/drawingml/2006/main" xmlns:r="http://schemas.openxmlformats.org/officeDocument/2006/relationships" xmlns:p="http://schemas.openxmlformats.org/presentationml/2006/main">
+  <p:cSld>
+    <p:spTree>
+      <p:nvGrpSpPr>
+        <p:cNvPr id="1" name=""/>
+        <p:cNvGrpSpPr/>
+        <p:nvPr/>
+      </p:nvGrpSpPr>
+      <p:grpSpPr>
+        <a:xfrm>
+          <a:off x="0" y="0"/>
+          <a:ext cx="0" cy="0"/>
+          <a:chOff x="0" y="0"/>
+          <a:chExt cx="0" cy="0"/>
+        </a:xfrm>
+      </p:grpSpPr>
+      <p:sp>
+        <p:nvSpPr>
+          <p:cNvPr id="2" name="Slide Image Placeholder 1"/>
+          <p:cNvSpPr>
+            <a:spLocks noGrp="1" noRot="1" noChangeAspect="1"/>
+          </p:cNvSpPr>
+          <p:nvPr>
+            <p:ph type="sldImg"/>
+          </p:nvPr>
+        </p:nvSpPr>
+        <p:spPr>
+          <a:xfrm>
+            <a:off x="381000" y="685800"/>
+            <a:ext cx="6096000" cy="3429000"/>
+          </a:xfrm>
+        </p:spPr>
+      </p:sp>
+      <p:sp>
+        <p:nvSpPr>
+          <p:cNvPr id="3" name="Notes Placeholder 2"/>
+          <p:cNvSpPr>
+            <a:spLocks noGrp="1"/>
+          </p:cNvSpPr>
+          <p:nvPr>
+            <p:ph type="body" idx="1"/>
+          </p:nvPr>
+        </p:nvSpPr>
+        <p:spPr/>
+        <p:txBody>
+          <a:bodyPr/>
+          <a:lstStyle/>
+          <a:p>
+            <a:r>
+              <a:rPr lang="en-US" dirty="0" smtClean="0"/>
+              <a:t>P54: Austin, TX need to build a new Salvation Army</a:t>
+            </a:r>
+            <a:r>
+              <a:rPr lang="en-US" baseline="0" dirty="0" smtClean="0"/>
+              <a:t> to deal with its homeless problem in the 1980s. Relocation effort faced backlash from NIMBY movements. NIMBY movements portrayed its residents as being victimized by relocation of Salvation Army. Was difficult since SA was a Christian, charitable/outreach organization, so NIMBY movements needed more negative claims against it.</a:t>
+            </a:r>
+          </a:p>
+          <a:p>
+            <a:endParaRPr lang="en-US" baseline="0" dirty="0" smtClean="0"/>
+          </a:p>
+          <a:p>
+            <a:r>
+              <a:rPr lang="en-US" baseline="0" dirty="0" smtClean="0"/>
+              <a:t>Focused on transients, how they threatened neighborhood women and children. Kept framing the homeless as criminally inclined, drunken, sex-crazed men who would infiltrate their communities and rob their homes and rape their women. </a:t>
+            </a:r>
+            <a:endParaRPr lang="en-US" dirty="0"/>
+          </a:p>
+        </p:txBody>
+      </p:sp>
+      <p:sp>
+        <p:nvSpPr>
+          <p:cNvPr id="4" name="Slide Number Placeholder 3"/>
+          <p:cNvSpPr>
+            <a:spLocks noGrp="1"/>
+          </p:cNvSpPr>
+          <p:nvPr>
+            <p:ph type="sldNum" sz="quarter" idx="10"/>
+          </p:nvPr>
+        </p:nvSpPr>
+        <p:spPr/>
+        <p:txBody>
+          <a:bodyPr/>
+          <a:lstStyle/>
+          <a:p>
+            <a:fld id="{ED8B9EAB-9194-C349-939B-458D4FF5A6A9}" type="slidenum">
+              <a:rPr lang="en-US" smtClean="0"/>
+              <a:t>29</a:t>
+            </a:fld>
+            <a:endParaRPr lang="en-US"/>
+          </a:p>
+        </p:txBody>
+      </p:sp>
+    </p:spTree>
+    <p:extLst>
+      <p:ext uri="{BB962C8B-B14F-4D97-AF65-F5344CB8AC3E}">
+        <p14:creationId xmlns:p14="http://schemas.microsoft.com/office/powerpoint/2010/main" val="3148152781"/>
+      </p:ext>
+    </p:extLst>
+  </p:cSld>
+  <p:clrMapOvr>
+    <a:masterClrMapping/>
+  </p:clrMapOvr>
+</p:notes>
+</file>
+
+<file path=ppt/notesSlides/notesSlide21.xml><?xml version="1.0" encoding="utf-8"?>
+<p:notes xmlns:a="http://schemas.openxmlformats.org/drawingml/2006/main" xmlns:r="http://schemas.openxmlformats.org/officeDocument/2006/relationships" xmlns:p="http://schemas.openxmlformats.org/presentationml/2006/main">
+  <p:cSld>
+    <p:spTree>
+      <p:nvGrpSpPr>
+        <p:cNvPr id="1" name=""/>
+        <p:cNvGrpSpPr/>
+        <p:nvPr/>
+      </p:nvGrpSpPr>
+      <p:grpSpPr>
+        <a:xfrm>
+          <a:off x="0" y="0"/>
+          <a:ext cx="0" cy="0"/>
+          <a:chOff x="0" y="0"/>
+          <a:chExt cx="0" cy="0"/>
+        </a:xfrm>
+      </p:grpSpPr>
+      <p:sp>
+        <p:nvSpPr>
+          <p:cNvPr id="2" name="Slide Image Placeholder 1"/>
+          <p:cNvSpPr>
+            <a:spLocks noGrp="1" noRot="1" noChangeAspect="1"/>
+          </p:cNvSpPr>
+          <p:nvPr>
+            <p:ph type="sldImg"/>
+          </p:nvPr>
+        </p:nvSpPr>
+        <p:spPr>
+          <a:xfrm>
+            <a:off x="381000" y="685800"/>
+            <a:ext cx="6096000" cy="3429000"/>
+          </a:xfrm>
+        </p:spPr>
+      </p:sp>
+      <p:sp>
+        <p:nvSpPr>
+          <p:cNvPr id="3" name="Notes Placeholder 2"/>
+          <p:cNvSpPr>
+            <a:spLocks noGrp="1"/>
+          </p:cNvSpPr>
+          <p:nvPr>
+            <p:ph type="body" idx="1"/>
+          </p:nvPr>
+        </p:nvSpPr>
+        <p:spPr/>
+        <p:txBody>
+          <a:bodyPr/>
+          <a:lstStyle/>
+          <a:p>
+            <a:r>
+              <a:rPr lang="en-US" dirty="0" smtClean="0"/>
+              <a:t>P54: Austin, TX need to build a new Salvation Army</a:t>
+            </a:r>
+            <a:r>
+              <a:rPr lang="en-US" baseline="0" dirty="0" smtClean="0"/>
+              <a:t> to deal with its homeless problem in the 1980s. Relocation effort faced backlash from NIMBY movements. NIMBY movements portrayed its residents as being victimized by relocation of Salvation Army. Was difficult since SA was a Christian, charitable/outreach organization, so NIMBY movements needed more negative claims against it.</a:t>
+            </a:r>
+          </a:p>
+          <a:p>
+            <a:endParaRPr lang="en-US" baseline="0" dirty="0" smtClean="0"/>
+          </a:p>
+          <a:p>
+            <a:r>
+              <a:rPr lang="en-US" baseline="0" dirty="0" smtClean="0"/>
+              <a:t>Focused on transients, how they threatened neighborhood women and children. Kept framing the homeless as criminally inclined, drunken, sex-crazed men who would infiltrate their communities and rob their homes and rape their women. </a:t>
+            </a:r>
+            <a:endParaRPr lang="en-US" dirty="0"/>
+          </a:p>
+        </p:txBody>
+      </p:sp>
+      <p:sp>
+        <p:nvSpPr>
+          <p:cNvPr id="4" name="Slide Number Placeholder 3"/>
+          <p:cNvSpPr>
+            <a:spLocks noGrp="1"/>
+          </p:cNvSpPr>
+          <p:nvPr>
+            <p:ph type="sldNum" sz="quarter" idx="10"/>
+          </p:nvPr>
+        </p:nvSpPr>
+        <p:spPr/>
+        <p:txBody>
+          <a:bodyPr/>
+          <a:lstStyle/>
+          <a:p>
+            <a:fld id="{ED8B9EAB-9194-C349-939B-458D4FF5A6A9}" type="slidenum">
+              <a:rPr lang="en-US" smtClean="0"/>
+              <a:t>30</a:t>
+            </a:fld>
+            <a:endParaRPr lang="en-US"/>
+          </a:p>
+        </p:txBody>
+      </p:sp>
+    </p:spTree>
+    <p:extLst>
+      <p:ext uri="{BB962C8B-B14F-4D97-AF65-F5344CB8AC3E}">
+        <p14:creationId xmlns:p14="http://schemas.microsoft.com/office/powerpoint/2010/main" val="918770040"/>
+      </p:ext>
+    </p:extLst>
+  </p:cSld>
+  <p:clrMapOvr>
+    <a:masterClrMapping/>
+  </p:clrMapOvr>
+</p:notes>
+</file>
+
+<file path=ppt/notesSlides/notesSlide22.xml><?xml version="1.0" encoding="utf-8"?>
+<p:notes xmlns:a="http://schemas.openxmlformats.org/drawingml/2006/main" xmlns:r="http://schemas.openxmlformats.org/officeDocument/2006/relationships" xmlns:p="http://schemas.openxmlformats.org/presentationml/2006/main">
+  <p:cSld>
+    <p:spTree>
+      <p:nvGrpSpPr>
+        <p:cNvPr id="1" name=""/>
+        <p:cNvGrpSpPr/>
+        <p:nvPr/>
+      </p:nvGrpSpPr>
+      <p:grpSpPr>
+        <a:xfrm>
+          <a:off x="0" y="0"/>
+          <a:ext cx="0" cy="0"/>
+          <a:chOff x="0" y="0"/>
+          <a:chExt cx="0" cy="0"/>
+        </a:xfrm>
+      </p:grpSpPr>
+      <p:sp>
+        <p:nvSpPr>
+          <p:cNvPr id="2" name="Slide Image Placeholder 1"/>
+          <p:cNvSpPr>
+            <a:spLocks noGrp="1" noRot="1" noChangeAspect="1"/>
+          </p:cNvSpPr>
+          <p:nvPr>
+            <p:ph type="sldImg"/>
+          </p:nvPr>
+        </p:nvSpPr>
+        <p:spPr>
+          <a:xfrm>
+            <a:off x="381000" y="685800"/>
+            <a:ext cx="6096000" cy="3429000"/>
+          </a:xfrm>
+        </p:spPr>
+      </p:sp>
+      <p:sp>
+        <p:nvSpPr>
+          <p:cNvPr id="3" name="Notes Placeholder 2"/>
+          <p:cNvSpPr>
+            <a:spLocks noGrp="1"/>
+          </p:cNvSpPr>
+          <p:nvPr>
+            <p:ph type="body" idx="1"/>
+          </p:nvPr>
+        </p:nvSpPr>
+        <p:spPr/>
+        <p:txBody>
+          <a:bodyPr/>
+          <a:lstStyle/>
+          <a:p>
+            <a:r>
+              <a:rPr lang="en-US" dirty="0" smtClean="0"/>
+              <a:t>P54: Austin, TX need to build a new Salvation Army</a:t>
+            </a:r>
+            <a:r>
+              <a:rPr lang="en-US" baseline="0" dirty="0" smtClean="0"/>
+              <a:t> to deal with its homeless problem in the 1980s. Relocation effort faced backlash from NIMBY movements. NIMBY movements portrayed its residents as being victimized by relocation of Salvation Army. Was difficult since SA was a Christian, charitable/outreach organization, so NIMBY movements needed more negative claims against it.</a:t>
+            </a:r>
+          </a:p>
+          <a:p>
+            <a:endParaRPr lang="en-US" baseline="0" dirty="0" smtClean="0"/>
+          </a:p>
+          <a:p>
+            <a:r>
+              <a:rPr lang="en-US" baseline="0" dirty="0" smtClean="0"/>
+              <a:t>Focused on transients, how they threatened neighborhood women and children. Kept framing the homeless as criminally inclined, drunken, sex-crazed men who would infiltrate their communities and rob their homes and rape their women. </a:t>
+            </a:r>
+            <a:endParaRPr lang="en-US" dirty="0"/>
+          </a:p>
+        </p:txBody>
+      </p:sp>
+      <p:sp>
+        <p:nvSpPr>
+          <p:cNvPr id="4" name="Slide Number Placeholder 3"/>
+          <p:cNvSpPr>
+            <a:spLocks noGrp="1"/>
+          </p:cNvSpPr>
+          <p:nvPr>
+            <p:ph type="sldNum" sz="quarter" idx="10"/>
+          </p:nvPr>
+        </p:nvSpPr>
+        <p:spPr/>
+        <p:txBody>
+          <a:bodyPr/>
+          <a:lstStyle/>
+          <a:p>
+            <a:fld id="{ED8B9EAB-9194-C349-939B-458D4FF5A6A9}" type="slidenum">
+              <a:rPr lang="en-US" smtClean="0"/>
+              <a:t>31</a:t>
+            </a:fld>
+            <a:endParaRPr lang="en-US"/>
+          </a:p>
+        </p:txBody>
+      </p:sp>
+    </p:spTree>
+    <p:extLst>
+      <p:ext uri="{BB962C8B-B14F-4D97-AF65-F5344CB8AC3E}">
+        <p14:creationId xmlns:p14="http://schemas.microsoft.com/office/powerpoint/2010/main" val="3148152781"/>
+      </p:ext>
+    </p:extLst>
+  </p:cSld>
+  <p:clrMapOvr>
+    <a:masterClrMapping/>
+  </p:clrMapOvr>
+</p:notes>
+</file>
+
+<file path=ppt/notesSlides/notesSlide23.xml><?xml version="1.0" encoding="utf-8"?>
+<p:notes xmlns:a="http://schemas.openxmlformats.org/drawingml/2006/main" xmlns:r="http://schemas.openxmlformats.org/officeDocument/2006/relationships" xmlns:p="http://schemas.openxmlformats.org/presentationml/2006/main">
+  <p:cSld>
+    <p:spTree>
+      <p:nvGrpSpPr>
+        <p:cNvPr id="1" name=""/>
+        <p:cNvGrpSpPr/>
+        <p:nvPr/>
+      </p:nvGrpSpPr>
+      <p:grpSpPr>
+        <a:xfrm>
+          <a:off x="0" y="0"/>
+          <a:ext cx="0" cy="0"/>
+          <a:chOff x="0" y="0"/>
+          <a:chExt cx="0" cy="0"/>
+        </a:xfrm>
+      </p:grpSpPr>
+      <p:sp>
+        <p:nvSpPr>
+          <p:cNvPr id="2" name="Slide Image Placeholder 1"/>
+          <p:cNvSpPr>
+            <a:spLocks noGrp="1" noRot="1" noChangeAspect="1"/>
+          </p:cNvSpPr>
+          <p:nvPr>
+            <p:ph type="sldImg"/>
+          </p:nvPr>
+        </p:nvSpPr>
+        <p:spPr/>
+      </p:sp>
+      <p:sp>
+        <p:nvSpPr>
+          <p:cNvPr id="3" name="Notes Placeholder 2"/>
+          <p:cNvSpPr>
+            <a:spLocks noGrp="1"/>
+          </p:cNvSpPr>
+          <p:nvPr>
+            <p:ph type="body" idx="1"/>
+          </p:nvPr>
+        </p:nvSpPr>
+        <p:spPr/>
+        <p:txBody>
+          <a:bodyPr/>
+          <a:lstStyle/>
+          <a:p>
+            <a:r>
+              <a:rPr lang="en-US" dirty="0" smtClean="0"/>
+              <a:t>Example: income</a:t>
+            </a:r>
+            <a:r>
+              <a:rPr lang="en-US" baseline="0" dirty="0" smtClean="0"/>
+              <a:t> inequality… diagnosis: stagnant wages as a result of politicians not pushing minimum wage policy. Prognosis: elect politicians that would push increases on minimum wage.</a:t>
+            </a:r>
+            <a:endParaRPr lang="en-US" dirty="0"/>
+          </a:p>
+        </p:txBody>
+      </p:sp>
+      <p:sp>
+        <p:nvSpPr>
+          <p:cNvPr id="4" name="Slide Number Placeholder 3"/>
+          <p:cNvSpPr>
+            <a:spLocks noGrp="1"/>
+          </p:cNvSpPr>
+          <p:nvPr>
+            <p:ph type="sldNum" sz="quarter" idx="10"/>
+          </p:nvPr>
+        </p:nvSpPr>
+        <p:spPr/>
+        <p:txBody>
+          <a:bodyPr/>
+          <a:lstStyle/>
+          <a:p>
+            <a:fld id="{ED8B9EAB-9194-C349-939B-458D4FF5A6A9}" type="slidenum">
+              <a:rPr lang="en-US" smtClean="0"/>
+              <a:t>32</a:t>
+            </a:fld>
+            <a:endParaRPr lang="en-US"/>
+          </a:p>
+        </p:txBody>
+      </p:sp>
+    </p:spTree>
+    <p:extLst>
+      <p:ext uri="{BB962C8B-B14F-4D97-AF65-F5344CB8AC3E}">
+        <p14:creationId xmlns:p14="http://schemas.microsoft.com/office/powerpoint/2010/main" val="1771261654"/>
+      </p:ext>
+    </p:extLst>
+  </p:cSld>
+  <p:clrMapOvr>
+    <a:masterClrMapping/>
+  </p:clrMapOvr>
+</p:notes>
+</file>
+
+<file path=ppt/notesSlides/notesSlide24.xml><?xml version="1.0" encoding="utf-8"?>
+<p:notes xmlns:a="http://schemas.openxmlformats.org/drawingml/2006/main" xmlns:r="http://schemas.openxmlformats.org/officeDocument/2006/relationships" xmlns:p="http://schemas.openxmlformats.org/presentationml/2006/main">
+  <p:cSld>
+    <p:spTree>
+      <p:nvGrpSpPr>
+        <p:cNvPr id="1" name=""/>
+        <p:cNvGrpSpPr/>
+        <p:nvPr/>
+      </p:nvGrpSpPr>
+      <p:grpSpPr>
+        <a:xfrm>
+          <a:off x="0" y="0"/>
+          <a:ext cx="0" cy="0"/>
+          <a:chOff x="0" y="0"/>
+          <a:chExt cx="0" cy="0"/>
+        </a:xfrm>
+      </p:grpSpPr>
+      <p:sp>
+        <p:nvSpPr>
+          <p:cNvPr id="2" name="Slide Image Placeholder 1"/>
+          <p:cNvSpPr>
+            <a:spLocks noGrp="1" noRot="1" noChangeAspect="1"/>
+          </p:cNvSpPr>
+          <p:nvPr>
+            <p:ph type="sldImg"/>
+          </p:nvPr>
+        </p:nvSpPr>
+        <p:spPr>
+          <a:xfrm>
+            <a:off x="381000" y="685800"/>
+            <a:ext cx="6096000" cy="3429000"/>
+          </a:xfrm>
+        </p:spPr>
+      </p:sp>
+      <p:sp>
+        <p:nvSpPr>
+          <p:cNvPr id="3" name="Notes Placeholder 2"/>
+          <p:cNvSpPr>
+            <a:spLocks noGrp="1"/>
+          </p:cNvSpPr>
+          <p:nvPr>
+            <p:ph type="body" idx="1"/>
+          </p:nvPr>
+        </p:nvSpPr>
+        <p:spPr/>
+        <p:txBody>
+          <a:bodyPr/>
+          <a:lstStyle/>
+          <a:p>
+            <a:r>
+              <a:rPr lang="en-US" dirty="0" smtClean="0"/>
+              <a:t>Heavens</a:t>
+            </a:r>
+            <a:r>
+              <a:rPr lang="en-US" baseline="0" dirty="0" smtClean="0"/>
+              <a:t> Gate</a:t>
+            </a:r>
+            <a:r>
+              <a:rPr lang="is-IS" baseline="0" dirty="0" smtClean="0"/>
+              <a:t>…religious movement march 1997, thought that if they committed suicide, they would be transported to a UFO trailing the Hale-Bopp comet (the last comet of the century).</a:t>
+            </a:r>
+          </a:p>
+          <a:p>
+            <a:endParaRPr lang="is-IS" baseline="0" dirty="0" smtClean="0"/>
+          </a:p>
+          <a:p>
+            <a:r>
+              <a:rPr lang="is-IS" baseline="0" dirty="0" smtClean="0"/>
+              <a:t>needed the empirical event of Hale Bop’s comet in order for it to be framed as a passage to Heaven</a:t>
+            </a:r>
+          </a:p>
+          <a:p>
+            <a:r>
+              <a:rPr lang="is-IS" baseline="0" dirty="0" smtClean="0"/>
+              <a:t>Also need to take place in a cultural environment that allowed for the free expression of </a:t>
+            </a:r>
+            <a:r>
+              <a:rPr lang="is-IS" baseline="0" dirty="0" smtClean="0"/>
+              <a:t>religion</a:t>
+            </a:r>
+          </a:p>
+          <a:p>
+            <a:endParaRPr lang="is-IS" baseline="0" dirty="0" smtClean="0"/>
+          </a:p>
+          <a:p>
+            <a:pPr marL="0" marR="0" indent="0" algn="l" defTabSz="457200" rtl="0" eaLnBrk="1" fontAlgn="auto" latinLnBrk="0" hangingPunct="1">
+              <a:lnSpc>
+                <a:spcPct val="100000"/>
+              </a:lnSpc>
+              <a:spcBef>
+                <a:spcPts val="0"/>
+              </a:spcBef>
+              <a:spcAft>
+                <a:spcPts val="0"/>
+              </a:spcAft>
+              <a:buClrTx/>
+              <a:buSzTx/>
+              <a:buFontTx/>
+              <a:buNone/>
+              <a:tabLst/>
+              <a:defRPr/>
+            </a:pPr>
+            <a:r>
+              <a:rPr lang="en-US" dirty="0" smtClean="0"/>
+              <a:t>https://</a:t>
+            </a:r>
+            <a:r>
+              <a:rPr lang="en-US" dirty="0" err="1" smtClean="0"/>
+              <a:t>www.youtube.com</a:t>
+            </a:r>
+            <a:r>
+              <a:rPr lang="en-US" dirty="0" smtClean="0"/>
+              <a:t>/</a:t>
+            </a:r>
+            <a:r>
+              <a:rPr lang="en-US" dirty="0" err="1" smtClean="0"/>
+              <a:t>watch?v</a:t>
+            </a:r>
+            <a:r>
+              <a:rPr lang="en-US" dirty="0" smtClean="0"/>
+              <a:t>=3hFMhnfesDI#t=07m09s</a:t>
+            </a:r>
+          </a:p>
+          <a:p>
+            <a:endParaRPr lang="en-US" dirty="0"/>
+          </a:p>
+        </p:txBody>
+      </p:sp>
+      <p:sp>
+        <p:nvSpPr>
+          <p:cNvPr id="4" name="Slide Number Placeholder 3"/>
+          <p:cNvSpPr>
+            <a:spLocks noGrp="1"/>
+          </p:cNvSpPr>
+          <p:nvPr>
+            <p:ph type="sldNum" sz="quarter" idx="10"/>
+          </p:nvPr>
+        </p:nvSpPr>
+        <p:spPr/>
+        <p:txBody>
+          <a:bodyPr/>
+          <a:lstStyle/>
+          <a:p>
+            <a:fld id="{ED8B9EAB-9194-C349-939B-458D4FF5A6A9}" type="slidenum">
+              <a:rPr lang="en-US" smtClean="0"/>
+              <a:t>33</a:t>
+            </a:fld>
+            <a:endParaRPr lang="en-US"/>
+          </a:p>
+        </p:txBody>
+      </p:sp>
+    </p:spTree>
+    <p:extLst>
+      <p:ext uri="{BB962C8B-B14F-4D97-AF65-F5344CB8AC3E}">
+        <p14:creationId xmlns:p14="http://schemas.microsoft.com/office/powerpoint/2010/main" val="2019191894"/>
+      </p:ext>
+    </p:extLst>
+  </p:cSld>
+  <p:clrMapOvr>
+    <a:masterClrMapping/>
+  </p:clrMapOvr>
+</p:notes>
+</file>
+
+<file path=ppt/notesSlides/notesSlide25.xml><?xml version="1.0" encoding="utf-8"?>
+<p:notes xmlns:a="http://schemas.openxmlformats.org/drawingml/2006/main" xmlns:r="http://schemas.openxmlformats.org/officeDocument/2006/relationships" xmlns:p="http://schemas.openxmlformats.org/presentationml/2006/main">
+  <p:cSld>
+    <p:spTree>
+      <p:nvGrpSpPr>
+        <p:cNvPr id="1" name=""/>
+        <p:cNvGrpSpPr/>
+        <p:nvPr/>
+      </p:nvGrpSpPr>
+      <p:grpSpPr>
+        <a:xfrm>
+          <a:off x="0" y="0"/>
+          <a:ext cx="0" cy="0"/>
+          <a:chOff x="0" y="0"/>
+          <a:chExt cx="0" cy="0"/>
+        </a:xfrm>
+      </p:grpSpPr>
+      <p:sp>
+        <p:nvSpPr>
+          <p:cNvPr id="2" name="Slide Image Placeholder 1"/>
+          <p:cNvSpPr>
+            <a:spLocks noGrp="1" noRot="1" noChangeAspect="1"/>
+          </p:cNvSpPr>
+          <p:nvPr>
+            <p:ph type="sldImg"/>
+          </p:nvPr>
+        </p:nvSpPr>
+        <p:spPr>
+          <a:xfrm>
+            <a:off x="381000" y="685800"/>
+            <a:ext cx="6096000" cy="3429000"/>
+          </a:xfrm>
+        </p:spPr>
+      </p:sp>
+      <p:sp>
+        <p:nvSpPr>
+          <p:cNvPr id="3" name="Notes Placeholder 2"/>
+          <p:cNvSpPr>
+            <a:spLocks noGrp="1"/>
+          </p:cNvSpPr>
+          <p:nvPr>
+            <p:ph type="body" idx="1"/>
+          </p:nvPr>
+        </p:nvSpPr>
+        <p:spPr/>
+        <p:txBody>
+          <a:bodyPr/>
+          <a:lstStyle/>
+          <a:p>
+            <a:r>
+              <a:rPr lang="en-US" dirty="0" smtClean="0"/>
+              <a:t>Heavens</a:t>
+            </a:r>
+            <a:r>
+              <a:rPr lang="en-US" baseline="0" dirty="0" smtClean="0"/>
+              <a:t> Gate</a:t>
+            </a:r>
+            <a:r>
+              <a:rPr lang="is-IS" baseline="0" dirty="0" smtClean="0"/>
+              <a:t>…religious movement march 1997, thought that if they committed suicide, they would be transported to a UFO trailing the Hale-Bopp comet (the last comet of the century).</a:t>
+            </a:r>
+          </a:p>
+          <a:p>
+            <a:endParaRPr lang="is-IS" baseline="0" dirty="0" smtClean="0"/>
+          </a:p>
+          <a:p>
+            <a:r>
+              <a:rPr lang="is-IS" baseline="0" dirty="0" smtClean="0"/>
+              <a:t>needed the empirical event of Hale Bop’s comet in order for it to be framed as a passage to Heaven</a:t>
+            </a:r>
+          </a:p>
+          <a:p>
+            <a:r>
+              <a:rPr lang="is-IS" baseline="0" dirty="0" smtClean="0"/>
+              <a:t>Also need to take place in a cultural environment that allowed for the free expression of </a:t>
+            </a:r>
+            <a:r>
+              <a:rPr lang="is-IS" baseline="0" dirty="0" smtClean="0"/>
+              <a:t>religion</a:t>
+            </a:r>
+          </a:p>
+          <a:p>
+            <a:endParaRPr lang="is-IS" baseline="0" dirty="0" smtClean="0"/>
+          </a:p>
+          <a:p>
+            <a:r>
+              <a:rPr lang="en-US" dirty="0" smtClean="0"/>
+              <a:t>https://</a:t>
+            </a:r>
+            <a:r>
+              <a:rPr lang="en-US" dirty="0" err="1" smtClean="0"/>
+              <a:t>www.youtube.com</a:t>
+            </a:r>
+            <a:r>
+              <a:rPr lang="en-US" dirty="0" smtClean="0"/>
+              <a:t>/</a:t>
+            </a:r>
+            <a:r>
+              <a:rPr lang="en-US" dirty="0" err="1" smtClean="0"/>
+              <a:t>watch?v</a:t>
+            </a:r>
+            <a:r>
+              <a:rPr lang="en-US" dirty="0" smtClean="0"/>
+              <a:t>=3hFMhnfesDI#t=07m09s</a:t>
+            </a:r>
+            <a:endParaRPr lang="en-US" dirty="0"/>
+          </a:p>
+        </p:txBody>
+      </p:sp>
+      <p:sp>
+        <p:nvSpPr>
+          <p:cNvPr id="4" name="Slide Number Placeholder 3"/>
+          <p:cNvSpPr>
+            <a:spLocks noGrp="1"/>
+          </p:cNvSpPr>
+          <p:nvPr>
+            <p:ph type="sldNum" sz="quarter" idx="10"/>
+          </p:nvPr>
+        </p:nvSpPr>
+        <p:spPr/>
+        <p:txBody>
+          <a:bodyPr/>
+          <a:lstStyle/>
+          <a:p>
+            <a:fld id="{ED8B9EAB-9194-C349-939B-458D4FF5A6A9}" type="slidenum">
+              <a:rPr lang="en-US" smtClean="0"/>
+              <a:t>34</a:t>
+            </a:fld>
+            <a:endParaRPr lang="en-US"/>
+          </a:p>
+        </p:txBody>
+      </p:sp>
+    </p:spTree>
+    <p:extLst>
+      <p:ext uri="{BB962C8B-B14F-4D97-AF65-F5344CB8AC3E}">
+        <p14:creationId xmlns:p14="http://schemas.microsoft.com/office/powerpoint/2010/main" val="2019191894"/>
       </p:ext>
     </p:extLst>
   </p:cSld>
@@ -1764,12 +2458,7 @@
             <p:ph type="sldImg"/>
           </p:nvPr>
         </p:nvSpPr>
-        <p:spPr>
-          <a:xfrm>
-            <a:off x="381000" y="685800"/>
-            <a:ext cx="6096000" cy="3429000"/>
-          </a:xfrm>
-        </p:spPr>
+        <p:spPr/>
       </p:sp>
       <p:sp>
         <p:nvSpPr>
@@ -1785,20 +2474,6 @@
         <p:txBody>
           <a:bodyPr/>
           <a:lstStyle/>
-          <a:p>
-            <a:r>
-              <a:rPr lang="en-US" dirty="0" smtClean="0"/>
-              <a:t>1960s, response to Collective Behavior theories</a:t>
-            </a:r>
-            <a:r>
-              <a:rPr lang="en-US" baseline="0" dirty="0" smtClean="0"/>
-              <a:t> that g</a:t>
-            </a:r>
-            <a:r>
-              <a:rPr lang="en-US" dirty="0" smtClean="0"/>
-              <a:t>rievances the most important factor for social movement activity</a:t>
-            </a:r>
-          </a:p>
           <a:p>
             <a:endParaRPr lang="en-US" dirty="0"/>
           </a:p>
@@ -1821,7 +2496,7 @@
           <a:p>
             <a:fld id="{ED8B9EAB-9194-C349-939B-458D4FF5A6A9}" type="slidenum">
               <a:rPr lang="en-US" smtClean="0"/>
-              <a:t>5</a:t>
+              <a:t>6</a:t>
             </a:fld>
             <a:endParaRPr lang="en-US"/>
           </a:p>
@@ -1830,7 +2505,7 @@
     </p:spTree>
     <p:extLst>
       <p:ext uri="{BB962C8B-B14F-4D97-AF65-F5344CB8AC3E}">
-        <p14:creationId xmlns:p14="http://schemas.microsoft.com/office/powerpoint/2010/main" val="3948018074"/>
+        <p14:creationId xmlns:p14="http://schemas.microsoft.com/office/powerpoint/2010/main" val="560667625"/>
       </p:ext>
     </p:extLst>
   </p:cSld>
@@ -1891,12 +2566,18 @@
           <a:p>
             <a:r>
               <a:rPr lang="en-US" dirty="0" smtClean="0"/>
-              <a:t>Individual grievances are individually experienced:</a:t>
+              <a:t>1960s, response to Collective Behavior theories</a:t>
             </a:r>
             <a:r>
               <a:rPr lang="en-US" baseline="0" dirty="0" smtClean="0"/>
-              <a:t> not getting a raise, dissatisfaction with boss, or lines at bank, traffic</a:t>
-            </a:r>
+              <a:t> that g</a:t>
+            </a:r>
+            <a:r>
+              <a:rPr lang="en-US" dirty="0" smtClean="0"/>
+              <a:t>rievances the most important factor for social movement activity</a:t>
+            </a:r>
+          </a:p>
+          <a:p>
             <a:endParaRPr lang="en-US" dirty="0"/>
           </a:p>
         </p:txBody>
@@ -1918,7 +2599,7 @@
           <a:p>
             <a:fld id="{ED8B9EAB-9194-C349-939B-458D4FF5A6A9}" type="slidenum">
               <a:rPr lang="en-US" smtClean="0"/>
-              <a:t>6</a:t>
+              <a:t>7</a:t>
             </a:fld>
             <a:endParaRPr lang="en-US"/>
           </a:p>
@@ -1927,7 +2608,7 @@
     </p:spTree>
     <p:extLst>
       <p:ext uri="{BB962C8B-B14F-4D97-AF65-F5344CB8AC3E}">
-        <p14:creationId xmlns:p14="http://schemas.microsoft.com/office/powerpoint/2010/main" val="1866567529"/>
+        <p14:creationId xmlns:p14="http://schemas.microsoft.com/office/powerpoint/2010/main" val="3948018074"/>
       </p:ext>
     </p:extLst>
   </p:cSld>
@@ -1986,29 +2667,18 @@
           <a:bodyPr/>
           <a:lstStyle/>
           <a:p>
-            <a:pPr marL="0" marR="0" lvl="1" indent="0" algn="l" defTabSz="457200" rtl="0" eaLnBrk="1" fontAlgn="auto" latinLnBrk="0" hangingPunct="1">
-              <a:lnSpc>
-                <a:spcPct val="100000"/>
-              </a:lnSpc>
-              <a:spcBef>
-                <a:spcPts val="0"/>
-              </a:spcBef>
-              <a:spcAft>
-                <a:spcPts val="0"/>
-              </a:spcAft>
-              <a:buClrTx/>
-              <a:buSzTx/>
-              <a:buFontTx/>
-              <a:buNone/>
-              <a:tabLst/>
-              <a:defRPr/>
-            </a:pPr>
-            <a:r>
-              <a:rPr lang="en-US" i="0" dirty="0" smtClean="0"/>
-              <a:t>Grievances rooted in conflicts over claims to rewards and opportunities among groups differentially situated in the social system</a:t>
-            </a:r>
-          </a:p>
-          <a:p>
+            <a:r>
+              <a:rPr lang="en-US" dirty="0" smtClean="0"/>
+              <a:t>Individual grievances are individually experienced:</a:t>
+            </a:r>
+            <a:r>
+              <a:rPr lang="en-US" baseline="0" dirty="0" smtClean="0"/>
+              <a:t> not getting a raise, dissatisfaction with boss, or lines at bank, </a:t>
+            </a:r>
+            <a:r>
+              <a:rPr lang="en-US" baseline="0" dirty="0" smtClean="0"/>
+              <a:t>traffic</a:t>
+            </a:r>
             <a:endParaRPr lang="en-US" dirty="0"/>
           </a:p>
         </p:txBody>
@@ -2039,7 +2709,7 @@
     </p:spTree>
     <p:extLst>
       <p:ext uri="{BB962C8B-B14F-4D97-AF65-F5344CB8AC3E}">
-        <p14:creationId xmlns:p14="http://schemas.microsoft.com/office/powerpoint/2010/main" val="1819920057"/>
+        <p14:creationId xmlns:p14="http://schemas.microsoft.com/office/powerpoint/2010/main" val="1866567529"/>
       </p:ext>
     </p:extLst>
   </p:cSld>
@@ -2098,14 +2768,29 @@
           <a:bodyPr/>
           <a:lstStyle/>
           <a:p>
-            <a:r>
-              <a:rPr lang="en-US" dirty="0" smtClean="0"/>
-              <a:t>Weakens</a:t>
-            </a:r>
-            <a:r>
-              <a:rPr lang="en-US" baseline="0" dirty="0" smtClean="0"/>
-              <a:t> social constraints and loosens national fabric</a:t>
-            </a:r>
+            <a:pPr marL="0" marR="0" lvl="1" indent="0" algn="l" defTabSz="457200" rtl="0" eaLnBrk="1" fontAlgn="auto" latinLnBrk="0" hangingPunct="1">
+              <a:lnSpc>
+                <a:spcPct val="100000"/>
+              </a:lnSpc>
+              <a:spcBef>
+                <a:spcPts val="0"/>
+              </a:spcBef>
+              <a:spcAft>
+                <a:spcPts val="0"/>
+              </a:spcAft>
+              <a:buClrTx/>
+              <a:buSzTx/>
+              <a:buFontTx/>
+              <a:buNone/>
+              <a:tabLst/>
+              <a:defRPr/>
+            </a:pPr>
+            <a:r>
+              <a:rPr lang="en-US" i="0" dirty="0" smtClean="0"/>
+              <a:t>Grievances rooted in conflicts over claims to rewards and opportunities among groups differentially situated in the social system</a:t>
+            </a:r>
+          </a:p>
+          <a:p>
             <a:endParaRPr lang="en-US" dirty="0"/>
           </a:p>
         </p:txBody>
@@ -2136,7 +2821,7 @@
     </p:spTree>
     <p:extLst>
       <p:ext uri="{BB962C8B-B14F-4D97-AF65-F5344CB8AC3E}">
-        <p14:creationId xmlns:p14="http://schemas.microsoft.com/office/powerpoint/2010/main" val="3538134952"/>
+        <p14:creationId xmlns:p14="http://schemas.microsoft.com/office/powerpoint/2010/main" val="1819920057"/>
       </p:ext>
     </p:extLst>
   </p:cSld>
@@ -2294,19 +2979,11 @@
           <a:p>
             <a:r>
               <a:rPr lang="en-US" dirty="0" smtClean="0"/>
-              <a:t>Both actual</a:t>
+              <a:t>Weakens</a:t>
             </a:r>
             <a:r>
               <a:rPr lang="en-US" baseline="0" dirty="0" smtClean="0"/>
-              <a:t> and threatened loss in the quotidian are enough to spur action. </a:t>
-            </a:r>
-            <a:r>
-              <a:rPr lang="en-US" baseline="0" dirty="0" err="1" smtClean="0"/>
-              <a:t>Ppl</a:t>
-            </a:r>
-            <a:r>
-              <a:rPr lang="en-US" baseline="0" dirty="0" smtClean="0"/>
-              <a:t> are motivated to recoup what they have already lost or guard against the prospect of such loss</a:t>
+              <a:t> social constraints and loosens national fabric</a:t>
             </a:r>
             <a:endParaRPr lang="en-US" dirty="0"/>
           </a:p>
@@ -2375,12 +3052,7 @@
             <p:ph type="sldImg"/>
           </p:nvPr>
         </p:nvSpPr>
-        <p:spPr>
-          <a:xfrm>
-            <a:off x="381000" y="685800"/>
-            <a:ext cx="6096000" cy="3429000"/>
-          </a:xfrm>
-        </p:spPr>
+        <p:spPr/>
       </p:sp>
       <p:sp>
         <p:nvSpPr>
@@ -2396,6 +3068,35 @@
         <p:txBody>
           <a:bodyPr/>
           <a:lstStyle/>
+          <a:p>
+            <a:r>
+              <a:rPr lang="en-US" dirty="0" smtClean="0"/>
+              <a:t>Research provides mixed findings</a:t>
+            </a:r>
+          </a:p>
+          <a:p>
+            <a:pPr lvl="1"/>
+            <a:r>
+              <a:rPr lang="en-US" dirty="0" smtClean="0"/>
+              <a:t>Black unemployment is both </a:t>
+            </a:r>
+            <a:r>
+              <a:rPr lang="en-US" i="1" dirty="0" smtClean="0"/>
+              <a:t>unrelated to </a:t>
+            </a:r>
+            <a:r>
+              <a:rPr lang="en-US" dirty="0" smtClean="0"/>
+              <a:t>and </a:t>
+            </a:r>
+            <a:r>
+              <a:rPr lang="en-US" i="1" dirty="0" smtClean="0"/>
+              <a:t>significantly associated with </a:t>
+            </a:r>
+            <a:r>
+              <a:rPr lang="en-US" dirty="0" smtClean="0"/>
+              <a:t>black riots</a:t>
+            </a:r>
+          </a:p>
           <a:p>
             <a:endParaRPr lang="en-US" dirty="0"/>
           </a:p>
@@ -2427,7 +3128,7 @@
     </p:spTree>
     <p:extLst>
       <p:ext uri="{BB962C8B-B14F-4D97-AF65-F5344CB8AC3E}">
-        <p14:creationId xmlns:p14="http://schemas.microsoft.com/office/powerpoint/2010/main" val="3538134952"/>
+        <p14:creationId xmlns:p14="http://schemas.microsoft.com/office/powerpoint/2010/main" val="852967176"/>
       </p:ext>
     </p:extLst>
   </p:cSld>
@@ -2750,7 +3451,7 @@
           <a:p>
             <a:fld id="{55004B5D-1CA2-CD4C-BA45-D2797EC0AABB}" type="datetimeFigureOut">
               <a:rPr lang="en-US" smtClean="0"/>
-              <a:t>8/17/17</a:t>
+              <a:t>9/11/17</a:t>
             </a:fld>
             <a:endParaRPr lang="en-US"/>
           </a:p>
@@ -2916,7 +3617,7 @@
           <a:p>
             <a:fld id="{55004B5D-1CA2-CD4C-BA45-D2797EC0AABB}" type="datetimeFigureOut">
               <a:rPr lang="en-US" smtClean="0"/>
-              <a:t>8/17/17</a:t>
+              <a:t>9/11/17</a:t>
             </a:fld>
             <a:endParaRPr lang="en-US"/>
           </a:p>
@@ -3240,7 +3941,7 @@
           <a:p>
             <a:fld id="{55004B5D-1CA2-CD4C-BA45-D2797EC0AABB}" type="datetimeFigureOut">
               <a:rPr lang="en-US" smtClean="0"/>
-              <a:t>8/17/17</a:t>
+              <a:t>9/11/17</a:t>
             </a:fld>
             <a:endParaRPr lang="en-US"/>
           </a:p>
@@ -3456,7 +4157,7 @@
           <a:p>
             <a:fld id="{55004B5D-1CA2-CD4C-BA45-D2797EC0AABB}" type="datetimeFigureOut">
               <a:rPr lang="en-US" smtClean="0"/>
-              <a:t>8/17/17</a:t>
+              <a:t>9/11/17</a:t>
             </a:fld>
             <a:endParaRPr lang="en-US"/>
           </a:p>
@@ -3811,7 +4512,7 @@
           <a:p>
             <a:fld id="{55004B5D-1CA2-CD4C-BA45-D2797EC0AABB}" type="datetimeFigureOut">
               <a:rPr lang="en-US" smtClean="0"/>
-              <a:t>8/17/17</a:t>
+              <a:t>9/11/17</a:t>
             </a:fld>
             <a:endParaRPr lang="en-US"/>
           </a:p>
@@ -4103,7 +4804,7 @@
           <a:p>
             <a:fld id="{55004B5D-1CA2-CD4C-BA45-D2797EC0AABB}" type="datetimeFigureOut">
               <a:rPr lang="en-US" smtClean="0"/>
-              <a:t>8/17/17</a:t>
+              <a:t>9/11/17</a:t>
             </a:fld>
             <a:endParaRPr lang="en-US"/>
           </a:p>
@@ -4484,7 +5185,7 @@
           <a:p>
             <a:fld id="{55004B5D-1CA2-CD4C-BA45-D2797EC0AABB}" type="datetimeFigureOut">
               <a:rPr lang="en-US" smtClean="0"/>
-              <a:t>8/17/17</a:t>
+              <a:t>9/11/17</a:t>
             </a:fld>
             <a:endParaRPr lang="en-US"/>
           </a:p>
@@ -4582,7 +5283,7 @@
           <a:p>
             <a:fld id="{55004B5D-1CA2-CD4C-BA45-D2797EC0AABB}" type="datetimeFigureOut">
               <a:rPr lang="en-US" smtClean="0"/>
-              <a:t>8/17/17</a:t>
+              <a:t>9/11/17</a:t>
             </a:fld>
             <a:endParaRPr lang="en-US"/>
           </a:p>
@@ -4657,7 +5358,7 @@
           <a:p>
             <a:fld id="{55004B5D-1CA2-CD4C-BA45-D2797EC0AABB}" type="datetimeFigureOut">
               <a:rPr lang="en-US" smtClean="0"/>
-              <a:t>8/17/17</a:t>
+              <a:t>9/11/17</a:t>
             </a:fld>
             <a:endParaRPr lang="en-US"/>
           </a:p>
@@ -4900,7 +5601,7 @@
           <a:p>
             <a:fld id="{55004B5D-1CA2-CD4C-BA45-D2797EC0AABB}" type="datetimeFigureOut">
               <a:rPr lang="en-US" smtClean="0"/>
-              <a:t>8/17/17</a:t>
+              <a:t>9/11/17</a:t>
             </a:fld>
             <a:endParaRPr lang="en-US"/>
           </a:p>
@@ -5335,7 +6036,7 @@
           <a:p>
             <a:fld id="{55004B5D-1CA2-CD4C-BA45-D2797EC0AABB}" type="datetimeFigureOut">
               <a:rPr lang="en-US" smtClean="0"/>
-              <a:t>8/17/17</a:t>
+              <a:t>9/11/17</a:t>
             </a:fld>
             <a:endParaRPr lang="en-US"/>
           </a:p>
@@ -5555,7 +6256,7 @@
           <a:p>
             <a:fld id="{55004B5D-1CA2-CD4C-BA45-D2797EC0AABB}" type="datetimeFigureOut">
               <a:rPr lang="en-US" smtClean="0"/>
-              <a:t>8/17/17</a:t>
+              <a:t>9/11/17</a:t>
             </a:fld>
             <a:endParaRPr lang="en-US"/>
           </a:p>
@@ -6296,14 +6997,14 @@
   <p:clrMapOvr>
     <a:masterClrMapping/>
   </p:clrMapOvr>
-  <mc:AlternateContent xmlns:mc="http://schemas.openxmlformats.org/markup-compatibility/2006" xmlns:p14="http://schemas.microsoft.com/office/powerpoint/2010/main">
-    <mc:Choice Requires="p14">
+  <mc:AlternateContent xmlns:mc="http://schemas.openxmlformats.org/markup-compatibility/2006">
+    <mc:Choice xmlns:p14="http://schemas.microsoft.com/office/powerpoint/2010/main" Requires="p14">
       <p:transition spd="med" p14:dur="700">
         <p:fade/>
       </p:transition>
     </mc:Choice>
-    <mc:Fallback xmlns="">
-      <p:transition xmlns:p14="http://schemas.microsoft.com/office/powerpoint/2010/main" spd="med">
+    <mc:Fallback>
+      <p:transition spd="med">
         <p:fade/>
       </p:transition>
     </mc:Fallback>
@@ -6354,8 +7055,13 @@
           <a:p>
             <a:r>
               <a:rPr lang="en-US" dirty="0"/>
-              <a:t>Grievances as Function of Objective Structural or Material Conditions</a:t>
-            </a:r>
+              <a:t>2: Grievances a Function of Objective Structural/Material </a:t>
+            </a:r>
+            <a:r>
+              <a:rPr lang="en-US" dirty="0" smtClean="0"/>
+              <a:t>Conditions - Inequality</a:t>
+            </a:r>
+            <a:endParaRPr lang="en-US" dirty="0"/>
           </a:p>
         </p:txBody>
       </p:sp>
@@ -6376,55 +7082,59 @@
           <a:p>
             <a:r>
               <a:rPr lang="en-US" dirty="0" smtClean="0"/>
-              <a:t>Strain</a:t>
+              <a:t>Inequality/Group Conflict</a:t>
             </a:r>
           </a:p>
           <a:p>
             <a:pPr lvl="1"/>
             <a:r>
-              <a:rPr lang="en-US" dirty="0" smtClean="0"/>
-              <a:t>Disintegration</a:t>
-            </a:r>
-          </a:p>
-          <a:p>
-            <a:pPr lvl="2"/>
-            <a:r>
-              <a:rPr lang="en-US" dirty="0" smtClean="0"/>
-              <a:t>Disruptive social changes/breakdown in traditional social arrangements make people aggrieved and disconnected from one another, making them more vulnerable to appeals of movements</a:t>
-            </a:r>
-          </a:p>
-          <a:p>
-            <a:pPr lvl="3"/>
-            <a:r>
-              <a:rPr lang="en-US" dirty="0" smtClean="0"/>
-              <a:t>War, natural disaster, adverse economic trends</a:t>
-            </a:r>
-            <a:endParaRPr lang="en-US" dirty="0"/>
+              <a:rPr lang="en-US" dirty="0"/>
+              <a:t>U</a:t>
+            </a:r>
+            <a:r>
+              <a:rPr lang="en-US" dirty="0" smtClean="0"/>
+              <a:t>nequal </a:t>
+            </a:r>
+            <a:r>
+              <a:rPr lang="en-US" dirty="0" smtClean="0"/>
+              <a:t>distribution of rewards (money, status, power) and opportunities</a:t>
+            </a:r>
+          </a:p>
+          <a:p>
+            <a:pPr lvl="1"/>
+            <a:endParaRPr lang="en-US" dirty="0" smtClean="0"/>
           </a:p>
         </p:txBody>
       </p:sp>
     </p:spTree>
     <p:extLst>
       <p:ext uri="{BB962C8B-B14F-4D97-AF65-F5344CB8AC3E}">
-        <p14:creationId xmlns:p14="http://schemas.microsoft.com/office/powerpoint/2010/main" val="2229254799"/>
+        <p14:creationId xmlns:p14="http://schemas.microsoft.com/office/powerpoint/2010/main" val="3293979405"/>
       </p:ext>
     </p:extLst>
   </p:cSld>
   <p:clrMapOvr>
     <a:masterClrMapping/>
   </p:clrMapOvr>
-  <mc:AlternateContent xmlns:mc="http://schemas.openxmlformats.org/markup-compatibility/2006" xmlns:p14="http://schemas.microsoft.com/office/powerpoint/2010/main">
-    <mc:Choice Requires="p14">
+  <mc:AlternateContent xmlns:mc="http://schemas.openxmlformats.org/markup-compatibility/2006">
+    <mc:Choice xmlns:p14="http://schemas.microsoft.com/office/powerpoint/2010/main" Requires="p14">
       <p:transition spd="med" p14:dur="700">
         <p:fade/>
       </p:transition>
     </mc:Choice>
-    <mc:Fallback xmlns="">
-      <p:transition xmlns:p14="http://schemas.microsoft.com/office/powerpoint/2010/main" spd="med">
+    <mc:Fallback>
+      <p:transition spd="med">
         <p:fade/>
       </p:transition>
     </mc:Fallback>
   </mc:AlternateContent>
+  <p:timing>
+    <p:tnLst>
+      <p:par>
+        <p:cTn id="1" dur="indefinite" restart="never" nodeType="tmRoot"/>
+      </p:par>
+    </p:tnLst>
+  </p:timing>
 </p:sld>
 </file>
 
@@ -6464,13 +7174,8 @@
           <a:p>
             <a:r>
               <a:rPr lang="en-US" sz="3600" dirty="0"/>
-              <a:t>Problem with </a:t>
-            </a:r>
-            <a:r>
-              <a:rPr lang="en-US" sz="3600" dirty="0"/>
-              <a:t>“Strain” Argument</a:t>
-            </a:r>
-            <a:endParaRPr lang="en-US" sz="3600" dirty="0"/>
+              <a:t>Problem with “Inequality” Argument</a:t>
+            </a:r>
           </a:p>
         </p:txBody>
       </p:sp>
@@ -6491,41 +7196,65 @@
           <a:p>
             <a:r>
               <a:rPr lang="en-US" dirty="0" smtClean="0"/>
-              <a:t>Disorganized or socially atomized people rarely involved in protest</a:t>
-            </a:r>
-          </a:p>
-          <a:p>
-            <a:pPr lvl="1"/>
-            <a:r>
-              <a:rPr lang="en-US" dirty="0" smtClean="0"/>
-              <a:t>Participation is conducted by those who are heavily organized</a:t>
-            </a:r>
-            <a:endParaRPr lang="en-US" dirty="0"/>
+              <a:t>Groups are hierarchically situated in </a:t>
+            </a:r>
+            <a:r>
+              <a:rPr lang="en-US" dirty="0"/>
+              <a:t>the social </a:t>
+            </a:r>
+            <a:r>
+              <a:rPr lang="en-US" dirty="0" smtClean="0"/>
+              <a:t>system, yet </a:t>
+            </a:r>
+            <a:r>
+              <a:rPr lang="en-US" dirty="0" smtClean="0"/>
+              <a:t>inequality conflicts don’t </a:t>
+            </a:r>
+            <a:r>
+              <a:rPr lang="en-US" dirty="0" smtClean="0"/>
+              <a:t>always materialize</a:t>
+            </a:r>
+          </a:p>
+          <a:p>
+            <a:endParaRPr lang="en-US" dirty="0" smtClean="0"/>
+          </a:p>
+          <a:p>
+            <a:r>
+              <a:rPr lang="en-US" dirty="0" smtClean="0"/>
+              <a:t>If conflicts do arise, doesn’t always translate into mobilizing grievances</a:t>
+            </a:r>
           </a:p>
         </p:txBody>
       </p:sp>
     </p:spTree>
     <p:extLst>
       <p:ext uri="{BB962C8B-B14F-4D97-AF65-F5344CB8AC3E}">
-        <p14:creationId xmlns:p14="http://schemas.microsoft.com/office/powerpoint/2010/main" val="549270741"/>
+        <p14:creationId xmlns:p14="http://schemas.microsoft.com/office/powerpoint/2010/main" val="1954083259"/>
       </p:ext>
     </p:extLst>
   </p:cSld>
   <p:clrMapOvr>
     <a:masterClrMapping/>
   </p:clrMapOvr>
-  <mc:AlternateContent xmlns:mc="http://schemas.openxmlformats.org/markup-compatibility/2006" xmlns:p14="http://schemas.microsoft.com/office/powerpoint/2010/main">
-    <mc:Choice Requires="p14">
+  <mc:AlternateContent xmlns:mc="http://schemas.openxmlformats.org/markup-compatibility/2006">
+    <mc:Choice xmlns:p14="http://schemas.microsoft.com/office/powerpoint/2010/main" Requires="p14">
       <p:transition spd="med" p14:dur="700">
         <p:fade/>
       </p:transition>
     </mc:Choice>
-    <mc:Fallback xmlns="">
-      <p:transition xmlns:p14="http://schemas.microsoft.com/office/powerpoint/2010/main" spd="med">
+    <mc:Fallback>
+      <p:transition spd="med">
         <p:fade/>
       </p:transition>
     </mc:Fallback>
   </mc:AlternateContent>
+  <p:timing>
+    <p:tnLst>
+      <p:par>
+        <p:cTn id="1" dur="indefinite" restart="never" nodeType="tmRoot"/>
+      </p:par>
+    </p:tnLst>
+  </p:timing>
 </p:sld>
 </file>
 
@@ -6565,8 +7294,13 @@
           <a:p>
             <a:r>
               <a:rPr lang="en-US" dirty="0"/>
-              <a:t>Grievances as Function of Objective Structural or Material Conditions</a:t>
-            </a:r>
+              <a:t>2: Grievances a Function of Objective Structural/Material </a:t>
+            </a:r>
+            <a:r>
+              <a:rPr lang="en-US" dirty="0" smtClean="0"/>
+              <a:t>Conditions - Disintegration</a:t>
+            </a:r>
+            <a:endParaRPr lang="en-US" dirty="0"/>
           </a:p>
         </p:txBody>
       </p:sp>
@@ -6594,21 +7328,29 @@
             <a:pPr lvl="1"/>
             <a:r>
               <a:rPr lang="en-US" dirty="0" smtClean="0"/>
-              <a:t>Absolute Deprivation</a:t>
+              <a:t>Disintegration</a:t>
             </a:r>
           </a:p>
           <a:p>
             <a:pPr lvl="2"/>
             <a:r>
               <a:rPr lang="en-US" dirty="0" smtClean="0"/>
-              <a:t>Dire social conditions are a source of grievances and make people more vulnerable to appeals of movements</a:t>
+              <a:t>Disruptive social changes/breakdown in traditional social arrangements </a:t>
+            </a:r>
+            <a:r>
+              <a:rPr lang="en-US" dirty="0" smtClean="0"/>
+              <a:t>that disconnect people from one another</a:t>
             </a:r>
           </a:p>
           <a:p>
             <a:pPr lvl="3"/>
             <a:r>
               <a:rPr lang="en-US" dirty="0" smtClean="0"/>
-              <a:t>Lack of affordable housing, unemployment, inaccessible healthcare, poverty, discrimination</a:t>
+              <a:t>War</a:t>
+            </a:r>
+            <a:r>
+              <a:rPr lang="en-US" dirty="0" smtClean="0"/>
+              <a:t>, natural disaster, adverse economic trends</a:t>
             </a:r>
             <a:endParaRPr lang="en-US" dirty="0"/>
           </a:p>
@@ -6617,25 +7359,32 @@
     </p:spTree>
     <p:extLst>
       <p:ext uri="{BB962C8B-B14F-4D97-AF65-F5344CB8AC3E}">
-        <p14:creationId xmlns:p14="http://schemas.microsoft.com/office/powerpoint/2010/main" val="3210992631"/>
+        <p14:creationId xmlns:p14="http://schemas.microsoft.com/office/powerpoint/2010/main" val="2229254799"/>
       </p:ext>
     </p:extLst>
   </p:cSld>
   <p:clrMapOvr>
     <a:masterClrMapping/>
   </p:clrMapOvr>
-  <mc:AlternateContent xmlns:mc="http://schemas.openxmlformats.org/markup-compatibility/2006" xmlns:p14="http://schemas.microsoft.com/office/powerpoint/2010/main">
-    <mc:Choice Requires="p14">
+  <mc:AlternateContent xmlns:mc="http://schemas.openxmlformats.org/markup-compatibility/2006">
+    <mc:Choice xmlns:p14="http://schemas.microsoft.com/office/powerpoint/2010/main" Requires="p14">
       <p:transition spd="med" p14:dur="700">
         <p:fade/>
       </p:transition>
     </mc:Choice>
-    <mc:Fallback xmlns="">
-      <p:transition xmlns:p14="http://schemas.microsoft.com/office/powerpoint/2010/main" spd="med">
+    <mc:Fallback>
+      <p:transition spd="med">
         <p:fade/>
       </p:transition>
     </mc:Fallback>
   </mc:AlternateContent>
+  <p:timing>
+    <p:tnLst>
+      <p:par>
+        <p:cTn id="1" dur="indefinite" restart="never" nodeType="tmRoot"/>
+      </p:par>
+    </p:tnLst>
+  </p:timing>
 </p:sld>
 </file>
 
@@ -6669,15 +7418,22 @@
         <p:spPr/>
         <p:txBody>
           <a:bodyPr>
-            <a:normAutofit/>
+            <a:noAutofit/>
           </a:bodyPr>
           <a:lstStyle/>
           <a:p>
             <a:r>
-              <a:rPr lang="en-US" dirty="0" smtClean="0"/>
-              <a:t>Problem with “Absolute Deprivation” Argument</a:t>
-            </a:r>
-            <a:endParaRPr lang="en-US" dirty="0"/>
+              <a:rPr lang="en-US" sz="3600" dirty="0"/>
+              <a:t>Problem with </a:t>
+            </a:r>
+            <a:r>
+              <a:rPr lang="en-US" sz="3600" dirty="0" smtClean="0"/>
+              <a:t>“Disintegration” </a:t>
+            </a:r>
+            <a:r>
+              <a:rPr lang="en-US" sz="3600" dirty="0"/>
+              <a:t>Argument</a:t>
+            </a:r>
           </a:p>
         </p:txBody>
       </p:sp>
@@ -6698,63 +7454,83 @@
           <a:p>
             <a:r>
               <a:rPr lang="en-US" dirty="0" smtClean="0"/>
-              <a:t>Grievances don’t automatically result from poor life conditions</a:t>
-            </a:r>
-          </a:p>
-          <a:p>
-            <a:r>
-              <a:rPr lang="en-US" dirty="0" smtClean="0"/>
-              <a:t>Research provides mixed findings</a:t>
-            </a:r>
-          </a:p>
-          <a:p>
-            <a:pPr lvl="1"/>
-            <a:r>
-              <a:rPr lang="en-US" dirty="0" smtClean="0"/>
-              <a:t>Black unemployment is both </a:t>
-            </a:r>
-            <a:r>
-              <a:rPr lang="en-US" i="1" dirty="0" smtClean="0"/>
-              <a:t>unrelated to </a:t>
-            </a:r>
-            <a:r>
-              <a:rPr lang="en-US" dirty="0" smtClean="0"/>
-              <a:t>and </a:t>
-            </a:r>
-            <a:r>
-              <a:rPr lang="en-US" i="1" dirty="0" smtClean="0"/>
-              <a:t>significantly associated with </a:t>
-            </a:r>
-            <a:r>
-              <a:rPr lang="en-US" dirty="0" smtClean="0"/>
-              <a:t>black riots</a:t>
-            </a:r>
-            <a:endParaRPr lang="en-US" dirty="0"/>
-          </a:p>
-        </p:txBody>
-      </p:sp>
+              <a:t>Disorganized or socially </a:t>
+            </a:r>
+            <a:r>
+              <a:rPr lang="en-US" dirty="0" smtClean="0"/>
+              <a:t>isolated people </a:t>
+            </a:r>
+            <a:r>
+              <a:rPr lang="en-US" dirty="0" smtClean="0"/>
+              <a:t>rarely involved in </a:t>
+            </a:r>
+            <a:r>
+              <a:rPr lang="en-US" dirty="0" smtClean="0"/>
+              <a:t>protest</a:t>
+            </a:r>
+            <a:endParaRPr lang="en-US" dirty="0" smtClean="0"/>
+          </a:p>
+        </p:txBody>
+      </p:sp>
+      <p:pic>
+        <p:nvPicPr>
+          <p:cNvPr id="4" name="Picture 3"/>
+          <p:cNvPicPr>
+            <a:picLocks noChangeAspect="1"/>
+          </p:cNvPicPr>
+          <p:nvPr/>
+        </p:nvPicPr>
+        <p:blipFill>
+          <a:blip r:embed="rId2">
+            <a:extLst>
+              <a:ext uri="{28A0092B-C50C-407E-A947-70E740481C1C}">
+                <a14:useLocalDpi xmlns:a14="http://schemas.microsoft.com/office/drawing/2010/main" val="0"/>
+              </a:ext>
+            </a:extLst>
+          </a:blip>
+          <a:stretch>
+            <a:fillRect/>
+          </a:stretch>
+        </p:blipFill>
+        <p:spPr>
+          <a:xfrm>
+            <a:off x="2527220" y="2279542"/>
+            <a:ext cx="7450488" cy="4197458"/>
+          </a:xfrm>
+          <a:prstGeom prst="rect">
+            <a:avLst/>
+          </a:prstGeom>
+        </p:spPr>
+      </p:pic>
     </p:spTree>
     <p:extLst>
       <p:ext uri="{BB962C8B-B14F-4D97-AF65-F5344CB8AC3E}">
-        <p14:creationId xmlns:p14="http://schemas.microsoft.com/office/powerpoint/2010/main" val="150826977"/>
+        <p14:creationId xmlns:p14="http://schemas.microsoft.com/office/powerpoint/2010/main" val="549270741"/>
       </p:ext>
     </p:extLst>
   </p:cSld>
   <p:clrMapOvr>
     <a:masterClrMapping/>
   </p:clrMapOvr>
-  <mc:AlternateContent xmlns:mc="http://schemas.openxmlformats.org/markup-compatibility/2006" xmlns:p14="http://schemas.microsoft.com/office/powerpoint/2010/main">
-    <mc:Choice Requires="p14">
+  <mc:AlternateContent xmlns:mc="http://schemas.openxmlformats.org/markup-compatibility/2006">
+    <mc:Choice xmlns:p14="http://schemas.microsoft.com/office/powerpoint/2010/main" Requires="p14">
       <p:transition spd="med" p14:dur="700">
         <p:fade/>
       </p:transition>
     </mc:Choice>
-    <mc:Fallback xmlns="">
-      <p:transition xmlns:p14="http://schemas.microsoft.com/office/powerpoint/2010/main" spd="med">
+    <mc:Fallback>
+      <p:transition spd="med">
         <p:fade/>
       </p:transition>
     </mc:Fallback>
   </mc:AlternateContent>
+  <p:timing>
+    <p:tnLst>
+      <p:par>
+        <p:cTn id="1" dur="indefinite" restart="never" nodeType="tmRoot"/>
+      </p:par>
+    </p:tnLst>
+  </p:timing>
 </p:sld>
 </file>
 
@@ -6793,9 +7569,22 @@
           <a:lstStyle/>
           <a:p>
             <a:r>
+              <a:rPr lang="en-US" dirty="0" smtClean="0"/>
+              <a:t>2: Grievances </a:t>
+            </a:r>
+            <a:r>
               <a:rPr lang="en-US" dirty="0"/>
-              <a:t>Grievances as Function of Objective Structural or Material Conditions</a:t>
-            </a:r>
+              <a:t>a Function of Objective Structural/Material </a:t>
+            </a:r>
+            <a:r>
+              <a:rPr lang="en-US" dirty="0" smtClean="0"/>
+              <a:t>Conditions – </a:t>
+            </a:r>
+            <a:r>
+              <a:rPr lang="en-US" dirty="0" smtClean="0"/>
+              <a:t>Absolute Deprivation </a:t>
+            </a:r>
+            <a:endParaRPr lang="en-US" dirty="0"/>
           </a:p>
         </p:txBody>
       </p:sp>
@@ -6823,69 +7612,63 @@
             <a:pPr lvl="1"/>
             <a:r>
               <a:rPr lang="en-US" dirty="0" smtClean="0"/>
-              <a:t>Quotidian Disruption</a:t>
+              <a:t>Absolute Deprivation</a:t>
             </a:r>
           </a:p>
           <a:p>
             <a:pPr lvl="2"/>
             <a:r>
               <a:rPr lang="en-US" dirty="0" smtClean="0"/>
-              <a:t>Grievances spring from disruption and uncertainty in the taken-for-granted, habituated ways of living daily life</a:t>
+              <a:t>Dire social </a:t>
+            </a:r>
+            <a:r>
+              <a:rPr lang="en-US" dirty="0" smtClean="0"/>
+              <a:t>conditions</a:t>
             </a:r>
           </a:p>
           <a:p>
             <a:pPr lvl="3"/>
             <a:r>
               <a:rPr lang="en-US" dirty="0" smtClean="0"/>
-              <a:t>Human-made disasters that threaten the existence and functioning of a community</a:t>
-            </a:r>
-          </a:p>
-          <a:p>
-            <a:pPr lvl="3"/>
-            <a:r>
-              <a:rPr lang="en-US" dirty="0" smtClean="0"/>
-              <a:t>Intrusions into/violations of culturally defined spaces of privacy by outsiders</a:t>
-            </a:r>
-          </a:p>
-          <a:p>
-            <a:pPr lvl="3"/>
-            <a:r>
-              <a:rPr lang="en-US" dirty="0" smtClean="0"/>
-              <a:t>Unanticipated decline in resources/wages</a:t>
-            </a:r>
-          </a:p>
-          <a:p>
-            <a:pPr lvl="3"/>
-            <a:r>
-              <a:rPr lang="en-US" dirty="0" smtClean="0"/>
-              <a:t>Dramatic changes in systems of control</a:t>
-            </a:r>
-            <a:endParaRPr lang="en-US" i="1" dirty="0"/>
+              <a:t>Lack </a:t>
+            </a:r>
+            <a:r>
+              <a:rPr lang="en-US" dirty="0" smtClean="0"/>
+              <a:t>of affordable housing, unemployment, inaccessible healthcare, poverty, discrimination</a:t>
+            </a:r>
+            <a:endParaRPr lang="en-US" dirty="0"/>
           </a:p>
         </p:txBody>
       </p:sp>
     </p:spTree>
     <p:extLst>
       <p:ext uri="{BB962C8B-B14F-4D97-AF65-F5344CB8AC3E}">
-        <p14:creationId xmlns:p14="http://schemas.microsoft.com/office/powerpoint/2010/main" val="1901355479"/>
+        <p14:creationId xmlns:p14="http://schemas.microsoft.com/office/powerpoint/2010/main" val="3210992631"/>
       </p:ext>
     </p:extLst>
   </p:cSld>
   <p:clrMapOvr>
     <a:masterClrMapping/>
   </p:clrMapOvr>
-  <mc:AlternateContent xmlns:mc="http://schemas.openxmlformats.org/markup-compatibility/2006" xmlns:p14="http://schemas.microsoft.com/office/powerpoint/2010/main">
-    <mc:Choice Requires="p14">
+  <mc:AlternateContent xmlns:mc="http://schemas.openxmlformats.org/markup-compatibility/2006">
+    <mc:Choice xmlns:p14="http://schemas.microsoft.com/office/powerpoint/2010/main" Requires="p14">
       <p:transition spd="med" p14:dur="700">
         <p:fade/>
       </p:transition>
     </mc:Choice>
-    <mc:Fallback xmlns="">
-      <p:transition xmlns:p14="http://schemas.microsoft.com/office/powerpoint/2010/main" spd="med">
+    <mc:Fallback>
+      <p:transition spd="med">
         <p:fade/>
       </p:transition>
     </mc:Fallback>
   </mc:AlternateContent>
+  <p:timing>
+    <p:tnLst>
+      <p:par>
+        <p:cTn id="1" dur="indefinite" restart="never" nodeType="tmRoot"/>
+      </p:par>
+    </p:tnLst>
+  </p:timing>
 </p:sld>
 </file>
 
@@ -6919,14 +7702,639 @@
         <p:spPr/>
         <p:txBody>
           <a:bodyPr>
+            <a:normAutofit/>
+          </a:bodyPr>
+          <a:lstStyle/>
+          <a:p>
+            <a:r>
+              <a:rPr lang="en-US" dirty="0" smtClean="0"/>
+              <a:t>Problem with “Absolute Deprivation” Argument</a:t>
+            </a:r>
+            <a:endParaRPr lang="en-US" dirty="0"/>
+          </a:p>
+        </p:txBody>
+      </p:sp>
+      <p:sp>
+        <p:nvSpPr>
+          <p:cNvPr id="3" name="Content Placeholder 2"/>
+          <p:cNvSpPr>
+            <a:spLocks noGrp="1"/>
+          </p:cNvSpPr>
+          <p:nvPr>
+            <p:ph sz="quarter" idx="1"/>
+          </p:nvPr>
+        </p:nvSpPr>
+        <p:spPr/>
+        <p:txBody>
+          <a:bodyPr/>
+          <a:lstStyle/>
+          <a:p>
+            <a:r>
+              <a:rPr lang="en-US" dirty="0" smtClean="0"/>
+              <a:t>Grievances don’t automatically result from poor life </a:t>
+            </a:r>
+            <a:r>
+              <a:rPr lang="en-US" dirty="0" smtClean="0"/>
+              <a:t>conditions</a:t>
+            </a:r>
+          </a:p>
+        </p:txBody>
+      </p:sp>
+      <p:pic>
+        <p:nvPicPr>
+          <p:cNvPr id="4" name="Picture 3"/>
+          <p:cNvPicPr>
+            <a:picLocks noChangeAspect="1"/>
+          </p:cNvPicPr>
+          <p:nvPr/>
+        </p:nvPicPr>
+        <p:blipFill>
+          <a:blip r:embed="rId3">
+            <a:extLst>
+              <a:ext uri="{28A0092B-C50C-407E-A947-70E740481C1C}">
+                <a14:useLocalDpi xmlns:a14="http://schemas.microsoft.com/office/drawing/2010/main" val="0"/>
+              </a:ext>
+            </a:extLst>
+          </a:blip>
+          <a:stretch>
+            <a:fillRect/>
+          </a:stretch>
+        </p:blipFill>
+        <p:spPr>
+          <a:xfrm>
+            <a:off x="816864" y="2727702"/>
+            <a:ext cx="4393770" cy="2929180"/>
+          </a:xfrm>
+          <a:prstGeom prst="rect">
+            <a:avLst/>
+          </a:prstGeom>
+        </p:spPr>
+      </p:pic>
+      <p:pic>
+        <p:nvPicPr>
+          <p:cNvPr id="5" name="Picture 4"/>
+          <p:cNvPicPr>
+            <a:picLocks noChangeAspect="1"/>
+          </p:cNvPicPr>
+          <p:nvPr/>
+        </p:nvPicPr>
+        <p:blipFill>
+          <a:blip r:embed="rId4">
+            <a:extLst>
+              <a:ext uri="{28A0092B-C50C-407E-A947-70E740481C1C}">
+                <a14:useLocalDpi xmlns:a14="http://schemas.microsoft.com/office/drawing/2010/main" val="0"/>
+              </a:ext>
+            </a:extLst>
+          </a:blip>
+          <a:stretch>
+            <a:fillRect/>
+          </a:stretch>
+        </p:blipFill>
+        <p:spPr>
+          <a:xfrm>
+            <a:off x="6677780" y="2499677"/>
+            <a:ext cx="4293461" cy="3385229"/>
+          </a:xfrm>
+          <a:prstGeom prst="rect">
+            <a:avLst/>
+          </a:prstGeom>
+        </p:spPr>
+      </p:pic>
+      <p:cxnSp>
+        <p:nvCxnSpPr>
+          <p:cNvPr id="11" name="Straight Arrow Connector 10"/>
+          <p:cNvCxnSpPr/>
+          <p:nvPr/>
+        </p:nvCxnSpPr>
+        <p:spPr>
+          <a:xfrm>
+            <a:off x="5362414" y="4207788"/>
+            <a:ext cx="1115878" cy="0"/>
+          </a:xfrm>
+          <a:prstGeom prst="straightConnector1">
+            <a:avLst/>
+          </a:prstGeom>
+          <a:ln w="57150">
+            <a:tailEnd type="triangle"/>
+          </a:ln>
+        </p:spPr>
+        <p:style>
+          <a:lnRef idx="1">
+            <a:schemeClr val="accent1"/>
+          </a:lnRef>
+          <a:fillRef idx="0">
+            <a:schemeClr val="accent1"/>
+          </a:fillRef>
+          <a:effectRef idx="0">
+            <a:schemeClr val="accent1"/>
+          </a:effectRef>
+          <a:fontRef idx="minor">
+            <a:schemeClr val="tx1"/>
+          </a:fontRef>
+        </p:style>
+      </p:cxnSp>
+    </p:spTree>
+    <p:extLst>
+      <p:ext uri="{BB962C8B-B14F-4D97-AF65-F5344CB8AC3E}">
+        <p14:creationId xmlns:p14="http://schemas.microsoft.com/office/powerpoint/2010/main" val="150826977"/>
+      </p:ext>
+    </p:extLst>
+  </p:cSld>
+  <p:clrMapOvr>
+    <a:masterClrMapping/>
+  </p:clrMapOvr>
+  <mc:AlternateContent xmlns:mc="http://schemas.openxmlformats.org/markup-compatibility/2006">
+    <mc:Choice xmlns:p14="http://schemas.microsoft.com/office/powerpoint/2010/main" Requires="p14">
+      <p:transition spd="med" p14:dur="700">
+        <p:fade/>
+      </p:transition>
+    </mc:Choice>
+    <mc:Fallback>
+      <p:transition spd="med">
+        <p:fade/>
+      </p:transition>
+    </mc:Fallback>
+  </mc:AlternateContent>
+  <p:timing>
+    <p:tnLst>
+      <p:par>
+        <p:cTn id="1" dur="indefinite" restart="never" nodeType="tmRoot"/>
+      </p:par>
+    </p:tnLst>
+  </p:timing>
+</p:sld>
+</file>
+
+<file path=ppt/slides/slide16.xml><?xml version="1.0" encoding="utf-8"?>
+<p:sld xmlns:a="http://schemas.openxmlformats.org/drawingml/2006/main" xmlns:r="http://schemas.openxmlformats.org/officeDocument/2006/relationships" xmlns:p="http://schemas.openxmlformats.org/presentationml/2006/main">
+  <p:cSld>
+    <p:spTree>
+      <p:nvGrpSpPr>
+        <p:cNvPr id="1" name=""/>
+        <p:cNvGrpSpPr/>
+        <p:nvPr/>
+      </p:nvGrpSpPr>
+      <p:grpSpPr>
+        <a:xfrm>
+          <a:off x="0" y="0"/>
+          <a:ext cx="0" cy="0"/>
+          <a:chOff x="0" y="0"/>
+          <a:chExt cx="0" cy="0"/>
+        </a:xfrm>
+      </p:grpSpPr>
+      <p:sp>
+        <p:nvSpPr>
+          <p:cNvPr id="2" name="Title 1"/>
+          <p:cNvSpPr>
+            <a:spLocks noGrp="1"/>
+          </p:cNvSpPr>
+          <p:nvPr>
+            <p:ph type="title"/>
+          </p:nvPr>
+        </p:nvSpPr>
+        <p:spPr/>
+        <p:txBody>
+          <a:bodyPr>
+            <a:normAutofit/>
+          </a:bodyPr>
+          <a:lstStyle/>
+          <a:p>
+            <a:r>
+              <a:rPr lang="en-US" dirty="0" smtClean="0"/>
+              <a:t>Problem with “Absolute Deprivation” Argument</a:t>
+            </a:r>
+            <a:endParaRPr lang="en-US" dirty="0"/>
+          </a:p>
+        </p:txBody>
+      </p:sp>
+      <p:sp>
+        <p:nvSpPr>
+          <p:cNvPr id="3" name="Content Placeholder 2"/>
+          <p:cNvSpPr>
+            <a:spLocks noGrp="1"/>
+          </p:cNvSpPr>
+          <p:nvPr>
+            <p:ph sz="quarter" idx="1"/>
+          </p:nvPr>
+        </p:nvSpPr>
+        <p:spPr/>
+        <p:txBody>
+          <a:bodyPr/>
+          <a:lstStyle/>
+          <a:p>
+            <a:r>
+              <a:rPr lang="en-US" dirty="0" smtClean="0"/>
+              <a:t>Grievances don’t automatically result from poor life </a:t>
+            </a:r>
+            <a:r>
+              <a:rPr lang="en-US" dirty="0" smtClean="0"/>
+              <a:t>conditions</a:t>
+            </a:r>
+          </a:p>
+        </p:txBody>
+      </p:sp>
+      <p:pic>
+        <p:nvPicPr>
+          <p:cNvPr id="4" name="Picture 3"/>
+          <p:cNvPicPr>
+            <a:picLocks noChangeAspect="1"/>
+          </p:cNvPicPr>
+          <p:nvPr/>
+        </p:nvPicPr>
+        <p:blipFill>
+          <a:blip r:embed="rId3">
+            <a:extLst>
+              <a:ext uri="{28A0092B-C50C-407E-A947-70E740481C1C}">
+                <a14:useLocalDpi xmlns:a14="http://schemas.microsoft.com/office/drawing/2010/main" val="0"/>
+              </a:ext>
+            </a:extLst>
+          </a:blip>
+          <a:stretch>
+            <a:fillRect/>
+          </a:stretch>
+        </p:blipFill>
+        <p:spPr>
+          <a:xfrm>
+            <a:off x="816864" y="2727702"/>
+            <a:ext cx="4393770" cy="2929180"/>
+          </a:xfrm>
+          <a:prstGeom prst="rect">
+            <a:avLst/>
+          </a:prstGeom>
+        </p:spPr>
+      </p:pic>
+      <p:cxnSp>
+        <p:nvCxnSpPr>
+          <p:cNvPr id="11" name="Straight Arrow Connector 10"/>
+          <p:cNvCxnSpPr/>
+          <p:nvPr/>
+        </p:nvCxnSpPr>
+        <p:spPr>
+          <a:xfrm>
+            <a:off x="5362414" y="4207788"/>
+            <a:ext cx="1115878" cy="0"/>
+          </a:xfrm>
+          <a:prstGeom prst="straightConnector1">
+            <a:avLst/>
+          </a:prstGeom>
+          <a:ln w="57150">
+            <a:tailEnd type="triangle"/>
+          </a:ln>
+        </p:spPr>
+        <p:style>
+          <a:lnRef idx="1">
+            <a:schemeClr val="accent1"/>
+          </a:lnRef>
+          <a:fillRef idx="0">
+            <a:schemeClr val="accent1"/>
+          </a:fillRef>
+          <a:effectRef idx="0">
+            <a:schemeClr val="accent1"/>
+          </a:effectRef>
+          <a:fontRef idx="minor">
+            <a:schemeClr val="tx1"/>
+          </a:fontRef>
+        </p:style>
+      </p:cxnSp>
+      <p:pic>
+        <p:nvPicPr>
+          <p:cNvPr id="6" name="Picture 5"/>
+          <p:cNvPicPr>
+            <a:picLocks noChangeAspect="1"/>
+          </p:cNvPicPr>
+          <p:nvPr/>
+        </p:nvPicPr>
+        <p:blipFill>
+          <a:blip r:embed="rId4">
+            <a:extLst>
+              <a:ext uri="{28A0092B-C50C-407E-A947-70E740481C1C}">
+                <a14:useLocalDpi xmlns:a14="http://schemas.microsoft.com/office/drawing/2010/main" val="0"/>
+              </a:ext>
+            </a:extLst>
+          </a:blip>
+          <a:stretch>
+            <a:fillRect/>
+          </a:stretch>
+        </p:blipFill>
+        <p:spPr>
+          <a:xfrm>
+            <a:off x="6763072" y="2582936"/>
+            <a:ext cx="4287219" cy="3218712"/>
+          </a:xfrm>
+          <a:prstGeom prst="rect">
+            <a:avLst/>
+          </a:prstGeom>
+        </p:spPr>
+      </p:pic>
+    </p:spTree>
+    <p:extLst>
+      <p:ext uri="{BB962C8B-B14F-4D97-AF65-F5344CB8AC3E}">
+        <p14:creationId xmlns:p14="http://schemas.microsoft.com/office/powerpoint/2010/main" val="1691251063"/>
+      </p:ext>
+    </p:extLst>
+  </p:cSld>
+  <p:clrMapOvr>
+    <a:masterClrMapping/>
+  </p:clrMapOvr>
+  <mc:AlternateContent xmlns:mc="http://schemas.openxmlformats.org/markup-compatibility/2006">
+    <mc:Choice xmlns:p14="http://schemas.microsoft.com/office/powerpoint/2010/main" Requires="p14">
+      <p:transition spd="med" p14:dur="700">
+        <p:fade/>
+      </p:transition>
+    </mc:Choice>
+    <mc:Fallback>
+      <p:transition spd="med">
+        <p:fade/>
+      </p:transition>
+    </mc:Fallback>
+  </mc:AlternateContent>
+  <p:timing>
+    <p:tnLst>
+      <p:par>
+        <p:cTn id="1" dur="indefinite" restart="never" nodeType="tmRoot"/>
+      </p:par>
+    </p:tnLst>
+  </p:timing>
+</p:sld>
+</file>
+
+<file path=ppt/slides/slide17.xml><?xml version="1.0" encoding="utf-8"?>
+<p:sld xmlns:a="http://schemas.openxmlformats.org/drawingml/2006/main" xmlns:r="http://schemas.openxmlformats.org/officeDocument/2006/relationships" xmlns:p="http://schemas.openxmlformats.org/presentationml/2006/main">
+  <p:cSld>
+    <p:spTree>
+      <p:nvGrpSpPr>
+        <p:cNvPr id="1" name=""/>
+        <p:cNvGrpSpPr/>
+        <p:nvPr/>
+      </p:nvGrpSpPr>
+      <p:grpSpPr>
+        <a:xfrm>
+          <a:off x="0" y="0"/>
+          <a:ext cx="0" cy="0"/>
+          <a:chOff x="0" y="0"/>
+          <a:chExt cx="0" cy="0"/>
+        </a:xfrm>
+      </p:grpSpPr>
+      <p:sp>
+        <p:nvSpPr>
+          <p:cNvPr id="2" name="Title 1"/>
+          <p:cNvSpPr>
+            <a:spLocks noGrp="1"/>
+          </p:cNvSpPr>
+          <p:nvPr>
+            <p:ph type="title"/>
+          </p:nvPr>
+        </p:nvSpPr>
+        <p:spPr/>
+        <p:txBody>
+          <a:bodyPr/>
+          <a:lstStyle/>
+          <a:p>
+            <a:r>
+              <a:rPr lang="en-US" dirty="0" smtClean="0"/>
+              <a:t>A Strain Corrective?</a:t>
+            </a:r>
+            <a:endParaRPr lang="en-US" dirty="0"/>
+          </a:p>
+        </p:txBody>
+      </p:sp>
+      <p:sp>
+        <p:nvSpPr>
+          <p:cNvPr id="3" name="Content Placeholder 2"/>
+          <p:cNvSpPr>
+            <a:spLocks noGrp="1"/>
+          </p:cNvSpPr>
+          <p:nvPr>
+            <p:ph sz="quarter" idx="1"/>
+          </p:nvPr>
+        </p:nvSpPr>
+        <p:spPr/>
+        <p:txBody>
+          <a:bodyPr/>
+          <a:lstStyle/>
+          <a:p>
+            <a:endParaRPr lang="en-US"/>
+          </a:p>
+        </p:txBody>
+      </p:sp>
+    </p:spTree>
+    <p:extLst>
+      <p:ext uri="{BB962C8B-B14F-4D97-AF65-F5344CB8AC3E}">
+        <p14:creationId xmlns:p14="http://schemas.microsoft.com/office/powerpoint/2010/main" val="1821574732"/>
+      </p:ext>
+    </p:extLst>
+  </p:cSld>
+  <p:clrMapOvr>
+    <a:masterClrMapping/>
+  </p:clrMapOvr>
+  <mc:AlternateContent xmlns:mc="http://schemas.openxmlformats.org/markup-compatibility/2006">
+    <mc:Choice xmlns:p14="http://schemas.microsoft.com/office/powerpoint/2010/main" Requires="p14">
+      <p:transition spd="med" p14:dur="700">
+        <p:fade/>
+      </p:transition>
+    </mc:Choice>
+    <mc:Fallback>
+      <p:transition spd="med">
+        <p:fade/>
+      </p:transition>
+    </mc:Fallback>
+  </mc:AlternateContent>
+  <p:timing>
+    <p:tnLst>
+      <p:par>
+        <p:cTn id="1" dur="indefinite" restart="never" nodeType="tmRoot"/>
+      </p:par>
+    </p:tnLst>
+  </p:timing>
+</p:sld>
+</file>
+
+<file path=ppt/slides/slide18.xml><?xml version="1.0" encoding="utf-8"?>
+<p:sld xmlns:a="http://schemas.openxmlformats.org/drawingml/2006/main" xmlns:r="http://schemas.openxmlformats.org/officeDocument/2006/relationships" xmlns:p="http://schemas.openxmlformats.org/presentationml/2006/main">
+  <p:cSld>
+    <p:spTree>
+      <p:nvGrpSpPr>
+        <p:cNvPr id="1" name=""/>
+        <p:cNvGrpSpPr/>
+        <p:nvPr/>
+      </p:nvGrpSpPr>
+      <p:grpSpPr>
+        <a:xfrm>
+          <a:off x="0" y="0"/>
+          <a:ext cx="0" cy="0"/>
+          <a:chOff x="0" y="0"/>
+          <a:chExt cx="0" cy="0"/>
+        </a:xfrm>
+      </p:grpSpPr>
+      <p:sp>
+        <p:nvSpPr>
+          <p:cNvPr id="2" name="Title 1"/>
+          <p:cNvSpPr>
+            <a:spLocks noGrp="1"/>
+          </p:cNvSpPr>
+          <p:nvPr>
+            <p:ph type="title"/>
+          </p:nvPr>
+        </p:nvSpPr>
+        <p:spPr/>
+        <p:txBody>
+          <a:bodyPr>
             <a:normAutofit fontScale="90000"/>
           </a:bodyPr>
           <a:lstStyle/>
           <a:p>
             <a:r>
+              <a:rPr lang="en-US" dirty="0" smtClean="0"/>
+              <a:t>2</a:t>
+            </a:r>
+            <a:r>
               <a:rPr lang="en-US" dirty="0"/>
-              <a:t>Grievances as Function of Objective Structural or Material Conditions</a:t>
-            </a:r>
+              <a:t>: Grievances a Function of Objective Structural/Material </a:t>
+            </a:r>
+            <a:r>
+              <a:rPr lang="en-US" dirty="0" smtClean="0"/>
+              <a:t>Conditions – Quotidian Disruption</a:t>
+            </a:r>
+            <a:endParaRPr lang="en-US" dirty="0"/>
+          </a:p>
+        </p:txBody>
+      </p:sp>
+      <p:sp>
+        <p:nvSpPr>
+          <p:cNvPr id="3" name="Content Placeholder 2"/>
+          <p:cNvSpPr>
+            <a:spLocks noGrp="1"/>
+          </p:cNvSpPr>
+          <p:nvPr>
+            <p:ph sz="quarter" idx="1"/>
+          </p:nvPr>
+        </p:nvSpPr>
+        <p:spPr/>
+        <p:txBody>
+          <a:bodyPr/>
+          <a:lstStyle/>
+          <a:p>
+            <a:r>
+              <a:rPr lang="en-US" dirty="0" smtClean="0"/>
+              <a:t>Strain</a:t>
+            </a:r>
+          </a:p>
+          <a:p>
+            <a:pPr lvl="1"/>
+            <a:r>
+              <a:rPr lang="en-US" dirty="0" smtClean="0"/>
+              <a:t>Quotidian Disruption</a:t>
+            </a:r>
+          </a:p>
+          <a:p>
+            <a:pPr lvl="2"/>
+            <a:r>
+              <a:rPr lang="en-US" dirty="0" smtClean="0"/>
+              <a:t>Grievances spring from disruption and uncertainty in the taken-for-granted, habituated ways of living daily life</a:t>
+            </a:r>
+          </a:p>
+          <a:p>
+            <a:pPr lvl="3"/>
+            <a:r>
+              <a:rPr lang="en-US" dirty="0" smtClean="0"/>
+              <a:t>Human-made disasters that threaten the existence and functioning of a community</a:t>
+            </a:r>
+          </a:p>
+          <a:p>
+            <a:pPr lvl="3"/>
+            <a:r>
+              <a:rPr lang="en-US" dirty="0" smtClean="0"/>
+              <a:t>Intrusions into/violations of culturally defined spaces of privacy by outsiders</a:t>
+            </a:r>
+          </a:p>
+          <a:p>
+            <a:pPr lvl="3"/>
+            <a:r>
+              <a:rPr lang="en-US" dirty="0" smtClean="0"/>
+              <a:t>Unanticipated decline in resources/wages</a:t>
+            </a:r>
+          </a:p>
+          <a:p>
+            <a:pPr lvl="3"/>
+            <a:r>
+              <a:rPr lang="en-US" dirty="0" smtClean="0"/>
+              <a:t>Dramatic changes in systems of control</a:t>
+            </a:r>
+            <a:endParaRPr lang="en-US" i="1" dirty="0"/>
+          </a:p>
+        </p:txBody>
+      </p:sp>
+    </p:spTree>
+    <p:extLst>
+      <p:ext uri="{BB962C8B-B14F-4D97-AF65-F5344CB8AC3E}">
+        <p14:creationId xmlns:p14="http://schemas.microsoft.com/office/powerpoint/2010/main" val="1901355479"/>
+      </p:ext>
+    </p:extLst>
+  </p:cSld>
+  <p:clrMapOvr>
+    <a:masterClrMapping/>
+  </p:clrMapOvr>
+  <mc:AlternateContent xmlns:mc="http://schemas.openxmlformats.org/markup-compatibility/2006">
+    <mc:Choice xmlns:p14="http://schemas.microsoft.com/office/powerpoint/2010/main" Requires="p14">
+      <p:transition spd="med" p14:dur="700">
+        <p:fade/>
+      </p:transition>
+    </mc:Choice>
+    <mc:Fallback>
+      <p:transition spd="med">
+        <p:fade/>
+      </p:transition>
+    </mc:Fallback>
+  </mc:AlternateContent>
+  <p:timing>
+    <p:tnLst>
+      <p:par>
+        <p:cTn id="1" dur="indefinite" restart="never" nodeType="tmRoot"/>
+      </p:par>
+    </p:tnLst>
+  </p:timing>
+</p:sld>
+</file>
+
+<file path=ppt/slides/slide19.xml><?xml version="1.0" encoding="utf-8"?>
+<p:sld xmlns:a="http://schemas.openxmlformats.org/drawingml/2006/main" xmlns:r="http://schemas.openxmlformats.org/officeDocument/2006/relationships" xmlns:p="http://schemas.openxmlformats.org/presentationml/2006/main">
+  <p:cSld>
+    <p:spTree>
+      <p:nvGrpSpPr>
+        <p:cNvPr id="1" name=""/>
+        <p:cNvGrpSpPr/>
+        <p:nvPr/>
+      </p:nvGrpSpPr>
+      <p:grpSpPr>
+        <a:xfrm>
+          <a:off x="0" y="0"/>
+          <a:ext cx="0" cy="0"/>
+          <a:chOff x="0" y="0"/>
+          <a:chExt cx="0" cy="0"/>
+        </a:xfrm>
+      </p:grpSpPr>
+      <p:sp>
+        <p:nvSpPr>
+          <p:cNvPr id="2" name="Title 1"/>
+          <p:cNvSpPr>
+            <a:spLocks noGrp="1"/>
+          </p:cNvSpPr>
+          <p:nvPr>
+            <p:ph type="title"/>
+          </p:nvPr>
+        </p:nvSpPr>
+        <p:spPr/>
+        <p:txBody>
+          <a:bodyPr>
+            <a:normAutofit fontScale="90000"/>
+          </a:bodyPr>
+          <a:lstStyle/>
+          <a:p>
+            <a:r>
+              <a:rPr lang="en-US" dirty="0"/>
+              <a:t>2: Grievances a Function of Objective Structural/Material Conditions </a:t>
+            </a:r>
+            <a:endParaRPr lang="en-US" dirty="0"/>
           </a:p>
         </p:txBody>
       </p:sp>
@@ -7002,22 +8410,29 @@
   <p:clrMapOvr>
     <a:masterClrMapping/>
   </p:clrMapOvr>
-  <mc:AlternateContent xmlns:mc="http://schemas.openxmlformats.org/markup-compatibility/2006" xmlns:p14="http://schemas.microsoft.com/office/powerpoint/2010/main">
-    <mc:Choice Requires="p14">
+  <mc:AlternateContent xmlns:mc="http://schemas.openxmlformats.org/markup-compatibility/2006">
+    <mc:Choice xmlns:p14="http://schemas.microsoft.com/office/powerpoint/2010/main" Requires="p14">
       <p:transition spd="med" p14:dur="700">
         <p:fade/>
       </p:transition>
     </mc:Choice>
-    <mc:Fallback xmlns="">
-      <p:transition xmlns:p14="http://schemas.microsoft.com/office/powerpoint/2010/main" spd="med">
+    <mc:Fallback>
+      <p:transition spd="med">
         <p:fade/>
       </p:transition>
     </mc:Fallback>
   </mc:AlternateContent>
+  <p:timing>
+    <p:tnLst>
+      <p:par>
+        <p:cTn id="1" dur="indefinite" restart="never" nodeType="tmRoot"/>
+      </p:par>
+    </p:tnLst>
+  </p:timing>
 </p:sld>
 </file>
 
-<file path=ppt/slides/slide16.xml><?xml version="1.0" encoding="utf-8"?>
+<file path=ppt/slides/slide2.xml><?xml version="1.0" encoding="utf-8"?>
 <p:sld xmlns:a="http://schemas.openxmlformats.org/drawingml/2006/main" xmlns:r="http://schemas.openxmlformats.org/officeDocument/2006/relationships" xmlns:p="http://schemas.openxmlformats.org/presentationml/2006/main">
   <p:cSld>
     <p:spTree>
@@ -7046,6 +8461,119 @@
         </p:nvSpPr>
         <p:spPr/>
         <p:txBody>
+          <a:bodyPr/>
+          <a:lstStyle/>
+          <a:p>
+            <a:r>
+              <a:rPr lang="en-US" dirty="0" smtClean="0"/>
+              <a:t>Quiz 1 (choose either A or B to answer)</a:t>
+            </a:r>
+            <a:endParaRPr lang="en-US" dirty="0"/>
+          </a:p>
+        </p:txBody>
+      </p:sp>
+      <p:sp>
+        <p:nvSpPr>
+          <p:cNvPr id="3" name="Content Placeholder 2"/>
+          <p:cNvSpPr>
+            <a:spLocks noGrp="1"/>
+          </p:cNvSpPr>
+          <p:nvPr>
+            <p:ph sz="quarter" idx="1"/>
+          </p:nvPr>
+        </p:nvSpPr>
+        <p:spPr/>
+        <p:txBody>
+          <a:bodyPr/>
+          <a:lstStyle/>
+          <a:p>
+            <a:r>
+              <a:rPr lang="en-US" dirty="0" smtClean="0"/>
+              <a:t>A: Describe, in your own words, what political opportunity is…</a:t>
+            </a:r>
+          </a:p>
+          <a:p>
+            <a:endParaRPr lang="en-US" dirty="0" smtClean="0"/>
+          </a:p>
+          <a:p>
+            <a:r>
+              <a:rPr lang="en-US" dirty="0" smtClean="0"/>
+              <a:t>Or </a:t>
+            </a:r>
+          </a:p>
+          <a:p>
+            <a:endParaRPr lang="en-US" dirty="0"/>
+          </a:p>
+          <a:p>
+            <a:r>
+              <a:rPr lang="en-US" dirty="0" smtClean="0"/>
+              <a:t>B: Give one example of a signal of an open political system</a:t>
+            </a:r>
+            <a:endParaRPr lang="en-US" dirty="0"/>
+          </a:p>
+        </p:txBody>
+      </p:sp>
+    </p:spTree>
+    <p:extLst>
+      <p:ext uri="{BB962C8B-B14F-4D97-AF65-F5344CB8AC3E}">
+        <p14:creationId xmlns:p14="http://schemas.microsoft.com/office/powerpoint/2010/main" val="1347882384"/>
+      </p:ext>
+    </p:extLst>
+  </p:cSld>
+  <p:clrMapOvr>
+    <a:masterClrMapping/>
+  </p:clrMapOvr>
+  <mc:AlternateContent xmlns:mc="http://schemas.openxmlformats.org/markup-compatibility/2006">
+    <mc:Choice xmlns:p14="http://schemas.microsoft.com/office/powerpoint/2010/main" Requires="p14">
+      <p:transition spd="med" p14:dur="700">
+        <p:fade/>
+      </p:transition>
+    </mc:Choice>
+    <mc:Fallback>
+      <p:transition spd="med">
+        <p:fade/>
+      </p:transition>
+    </mc:Fallback>
+  </mc:AlternateContent>
+  <p:timing>
+    <p:tnLst>
+      <p:par>
+        <p:cTn id="1" dur="indefinite" restart="never" nodeType="tmRoot"/>
+      </p:par>
+    </p:tnLst>
+  </p:timing>
+</p:sld>
+</file>
+
+<file path=ppt/slides/slide20.xml><?xml version="1.0" encoding="utf-8"?>
+<p:sld xmlns:a="http://schemas.openxmlformats.org/drawingml/2006/main" xmlns:r="http://schemas.openxmlformats.org/officeDocument/2006/relationships" xmlns:p="http://schemas.openxmlformats.org/presentationml/2006/main">
+  <p:cSld>
+    <p:spTree>
+      <p:nvGrpSpPr>
+        <p:cNvPr id="1" name=""/>
+        <p:cNvGrpSpPr/>
+        <p:nvPr/>
+      </p:nvGrpSpPr>
+      <p:grpSpPr>
+        <a:xfrm>
+          <a:off x="0" y="0"/>
+          <a:ext cx="0" cy="0"/>
+          <a:chOff x="0" y="0"/>
+          <a:chExt cx="0" cy="0"/>
+        </a:xfrm>
+      </p:grpSpPr>
+      <p:sp>
+        <p:nvSpPr>
+          <p:cNvPr id="2" name="Title 1"/>
+          <p:cNvSpPr>
+            <a:spLocks noGrp="1"/>
+          </p:cNvSpPr>
+          <p:nvPr>
+            <p:ph type="title"/>
+          </p:nvPr>
+        </p:nvSpPr>
+        <p:spPr/>
+        <p:txBody>
           <a:bodyPr>
             <a:normAutofit fontScale="90000"/>
           </a:bodyPr>
@@ -7053,8 +8581,9 @@
           <a:p>
             <a:r>
               <a:rPr lang="en-US" dirty="0"/>
-              <a:t>Grievances as Function of Objective Structural or Material Conditions</a:t>
-            </a:r>
+              <a:t>2: Grievances a Function of Objective Structural/Material Conditions – Quotidian Disruption</a:t>
+            </a:r>
+            <a:endParaRPr lang="en-US" dirty="0"/>
           </a:p>
         </p:txBody>
       </p:sp>
@@ -7130,22 +8659,29 @@
   <p:clrMapOvr>
     <a:masterClrMapping/>
   </p:clrMapOvr>
-  <mc:AlternateContent xmlns:mc="http://schemas.openxmlformats.org/markup-compatibility/2006" xmlns:p14="http://schemas.microsoft.com/office/powerpoint/2010/main">
-    <mc:Choice Requires="p14">
+  <mc:AlternateContent xmlns:mc="http://schemas.openxmlformats.org/markup-compatibility/2006">
+    <mc:Choice xmlns:p14="http://schemas.microsoft.com/office/powerpoint/2010/main" Requires="p14">
       <p:transition spd="med" p14:dur="700">
         <p:fade/>
       </p:transition>
     </mc:Choice>
-    <mc:Fallback xmlns="">
-      <p:transition xmlns:p14="http://schemas.microsoft.com/office/powerpoint/2010/main" spd="med">
+    <mc:Fallback>
+      <p:transition spd="med">
         <p:fade/>
       </p:transition>
     </mc:Fallback>
   </mc:AlternateContent>
+  <p:timing>
+    <p:tnLst>
+      <p:par>
+        <p:cTn id="1" dur="indefinite" restart="never" nodeType="tmRoot"/>
+      </p:par>
+    </p:tnLst>
+  </p:timing>
 </p:sld>
 </file>
 
-<file path=ppt/slides/slide17.xml><?xml version="1.0" encoding="utf-8"?>
+<file path=ppt/slides/slide21.xml><?xml version="1.0" encoding="utf-8"?>
 <p:sld xmlns:a="http://schemas.openxmlformats.org/drawingml/2006/main" xmlns:r="http://schemas.openxmlformats.org/officeDocument/2006/relationships" xmlns:p="http://schemas.openxmlformats.org/presentationml/2006/main">
   <p:cSld>
     <p:spTree>
@@ -7181,8 +8717,9 @@
           <a:p>
             <a:r>
               <a:rPr lang="en-US" dirty="0"/>
-              <a:t>Grievances as Function of Objective Structural or Material Conditions</a:t>
-            </a:r>
+              <a:t>2: Grievances a Function of Objective Structural/Material Conditions – Quotidian Disruption</a:t>
+            </a:r>
+            <a:endParaRPr lang="en-US" dirty="0"/>
           </a:p>
         </p:txBody>
       </p:sp>
@@ -7293,22 +8830,29 @@
   <p:clrMapOvr>
     <a:masterClrMapping/>
   </p:clrMapOvr>
-  <mc:AlternateContent xmlns:mc="http://schemas.openxmlformats.org/markup-compatibility/2006" xmlns:p14="http://schemas.microsoft.com/office/powerpoint/2010/main">
-    <mc:Choice Requires="p14">
+  <mc:AlternateContent xmlns:mc="http://schemas.openxmlformats.org/markup-compatibility/2006">
+    <mc:Choice xmlns:p14="http://schemas.microsoft.com/office/powerpoint/2010/main" Requires="p14">
       <p:transition spd="med" p14:dur="700">
         <p:fade/>
       </p:transition>
     </mc:Choice>
-    <mc:Fallback xmlns="">
-      <p:transition xmlns:p14="http://schemas.microsoft.com/office/powerpoint/2010/main" spd="med">
+    <mc:Fallback>
+      <p:transition spd="med">
         <p:fade/>
       </p:transition>
     </mc:Fallback>
   </mc:AlternateContent>
+  <p:timing>
+    <p:tnLst>
+      <p:par>
+        <p:cTn id="1" dur="indefinite" restart="never" nodeType="tmRoot"/>
+      </p:par>
+    </p:tnLst>
+  </p:timing>
 </p:sld>
 </file>
 
-<file path=ppt/slides/slide18.xml><?xml version="1.0" encoding="utf-8"?>
+<file path=ppt/slides/slide22.xml><?xml version="1.0" encoding="utf-8"?>
 <p:sld xmlns:a="http://schemas.openxmlformats.org/drawingml/2006/main" xmlns:r="http://schemas.openxmlformats.org/officeDocument/2006/relationships" xmlns:p="http://schemas.openxmlformats.org/presentationml/2006/main">
   <p:cSld>
     <p:spTree>
@@ -7344,8 +8888,9 @@
           <a:p>
             <a:r>
               <a:rPr lang="en-US" dirty="0"/>
-              <a:t>Grievances as Function of Objective Structural or Material Conditions</a:t>
-            </a:r>
+              <a:t>2: Grievances a Function of Objective Structural/Material Conditions – Quotidian Disruption</a:t>
+            </a:r>
+            <a:endParaRPr lang="en-US" dirty="0"/>
           </a:p>
         </p:txBody>
       </p:sp>
@@ -7421,22 +8966,29 @@
   <p:clrMapOvr>
     <a:masterClrMapping/>
   </p:clrMapOvr>
-  <mc:AlternateContent xmlns:mc="http://schemas.openxmlformats.org/markup-compatibility/2006" xmlns:p14="http://schemas.microsoft.com/office/powerpoint/2010/main">
-    <mc:Choice Requires="p14">
+  <mc:AlternateContent xmlns:mc="http://schemas.openxmlformats.org/markup-compatibility/2006">
+    <mc:Choice xmlns:p14="http://schemas.microsoft.com/office/powerpoint/2010/main" Requires="p14">
       <p:transition spd="med" p14:dur="700">
         <p:fade/>
       </p:transition>
     </mc:Choice>
-    <mc:Fallback xmlns="">
-      <p:transition xmlns:p14="http://schemas.microsoft.com/office/powerpoint/2010/main" spd="med">
+    <mc:Fallback>
+      <p:transition spd="med">
         <p:fade/>
       </p:transition>
     </mc:Fallback>
   </mc:AlternateContent>
+  <p:timing>
+    <p:tnLst>
+      <p:par>
+        <p:cTn id="1" dur="indefinite" restart="never" nodeType="tmRoot"/>
+      </p:par>
+    </p:tnLst>
+  </p:timing>
 </p:sld>
 </file>
 
-<file path=ppt/slides/slide19.xml><?xml version="1.0" encoding="utf-8"?>
+<file path=ppt/slides/slide23.xml><?xml version="1.0" encoding="utf-8"?>
 <p:sld xmlns:a="http://schemas.openxmlformats.org/drawingml/2006/main" xmlns:r="http://schemas.openxmlformats.org/officeDocument/2006/relationships" xmlns:p="http://schemas.openxmlformats.org/presentationml/2006/main">
   <p:cSld>
     <p:spTree>
@@ -7471,16 +9023,16 @@
           <a:lstStyle/>
           <a:p>
             <a:r>
+              <a:rPr lang="en-US" dirty="0" smtClean="0"/>
+              <a:t>3: Grievances </a:t>
+            </a:r>
+            <a:r>
               <a:rPr lang="en-US" dirty="0"/>
-              <a:t>Grievances as Function of </a:t>
-            </a:r>
-            <a:r>
-              <a:rPr lang="en-US" dirty="0" smtClean="0"/>
-              <a:t>Heightened </a:t>
-            </a:r>
-            <a:r>
-              <a:rPr lang="en-US" smtClean="0"/>
-              <a:t>Psychological States</a:t>
+              <a:t>as Function of </a:t>
+            </a:r>
+            <a:r>
+              <a:rPr lang="en-US" dirty="0" smtClean="0"/>
+              <a:t>Heightened Psychological States</a:t>
             </a:r>
             <a:endParaRPr lang="en-US" dirty="0"/>
           </a:p>
@@ -7560,22 +9112,29 @@
   <p:clrMapOvr>
     <a:masterClrMapping/>
   </p:clrMapOvr>
-  <mc:AlternateContent xmlns:mc="http://schemas.openxmlformats.org/markup-compatibility/2006" xmlns:p14="http://schemas.microsoft.com/office/powerpoint/2010/main">
-    <mc:Choice Requires="p14">
+  <mc:AlternateContent xmlns:mc="http://schemas.openxmlformats.org/markup-compatibility/2006">
+    <mc:Choice xmlns:p14="http://schemas.microsoft.com/office/powerpoint/2010/main" Requires="p14">
       <p:transition spd="med" p14:dur="700">
         <p:fade/>
       </p:transition>
     </mc:Choice>
-    <mc:Fallback xmlns="">
-      <p:transition xmlns:p14="http://schemas.microsoft.com/office/powerpoint/2010/main" spd="med">
+    <mc:Fallback>
+      <p:transition spd="med">
         <p:fade/>
       </p:transition>
     </mc:Fallback>
   </mc:AlternateContent>
+  <p:timing>
+    <p:tnLst>
+      <p:par>
+        <p:cTn id="1" dur="indefinite" restart="never" nodeType="tmRoot"/>
+      </p:par>
+    </p:tnLst>
+  </p:timing>
 </p:sld>
 </file>
 
-<file path=ppt/slides/slide2.xml><?xml version="1.0" encoding="utf-8"?>
+<file path=ppt/slides/slide24.xml><?xml version="1.0" encoding="utf-8"?>
 <p:sld xmlns:a="http://schemas.openxmlformats.org/drawingml/2006/main" xmlns:r="http://schemas.openxmlformats.org/officeDocument/2006/relationships" xmlns:p="http://schemas.openxmlformats.org/presentationml/2006/main">
   <p:cSld>
     <p:spTree>
@@ -7604,29 +9163,6 @@
         </p:nvSpPr>
         <p:spPr/>
         <p:txBody>
-          <a:bodyPr/>
-          <a:lstStyle/>
-          <a:p>
-            <a:r>
-              <a:rPr lang="en-US" dirty="0" smtClean="0"/>
-              <a:t>Grievances</a:t>
-            </a:r>
-            <a:endParaRPr lang="en-US" dirty="0"/>
-          </a:p>
-        </p:txBody>
-      </p:sp>
-      <p:sp>
-        <p:nvSpPr>
-          <p:cNvPr id="3" name="Content Placeholder 2"/>
-          <p:cNvSpPr>
-            <a:spLocks noGrp="1"/>
-          </p:cNvSpPr>
-          <p:nvPr>
-            <p:ph sz="quarter" idx="1"/>
-          </p:nvPr>
-        </p:nvSpPr>
-        <p:spPr/>
-        <p:txBody>
           <a:bodyPr>
             <a:normAutofit/>
           </a:bodyPr>
@@ -7634,43 +9170,92 @@
           <a:p>
             <a:r>
               <a:rPr lang="en-US" dirty="0" smtClean="0"/>
-              <a:t>Social movements challenge authorities over matters about which they are troubled, passionate, and have considerable concern</a:t>
-            </a:r>
-          </a:p>
-          <a:p>
-            <a:r>
-              <a:rPr lang="en-US" dirty="0" smtClean="0"/>
-              <a:t>These matters, and the feelings associated with them, are called grievances</a:t>
-            </a:r>
+              <a:t>Problem with “Frustration-Aggression” Argument</a:t>
+            </a:r>
+            <a:endParaRPr lang="en-US" dirty="0"/>
+          </a:p>
+        </p:txBody>
+      </p:sp>
+      <p:sp>
+        <p:nvSpPr>
+          <p:cNvPr id="3" name="Content Placeholder 2"/>
+          <p:cNvSpPr>
+            <a:spLocks noGrp="1"/>
+          </p:cNvSpPr>
+          <p:nvPr>
+            <p:ph sz="quarter" idx="1"/>
+          </p:nvPr>
+        </p:nvSpPr>
+        <p:spPr/>
+        <p:txBody>
+          <a:bodyPr/>
+          <a:lstStyle/>
+          <a:p>
+            <a:r>
+              <a:rPr lang="en-US" dirty="0" smtClean="0"/>
+              <a:t>Assumes </a:t>
+            </a:r>
+            <a:r>
+              <a:rPr lang="en-US" dirty="0" smtClean="0"/>
+              <a:t>aggression </a:t>
+            </a:r>
+            <a:r>
+              <a:rPr lang="en-US" dirty="0" smtClean="0"/>
+              <a:t>is the </a:t>
+            </a:r>
+            <a:r>
+              <a:rPr lang="en-US" dirty="0" smtClean="0"/>
+              <a:t>only way to </a:t>
+            </a:r>
+            <a:r>
+              <a:rPr lang="en-US" dirty="0" smtClean="0"/>
+              <a:t>relieve </a:t>
+            </a:r>
+            <a:r>
+              <a:rPr lang="en-US" dirty="0" smtClean="0"/>
+              <a:t>frustrations</a:t>
+            </a:r>
+            <a:endParaRPr lang="en-US" dirty="0" smtClean="0"/>
+          </a:p>
+          <a:p>
+            <a:pPr lvl="1"/>
+            <a:endParaRPr lang="en-US" dirty="0"/>
           </a:p>
         </p:txBody>
       </p:sp>
     </p:spTree>
     <p:extLst>
       <p:ext uri="{BB962C8B-B14F-4D97-AF65-F5344CB8AC3E}">
-        <p14:creationId xmlns:p14="http://schemas.microsoft.com/office/powerpoint/2010/main" val="1231564739"/>
+        <p14:creationId xmlns:p14="http://schemas.microsoft.com/office/powerpoint/2010/main" val="1262088167"/>
       </p:ext>
     </p:extLst>
   </p:cSld>
   <p:clrMapOvr>
     <a:masterClrMapping/>
   </p:clrMapOvr>
-  <mc:AlternateContent xmlns:mc="http://schemas.openxmlformats.org/markup-compatibility/2006" xmlns:p14="http://schemas.microsoft.com/office/powerpoint/2010/main">
-    <mc:Choice Requires="p14">
+  <mc:AlternateContent xmlns:mc="http://schemas.openxmlformats.org/markup-compatibility/2006">
+    <mc:Choice xmlns:p14="http://schemas.microsoft.com/office/powerpoint/2010/main" Requires="p14">
       <p:transition spd="med" p14:dur="700">
         <p:fade/>
       </p:transition>
     </mc:Choice>
-    <mc:Fallback xmlns="">
-      <p:transition xmlns:p14="http://schemas.microsoft.com/office/powerpoint/2010/main" spd="med">
+    <mc:Fallback>
+      <p:transition spd="med">
         <p:fade/>
       </p:transition>
     </mc:Fallback>
   </mc:AlternateContent>
+  <p:timing>
+    <p:tnLst>
+      <p:par>
+        <p:cTn id="1" dur="indefinite" restart="never" nodeType="tmRoot"/>
+      </p:par>
+    </p:tnLst>
+  </p:timing>
 </p:sld>
 </file>
 
-<file path=ppt/slides/slide20.xml><?xml version="1.0" encoding="utf-8"?>
+<file path=ppt/slides/slide25.xml><?xml version="1.0" encoding="utf-8"?>
 <p:sld xmlns:a="http://schemas.openxmlformats.org/drawingml/2006/main" xmlns:r="http://schemas.openxmlformats.org/officeDocument/2006/relationships" xmlns:p="http://schemas.openxmlformats.org/presentationml/2006/main">
   <p:cSld>
     <p:spTree>
@@ -7699,14 +9284,12 @@
         </p:nvSpPr>
         <p:spPr/>
         <p:txBody>
-          <a:bodyPr>
-            <a:normAutofit/>
-          </a:bodyPr>
-          <a:lstStyle/>
-          <a:p>
-            <a:r>
-              <a:rPr lang="en-US" dirty="0" smtClean="0"/>
-              <a:t>Problem with “Frustration-Aggression” Argument</a:t>
+          <a:bodyPr/>
+          <a:lstStyle/>
+          <a:p>
+            <a:r>
+              <a:rPr lang="en-US" dirty="0" smtClean="0"/>
+              <a:t>How to Translate Mobilizing Grievances into Mobilization?</a:t>
             </a:r>
             <a:endParaRPr lang="en-US" dirty="0"/>
           </a:p>
@@ -7727,79 +9310,43 @@
           <a:bodyPr/>
           <a:lstStyle/>
           <a:p>
-            <a:r>
-              <a:rPr lang="en-US" dirty="0" smtClean="0"/>
-              <a:t>Glosses over the assessment that aggression is the best means to relieve their frustrations</a:t>
-            </a:r>
-          </a:p>
-          <a:p>
-            <a:pPr lvl="1"/>
-            <a:r>
-              <a:rPr lang="en-US" dirty="0" smtClean="0"/>
-              <a:t>Group comparisons</a:t>
-            </a:r>
-          </a:p>
-          <a:p>
-            <a:pPr lvl="1"/>
-            <a:r>
-              <a:rPr lang="en-US" dirty="0" smtClean="0"/>
-              <a:t>Understandings of procedural </a:t>
-            </a:r>
-            <a:r>
-              <a:rPr lang="en-US" dirty="0"/>
-              <a:t>j</a:t>
-            </a:r>
-            <a:r>
-              <a:rPr lang="en-US" dirty="0" smtClean="0"/>
-              <a:t>ustice</a:t>
-            </a:r>
-          </a:p>
-          <a:p>
-            <a:pPr lvl="1"/>
-            <a:r>
-              <a:rPr lang="en-US" dirty="0" smtClean="0"/>
-              <a:t>Actual or threatened loss</a:t>
-            </a:r>
-          </a:p>
-          <a:p>
-            <a:pPr lvl="1"/>
-            <a:r>
-              <a:rPr lang="en-US" dirty="0" smtClean="0"/>
-              <a:t>Interpretation of grievances</a:t>
-            </a:r>
-          </a:p>
-          <a:p>
-            <a:pPr lvl="1"/>
-            <a:endParaRPr lang="en-US" dirty="0"/>
+            <a:endParaRPr lang="en-US"/>
           </a:p>
         </p:txBody>
       </p:sp>
     </p:spTree>
     <p:extLst>
       <p:ext uri="{BB962C8B-B14F-4D97-AF65-F5344CB8AC3E}">
-        <p14:creationId xmlns:p14="http://schemas.microsoft.com/office/powerpoint/2010/main" val="1262088167"/>
+        <p14:creationId xmlns:p14="http://schemas.microsoft.com/office/powerpoint/2010/main" val="2089292404"/>
       </p:ext>
     </p:extLst>
   </p:cSld>
   <p:clrMapOvr>
     <a:masterClrMapping/>
   </p:clrMapOvr>
-  <mc:AlternateContent xmlns:mc="http://schemas.openxmlformats.org/markup-compatibility/2006" xmlns:p14="http://schemas.microsoft.com/office/powerpoint/2010/main">
-    <mc:Choice Requires="p14">
+  <mc:AlternateContent xmlns:mc="http://schemas.openxmlformats.org/markup-compatibility/2006">
+    <mc:Choice xmlns:p14="http://schemas.microsoft.com/office/powerpoint/2010/main" Requires="p14">
       <p:transition spd="med" p14:dur="700">
         <p:fade/>
       </p:transition>
     </mc:Choice>
-    <mc:Fallback xmlns="">
-      <p:transition xmlns:p14="http://schemas.microsoft.com/office/powerpoint/2010/main" spd="med">
+    <mc:Fallback>
+      <p:transition spd="med">
         <p:fade/>
       </p:transition>
     </mc:Fallback>
   </mc:AlternateContent>
+  <p:timing>
+    <p:tnLst>
+      <p:par>
+        <p:cTn id="1" dur="indefinite" restart="never" nodeType="tmRoot"/>
+      </p:par>
+    </p:tnLst>
+  </p:timing>
 </p:sld>
 </file>
 
-<file path=ppt/slides/slide21.xml><?xml version="1.0" encoding="utf-8"?>
+<file path=ppt/slides/slide26.xml><?xml version="1.0" encoding="utf-8"?>
 <p:sld xmlns:a="http://schemas.openxmlformats.org/drawingml/2006/main" xmlns:r="http://schemas.openxmlformats.org/officeDocument/2006/relationships" xmlns:p="http://schemas.openxmlformats.org/presentationml/2006/main">
   <p:cSld>
     <p:spTree>
@@ -7856,14 +9403,42 @@
           <a:p>
             <a:r>
               <a:rPr lang="en-US" dirty="0" smtClean="0"/>
-              <a:t>Social movements are interpretive agents</a:t>
+              <a:t>Social movements are </a:t>
+            </a:r>
+            <a:r>
+              <a:rPr lang="en-US" dirty="0" smtClean="0"/>
+              <a:t>interpretive/signifying </a:t>
+            </a:r>
+            <a:r>
+              <a:rPr lang="en-US" dirty="0" smtClean="0"/>
+              <a:t>agents</a:t>
             </a:r>
           </a:p>
           <a:p>
             <a:pPr lvl="1"/>
             <a:r>
-              <a:rPr lang="en-US" dirty="0" smtClean="0"/>
-              <a:t>Actively produce and maintain meaning for constituents, antagonists, and bystanders</a:t>
+              <a:rPr lang="en-US" dirty="0"/>
+              <a:t>P</a:t>
+            </a:r>
+            <a:r>
+              <a:rPr lang="en-US" dirty="0" smtClean="0"/>
+              <a:t>roduce </a:t>
+            </a:r>
+            <a:r>
+              <a:rPr lang="en-US" dirty="0" smtClean="0"/>
+              <a:t>and maintain meaning for constituents, antagonists, and </a:t>
+            </a:r>
+            <a:r>
+              <a:rPr lang="en-US" dirty="0" smtClean="0"/>
+              <a:t>bystanders</a:t>
+            </a:r>
+            <a:endParaRPr lang="en-US" dirty="0"/>
+          </a:p>
+          <a:p>
+            <a:pPr lvl="1"/>
+            <a:r>
+              <a:rPr lang="en-US" dirty="0" smtClean="0"/>
+              <a:t>Highlight social problems and their solutions</a:t>
             </a:r>
             <a:endParaRPr lang="en-US" dirty="0"/>
           </a:p>
@@ -7879,22 +9454,29 @@
   <p:clrMapOvr>
     <a:masterClrMapping/>
   </p:clrMapOvr>
-  <mc:AlternateContent xmlns:mc="http://schemas.openxmlformats.org/markup-compatibility/2006" xmlns:p14="http://schemas.microsoft.com/office/powerpoint/2010/main">
-    <mc:Choice Requires="p14">
+  <mc:AlternateContent xmlns:mc="http://schemas.openxmlformats.org/markup-compatibility/2006">
+    <mc:Choice xmlns:p14="http://schemas.microsoft.com/office/powerpoint/2010/main" Requires="p14">
       <p:transition spd="med" p14:dur="700">
         <p:fade/>
       </p:transition>
     </mc:Choice>
-    <mc:Fallback xmlns="">
-      <p:transition xmlns:p14="http://schemas.microsoft.com/office/powerpoint/2010/main" spd="med">
+    <mc:Fallback>
+      <p:transition spd="med">
         <p:fade/>
       </p:transition>
     </mc:Fallback>
   </mc:AlternateContent>
+  <p:timing>
+    <p:tnLst>
+      <p:par>
+        <p:cTn id="1" dur="indefinite" restart="never" nodeType="tmRoot"/>
+      </p:par>
+    </p:tnLst>
+  </p:timing>
 </p:sld>
 </file>
 
-<file path=ppt/slides/slide22.xml><?xml version="1.0" encoding="utf-8"?>
+<file path=ppt/slides/slide27.xml><?xml version="1.0" encoding="utf-8"?>
 <p:sld xmlns:a="http://schemas.openxmlformats.org/drawingml/2006/main" xmlns:r="http://schemas.openxmlformats.org/officeDocument/2006/relationships" xmlns:p="http://schemas.openxmlformats.org/presentationml/2006/main">
   <p:cSld>
     <p:spTree>
@@ -8041,22 +9623,29 @@
   <p:clrMapOvr>
     <a:masterClrMapping/>
   </p:clrMapOvr>
-  <mc:AlternateContent xmlns:mc="http://schemas.openxmlformats.org/markup-compatibility/2006" xmlns:p14="http://schemas.microsoft.com/office/powerpoint/2010/main">
-    <mc:Choice Requires="p14">
+  <mc:AlternateContent xmlns:mc="http://schemas.openxmlformats.org/markup-compatibility/2006">
+    <mc:Choice xmlns:p14="http://schemas.microsoft.com/office/powerpoint/2010/main" Requires="p14">
       <p:transition spd="med" p14:dur="700">
         <p:fade/>
       </p:transition>
     </mc:Choice>
-    <mc:Fallback xmlns="">
-      <p:transition xmlns:p14="http://schemas.microsoft.com/office/powerpoint/2010/main" spd="med">
+    <mc:Fallback>
+      <p:transition spd="med">
         <p:fade/>
       </p:transition>
     </mc:Fallback>
   </mc:AlternateContent>
+  <p:timing>
+    <p:tnLst>
+      <p:par>
+        <p:cTn id="1" dur="indefinite" restart="never" nodeType="tmRoot"/>
+      </p:par>
+    </p:tnLst>
+  </p:timing>
 </p:sld>
 </file>
 
-<file path=ppt/slides/slide23.xml><?xml version="1.0" encoding="utf-8"?>
+<file path=ppt/slides/slide28.xml><?xml version="1.0" encoding="utf-8"?>
 <p:sld xmlns:a="http://schemas.openxmlformats.org/drawingml/2006/main" xmlns:r="http://schemas.openxmlformats.org/officeDocument/2006/relationships" xmlns:p="http://schemas.openxmlformats.org/presentationml/2006/main">
   <p:cSld>
     <p:spTree>
@@ -8143,22 +9732,29 @@
   <p:clrMapOvr>
     <a:masterClrMapping/>
   </p:clrMapOvr>
-  <mc:AlternateContent xmlns:mc="http://schemas.openxmlformats.org/markup-compatibility/2006" xmlns:p14="http://schemas.microsoft.com/office/powerpoint/2010/main">
-    <mc:Choice Requires="p14">
+  <mc:AlternateContent xmlns:mc="http://schemas.openxmlformats.org/markup-compatibility/2006">
+    <mc:Choice xmlns:p14="http://schemas.microsoft.com/office/powerpoint/2010/main" Requires="p14">
       <p:transition spd="med" p14:dur="700">
         <p:fade/>
       </p:transition>
     </mc:Choice>
-    <mc:Fallback xmlns="">
-      <p:transition xmlns:p14="http://schemas.microsoft.com/office/powerpoint/2010/main" spd="med">
+    <mc:Fallback>
+      <p:transition spd="med">
         <p:fade/>
       </p:transition>
     </mc:Fallback>
   </mc:AlternateContent>
+  <p:timing>
+    <p:tnLst>
+      <p:par>
+        <p:cTn id="1" dur="indefinite" restart="never" nodeType="tmRoot"/>
+      </p:par>
+    </p:tnLst>
+  </p:timing>
 </p:sld>
 </file>
 
-<file path=ppt/slides/slide24.xml><?xml version="1.0" encoding="utf-8"?>
+<file path=ppt/slides/slide29.xml><?xml version="1.0" encoding="utf-8"?>
 <p:sld xmlns:a="http://schemas.openxmlformats.org/drawingml/2006/main" xmlns:r="http://schemas.openxmlformats.org/officeDocument/2006/relationships" xmlns:p="http://schemas.openxmlformats.org/presentationml/2006/main">
   <p:cSld>
     <p:spTree>
@@ -8252,22 +9848,234 @@
   <p:clrMapOvr>
     <a:masterClrMapping/>
   </p:clrMapOvr>
-  <mc:AlternateContent xmlns:mc="http://schemas.openxmlformats.org/markup-compatibility/2006" xmlns:p14="http://schemas.microsoft.com/office/powerpoint/2010/main">
-    <mc:Choice Requires="p14">
+  <mc:AlternateContent xmlns:mc="http://schemas.openxmlformats.org/markup-compatibility/2006">
+    <mc:Choice xmlns:p14="http://schemas.microsoft.com/office/powerpoint/2010/main" Requires="p14">
       <p:transition spd="med" p14:dur="700">
         <p:fade/>
       </p:transition>
     </mc:Choice>
-    <mc:Fallback xmlns="">
-      <p:transition xmlns:p14="http://schemas.microsoft.com/office/powerpoint/2010/main" spd="med">
+    <mc:Fallback>
+      <p:transition spd="med">
         <p:fade/>
       </p:transition>
     </mc:Fallback>
   </mc:AlternateContent>
+  <p:timing>
+    <p:tnLst>
+      <p:par>
+        <p:cTn id="1" dur="indefinite" restart="never" nodeType="tmRoot"/>
+      </p:par>
+    </p:tnLst>
+  </p:timing>
 </p:sld>
 </file>
 
-<file path=ppt/slides/slide25.xml><?xml version="1.0" encoding="utf-8"?>
+<file path=ppt/slides/slide3.xml><?xml version="1.0" encoding="utf-8"?>
+<p:sld xmlns:a="http://schemas.openxmlformats.org/drawingml/2006/main" xmlns:r="http://schemas.openxmlformats.org/officeDocument/2006/relationships" xmlns:p="http://schemas.openxmlformats.org/presentationml/2006/main">
+  <p:cSld>
+    <p:spTree>
+      <p:nvGrpSpPr>
+        <p:cNvPr id="1" name=""/>
+        <p:cNvGrpSpPr/>
+        <p:nvPr/>
+      </p:nvGrpSpPr>
+      <p:grpSpPr>
+        <a:xfrm>
+          <a:off x="0" y="0"/>
+          <a:ext cx="0" cy="0"/>
+          <a:chOff x="0" y="0"/>
+          <a:chExt cx="0" cy="0"/>
+        </a:xfrm>
+      </p:grpSpPr>
+      <p:sp>
+        <p:nvSpPr>
+          <p:cNvPr id="2" name="Title 1"/>
+          <p:cNvSpPr>
+            <a:spLocks noGrp="1"/>
+          </p:cNvSpPr>
+          <p:nvPr>
+            <p:ph type="title"/>
+          </p:nvPr>
+        </p:nvSpPr>
+        <p:spPr/>
+        <p:txBody>
+          <a:bodyPr/>
+          <a:lstStyle/>
+          <a:p>
+            <a:r>
+              <a:rPr lang="en-US" dirty="0" smtClean="0"/>
+              <a:t>Exercise: Think back to this weekend, today, this month</a:t>
+            </a:r>
+            <a:endParaRPr lang="en-US" dirty="0"/>
+          </a:p>
+        </p:txBody>
+      </p:sp>
+      <p:sp>
+        <p:nvSpPr>
+          <p:cNvPr id="3" name="Content Placeholder 2"/>
+          <p:cNvSpPr>
+            <a:spLocks noGrp="1"/>
+          </p:cNvSpPr>
+          <p:nvPr>
+            <p:ph sz="quarter" idx="1"/>
+          </p:nvPr>
+        </p:nvSpPr>
+        <p:spPr/>
+        <p:txBody>
+          <a:bodyPr/>
+          <a:lstStyle/>
+          <a:p>
+            <a:r>
+              <a:rPr lang="en-US" dirty="0" smtClean="0"/>
+              <a:t>Write down something that upset, aggravated, or annoyed you (or something that pissed you off) in your own life. </a:t>
+            </a:r>
+            <a:endParaRPr lang="en-US" dirty="0"/>
+          </a:p>
+        </p:txBody>
+      </p:sp>
+    </p:spTree>
+    <p:extLst>
+      <p:ext uri="{BB962C8B-B14F-4D97-AF65-F5344CB8AC3E}">
+        <p14:creationId xmlns:p14="http://schemas.microsoft.com/office/powerpoint/2010/main" val="1737445035"/>
+      </p:ext>
+    </p:extLst>
+  </p:cSld>
+  <p:clrMapOvr>
+    <a:masterClrMapping/>
+  </p:clrMapOvr>
+  <mc:AlternateContent xmlns:mc="http://schemas.openxmlformats.org/markup-compatibility/2006">
+    <mc:Choice xmlns:p14="http://schemas.microsoft.com/office/powerpoint/2010/main" Requires="p14">
+      <p:transition spd="med" p14:dur="700">
+        <p:fade/>
+      </p:transition>
+    </mc:Choice>
+    <mc:Fallback>
+      <p:transition spd="med">
+        <p:fade/>
+      </p:transition>
+    </mc:Fallback>
+  </mc:AlternateContent>
+  <p:timing>
+    <p:tnLst>
+      <p:par>
+        <p:cTn id="1" dur="indefinite" restart="never" nodeType="tmRoot"/>
+      </p:par>
+    </p:tnLst>
+  </p:timing>
+</p:sld>
+</file>
+
+<file path=ppt/slides/slide30.xml><?xml version="1.0" encoding="utf-8"?>
+<p:sld xmlns:a="http://schemas.openxmlformats.org/drawingml/2006/main" xmlns:r="http://schemas.openxmlformats.org/officeDocument/2006/relationships" xmlns:p="http://schemas.openxmlformats.org/presentationml/2006/main">
+  <p:cSld>
+    <p:spTree>
+      <p:nvGrpSpPr>
+        <p:cNvPr id="1" name=""/>
+        <p:cNvGrpSpPr/>
+        <p:nvPr/>
+      </p:nvGrpSpPr>
+      <p:grpSpPr>
+        <a:xfrm>
+          <a:off x="0" y="0"/>
+          <a:ext cx="0" cy="0"/>
+          <a:chOff x="0" y="0"/>
+          <a:chExt cx="0" cy="0"/>
+        </a:xfrm>
+      </p:grpSpPr>
+      <p:sp>
+        <p:nvSpPr>
+          <p:cNvPr id="2" name="Title 1"/>
+          <p:cNvSpPr>
+            <a:spLocks noGrp="1"/>
+          </p:cNvSpPr>
+          <p:nvPr>
+            <p:ph type="title"/>
+          </p:nvPr>
+        </p:nvSpPr>
+        <p:spPr/>
+        <p:txBody>
+          <a:bodyPr/>
+          <a:lstStyle/>
+          <a:p>
+            <a:r>
+              <a:rPr lang="en-US" dirty="0" smtClean="0"/>
+              <a:t>SMOs as Signifying Agents</a:t>
+            </a:r>
+            <a:endParaRPr lang="en-US" dirty="0"/>
+          </a:p>
+        </p:txBody>
+      </p:sp>
+      <p:sp>
+        <p:nvSpPr>
+          <p:cNvPr id="3" name="Content Placeholder 2"/>
+          <p:cNvSpPr>
+            <a:spLocks noGrp="1"/>
+          </p:cNvSpPr>
+          <p:nvPr>
+            <p:ph sz="quarter" idx="1"/>
+          </p:nvPr>
+        </p:nvSpPr>
+        <p:spPr/>
+        <p:txBody>
+          <a:bodyPr/>
+          <a:lstStyle/>
+          <a:p>
+            <a:r>
+              <a:rPr lang="en-US" dirty="0" smtClean="0"/>
+              <a:t>Prognostic Framing</a:t>
+            </a:r>
+            <a:endParaRPr lang="en-US" dirty="0" smtClean="0"/>
+          </a:p>
+          <a:p>
+            <a:pPr lvl="1"/>
+            <a:r>
+              <a:rPr lang="en-US" dirty="0" smtClean="0"/>
+              <a:t>Proposed solutions to the problem</a:t>
+            </a:r>
+          </a:p>
+          <a:p>
+            <a:pPr lvl="2"/>
+            <a:r>
+              <a:rPr lang="en-US" dirty="0" smtClean="0"/>
+              <a:t>To inspire or inhibit social change</a:t>
+            </a:r>
+            <a:endParaRPr lang="en-US" dirty="0"/>
+          </a:p>
+        </p:txBody>
+      </p:sp>
+    </p:spTree>
+    <p:extLst>
+      <p:ext uri="{BB962C8B-B14F-4D97-AF65-F5344CB8AC3E}">
+        <p14:creationId xmlns:p14="http://schemas.microsoft.com/office/powerpoint/2010/main" val="1885603317"/>
+      </p:ext>
+    </p:extLst>
+  </p:cSld>
+  <p:clrMapOvr>
+    <a:masterClrMapping/>
+  </p:clrMapOvr>
+  <mc:AlternateContent xmlns:mc="http://schemas.openxmlformats.org/markup-compatibility/2006">
+    <mc:Choice xmlns:p14="http://schemas.microsoft.com/office/powerpoint/2010/main" Requires="p14">
+      <p:transition spd="med" p14:dur="700">
+        <p:fade/>
+      </p:transition>
+    </mc:Choice>
+    <mc:Fallback>
+      <p:transition spd="med">
+        <p:fade/>
+      </p:transition>
+    </mc:Fallback>
+  </mc:AlternateContent>
+  <p:timing>
+    <p:tnLst>
+      <p:par>
+        <p:cTn id="1" dur="indefinite" restart="never" nodeType="tmRoot"/>
+      </p:par>
+    </p:tnLst>
+  </p:timing>
+</p:sld>
+</file>
+
+<file path=ppt/slides/slide31.xml><?xml version="1.0" encoding="utf-8"?>
 <p:sld xmlns:a="http://schemas.openxmlformats.org/drawingml/2006/main" xmlns:r="http://schemas.openxmlformats.org/officeDocument/2006/relationships" xmlns:p="http://schemas.openxmlformats.org/presentationml/2006/main">
   <p:cSld>
     <p:spTree>
@@ -8349,22 +10157,29 @@
   <p:clrMapOvr>
     <a:masterClrMapping/>
   </p:clrMapOvr>
-  <mc:AlternateContent xmlns:mc="http://schemas.openxmlformats.org/markup-compatibility/2006" xmlns:p14="http://schemas.microsoft.com/office/powerpoint/2010/main">
-    <mc:Choice Requires="p14">
+  <mc:AlternateContent xmlns:mc="http://schemas.openxmlformats.org/markup-compatibility/2006">
+    <mc:Choice xmlns:p14="http://schemas.microsoft.com/office/powerpoint/2010/main" Requires="p14">
       <p:transition spd="med" p14:dur="700">
         <p:fade/>
       </p:transition>
     </mc:Choice>
-    <mc:Fallback xmlns="">
-      <p:transition xmlns:p14="http://schemas.microsoft.com/office/powerpoint/2010/main" spd="med">
+    <mc:Fallback>
+      <p:transition spd="med">
         <p:fade/>
       </p:transition>
     </mc:Fallback>
   </mc:AlternateContent>
+  <p:timing>
+    <p:tnLst>
+      <p:par>
+        <p:cTn id="1" dur="indefinite" restart="never" nodeType="tmRoot"/>
+      </p:par>
+    </p:tnLst>
+  </p:timing>
 </p:sld>
 </file>
 
-<file path=ppt/slides/slide26.xml><?xml version="1.0" encoding="utf-8"?>
+<file path=ppt/slides/slide32.xml><?xml version="1.0" encoding="utf-8"?>
 <p:sld xmlns:a="http://schemas.openxmlformats.org/drawingml/2006/main" xmlns:r="http://schemas.openxmlformats.org/officeDocument/2006/relationships" xmlns:p="http://schemas.openxmlformats.org/presentationml/2006/main">
   <p:cSld>
     <p:spTree>
@@ -8397,9 +10212,10 @@
           <a:lstStyle/>
           <a:p>
             <a:r>
-              <a:rPr lang="en-US" dirty="0"/>
-              <a:t>SMOs as Signifying Agents</a:t>
-            </a:r>
+              <a:rPr lang="en-US" dirty="0" smtClean="0"/>
+              <a:t>Exercise: Select a Social Problem or Issue</a:t>
+            </a:r>
+            <a:endParaRPr lang="en-US" dirty="0"/>
           </a:p>
         </p:txBody>
       </p:sp>
@@ -8420,15 +10236,29 @@
           <a:p>
             <a:r>
               <a:rPr lang="en-US" dirty="0" smtClean="0"/>
-              <a:t>Prognostic Framing</a:t>
+              <a:t>Come up with </a:t>
             </a:r>
           </a:p>
           <a:p>
             <a:pPr lvl="1"/>
             <a:r>
               <a:rPr lang="en-US" dirty="0" smtClean="0"/>
-              <a:t>Highlighting potential solutions to problems</a:t>
-            </a:r>
+              <a:t>a diagnosis (source of that social problem)</a:t>
+            </a:r>
+          </a:p>
+          <a:p>
+            <a:pPr lvl="1"/>
+            <a:r>
+              <a:rPr lang="en-US" dirty="0" smtClean="0"/>
+              <a:t>a prognosis (solution to that social problem)</a:t>
+            </a:r>
+          </a:p>
+          <a:p>
+            <a:pPr lvl="1"/>
+            <a:endParaRPr lang="en-US" dirty="0"/>
+          </a:p>
+          <a:p>
+            <a:pPr lvl="1"/>
             <a:endParaRPr lang="en-US" dirty="0"/>
           </a:p>
         </p:txBody>
@@ -8436,21 +10266,21 @@
     </p:spTree>
     <p:extLst>
       <p:ext uri="{BB962C8B-B14F-4D97-AF65-F5344CB8AC3E}">
-        <p14:creationId xmlns:p14="http://schemas.microsoft.com/office/powerpoint/2010/main" val="1794167858"/>
+        <p14:creationId xmlns:p14="http://schemas.microsoft.com/office/powerpoint/2010/main" val="1688140371"/>
       </p:ext>
     </p:extLst>
   </p:cSld>
   <p:clrMapOvr>
     <a:masterClrMapping/>
   </p:clrMapOvr>
-  <mc:AlternateContent xmlns:mc="http://schemas.openxmlformats.org/markup-compatibility/2006" xmlns:p14="http://schemas.microsoft.com/office/powerpoint/2010/main">
-    <mc:Choice Requires="p14">
+  <mc:AlternateContent xmlns:mc="http://schemas.openxmlformats.org/markup-compatibility/2006">
+    <mc:Choice xmlns:p14="http://schemas.microsoft.com/office/powerpoint/2010/main" Requires="p14">
       <p:transition spd="med" p14:dur="700">
         <p:fade/>
       </p:transition>
     </mc:Choice>
-    <mc:Fallback xmlns="">
-      <p:transition xmlns:p14="http://schemas.microsoft.com/office/powerpoint/2010/main" spd="med">
+    <mc:Fallback>
+      <p:transition spd="med">
         <p:fade/>
       </p:transition>
     </mc:Fallback>
@@ -8465,7 +10295,7 @@
 </p:sld>
 </file>
 
-<file path=ppt/slides/slide27.xml><?xml version="1.0" encoding="utf-8"?>
+<file path=ppt/slides/slide33.xml><?xml version="1.0" encoding="utf-8"?>
 <p:sld xmlns:a="http://schemas.openxmlformats.org/drawingml/2006/main" xmlns:r="http://schemas.openxmlformats.org/officeDocument/2006/relationships" xmlns:p="http://schemas.openxmlformats.org/presentationml/2006/main">
   <p:cSld>
     <p:spTree>
@@ -8499,7 +10329,7 @@
           <a:p>
             <a:r>
               <a:rPr lang="en-US" dirty="0" smtClean="0"/>
-              <a:t>Notes about Framing</a:t>
+              <a:t>Framing (notes)</a:t>
             </a:r>
             <a:endParaRPr lang="en-US" dirty="0"/>
           </a:p>
@@ -8540,9 +10370,16 @@
             </a:r>
           </a:p>
           <a:p>
-            <a:r>
-              <a:rPr lang="en-US" dirty="0" smtClean="0"/>
-              <a:t>Frames subject to differential interpretation</a:t>
+            <a:endParaRPr lang="en-US" dirty="0" smtClean="0"/>
+          </a:p>
+          <a:p>
+            <a:r>
+              <a:rPr lang="en-US" dirty="0" smtClean="0"/>
+              <a:t>Frames </a:t>
+            </a:r>
+            <a:r>
+              <a:rPr lang="en-US" dirty="0" smtClean="0"/>
+              <a:t>subject to differential interpretation</a:t>
             </a:r>
           </a:p>
           <a:p>
@@ -8565,14 +10402,14 @@
   <p:clrMapOvr>
     <a:masterClrMapping/>
   </p:clrMapOvr>
-  <mc:AlternateContent xmlns:mc="http://schemas.openxmlformats.org/markup-compatibility/2006" xmlns:p14="http://schemas.microsoft.com/office/powerpoint/2010/main">
-    <mc:Choice Requires="p14">
+  <mc:AlternateContent xmlns:mc="http://schemas.openxmlformats.org/markup-compatibility/2006">
+    <mc:Choice xmlns:p14="http://schemas.microsoft.com/office/powerpoint/2010/main" Requires="p14">
       <p:transition spd="med" p14:dur="700">
         <p:fade/>
       </p:transition>
     </mc:Choice>
-    <mc:Fallback xmlns="">
-      <p:transition xmlns:p14="http://schemas.microsoft.com/office/powerpoint/2010/main" spd="med">
+    <mc:Fallback>
+      <p:transition spd="med">
         <p:fade/>
       </p:transition>
     </mc:Fallback>
@@ -8587,7 +10424,7 @@
 </p:sld>
 </file>
 
-<file path=ppt/slides/slide28.xml><?xml version="1.0" encoding="utf-8"?>
+<file path=ppt/slides/slide34.xml><?xml version="1.0" encoding="utf-8"?>
 <p:sld xmlns:a="http://schemas.openxmlformats.org/drawingml/2006/main" xmlns:r="http://schemas.openxmlformats.org/officeDocument/2006/relationships" xmlns:p="http://schemas.openxmlformats.org/presentationml/2006/main">
   <p:cSld>
     <p:spTree>
@@ -8621,7 +10458,11 @@
           <a:p>
             <a:r>
               <a:rPr lang="en-US" dirty="0" smtClean="0"/>
-              <a:t>Ex: Heaven’s Gate</a:t>
+              <a:t>Ex: </a:t>
+            </a:r>
+            <a:r>
+              <a:rPr lang="en-US" dirty="0" smtClean="0"/>
+              <a:t>Framing Constraints and Empirical Events</a:t>
             </a:r>
             <a:endParaRPr lang="en-US" dirty="0"/>
           </a:p>
@@ -8669,14 +10510,14 @@
   <p:clrMapOvr>
     <a:masterClrMapping/>
   </p:clrMapOvr>
-  <mc:AlternateContent xmlns:mc="http://schemas.openxmlformats.org/markup-compatibility/2006" xmlns:p14="http://schemas.microsoft.com/office/powerpoint/2010/main">
-    <mc:Choice Requires="p14">
+  <mc:AlternateContent xmlns:mc="http://schemas.openxmlformats.org/markup-compatibility/2006">
+    <mc:Choice xmlns:p14="http://schemas.microsoft.com/office/powerpoint/2010/main" Requires="p14">
       <p:transition spd="med" p14:dur="700">
         <p:fade/>
       </p:transition>
     </mc:Choice>
-    <mc:Fallback xmlns="">
-      <p:transition xmlns:p14="http://schemas.microsoft.com/office/powerpoint/2010/main" spd="med">
+    <mc:Fallback>
+      <p:transition spd="med">
         <p:fade/>
       </p:transition>
     </mc:Fallback>
@@ -8691,7 +10532,7 @@
 </p:sld>
 </file>
 
-<file path=ppt/slides/slide3.xml><?xml version="1.0" encoding="utf-8"?>
+<file path=ppt/slides/slide35.xml><?xml version="1.0" encoding="utf-8"?>
 <p:sld xmlns:a="http://schemas.openxmlformats.org/drawingml/2006/main" xmlns:r="http://schemas.openxmlformats.org/officeDocument/2006/relationships" xmlns:p="http://schemas.openxmlformats.org/presentationml/2006/main">
   <p:cSld>
     <p:spTree>
@@ -8723,11 +10564,7 @@
           <a:bodyPr/>
           <a:lstStyle/>
           <a:p>
-            <a:r>
-              <a:rPr lang="en-US" dirty="0" smtClean="0"/>
-              <a:t>Mobilizing Grievances</a:t>
-            </a:r>
-            <a:endParaRPr lang="en-US" dirty="0"/>
+            <a:endParaRPr lang="en-US"/>
           </a:p>
         </p:txBody>
       </p:sp>
@@ -8746,70 +10583,20 @@
           <a:bodyPr/>
           <a:lstStyle/>
           <a:p>
-            <a:pPr marL="514350" indent="-514350">
-              <a:buFont typeface="+mj-lt"/>
-              <a:buAutoNum type="arabicPeriod"/>
-            </a:pPr>
-            <a:r>
-              <a:rPr lang="en-US" dirty="0" smtClean="0"/>
-              <a:t>Strong feelings</a:t>
-            </a:r>
-            <a:r>
-              <a:rPr lang="is-IS" dirty="0" smtClean="0"/>
-              <a:t>…</a:t>
-            </a:r>
-            <a:endParaRPr lang="en-US" dirty="0" smtClean="0"/>
-          </a:p>
-          <a:p>
-            <a:pPr marL="514350" indent="-514350">
-              <a:buFont typeface="+mj-lt"/>
-              <a:buAutoNum type="arabicPeriod"/>
-            </a:pPr>
-            <a:r>
-              <a:rPr lang="en-US" dirty="0" smtClean="0"/>
-              <a:t>shared amongst multiple actors (individuals or organizations)</a:t>
-            </a:r>
-            <a:r>
-              <a:rPr lang="is-IS" dirty="0" smtClean="0"/>
-              <a:t>…</a:t>
-            </a:r>
-            <a:endParaRPr lang="en-US" dirty="0" smtClean="0"/>
-          </a:p>
-          <a:p>
-            <a:pPr marL="514350" indent="-514350">
-              <a:buFont typeface="+mj-lt"/>
-              <a:buAutoNum type="arabicPeriod"/>
-            </a:pPr>
-            <a:r>
-              <a:rPr lang="en-US" dirty="0" smtClean="0"/>
-              <a:t>felt so strongly to warrant collective complaint and corrective, collective action</a:t>
-            </a:r>
-            <a:endParaRPr lang="en-US" dirty="0"/>
+            <a:endParaRPr lang="en-US"/>
           </a:p>
         </p:txBody>
       </p:sp>
     </p:spTree>
     <p:extLst>
       <p:ext uri="{BB962C8B-B14F-4D97-AF65-F5344CB8AC3E}">
-        <p14:creationId xmlns:p14="http://schemas.microsoft.com/office/powerpoint/2010/main" val="1573047066"/>
+        <p14:creationId xmlns:p14="http://schemas.microsoft.com/office/powerpoint/2010/main" val="1593885319"/>
       </p:ext>
     </p:extLst>
   </p:cSld>
   <p:clrMapOvr>
     <a:masterClrMapping/>
   </p:clrMapOvr>
-  <mc:AlternateContent xmlns:mc="http://schemas.openxmlformats.org/markup-compatibility/2006" xmlns:p14="http://schemas.microsoft.com/office/powerpoint/2010/main">
-    <mc:Choice Requires="p14">
-      <p:transition spd="med" p14:dur="700">
-        <p:fade/>
-      </p:transition>
-    </mc:Choice>
-    <mc:Fallback xmlns="">
-      <p:transition xmlns:p14="http://schemas.microsoft.com/office/powerpoint/2010/main" spd="med">
-        <p:fade/>
-      </p:transition>
-    </mc:Fallback>
-  </mc:AlternateContent>
 </p:sld>
 </file>
 
@@ -8842,6 +10629,29 @@
         </p:nvSpPr>
         <p:spPr/>
         <p:txBody>
+          <a:bodyPr/>
+          <a:lstStyle/>
+          <a:p>
+            <a:r>
+              <a:rPr lang="en-US" dirty="0" smtClean="0"/>
+              <a:t>Grievances</a:t>
+            </a:r>
+            <a:endParaRPr lang="en-US" dirty="0"/>
+          </a:p>
+        </p:txBody>
+      </p:sp>
+      <p:sp>
+        <p:nvSpPr>
+          <p:cNvPr id="3" name="Content Placeholder 2"/>
+          <p:cNvSpPr>
+            <a:spLocks noGrp="1"/>
+          </p:cNvSpPr>
+          <p:nvPr>
+            <p:ph sz="quarter" idx="1"/>
+          </p:nvPr>
+        </p:nvSpPr>
+        <p:spPr/>
+        <p:txBody>
           <a:bodyPr>
             <a:normAutofit/>
           </a:bodyPr>
@@ -8849,77 +10659,72 @@
           <a:p>
             <a:r>
               <a:rPr lang="en-US" dirty="0" smtClean="0"/>
-              <a:t>Older Incorrect Theories about Grievances</a:t>
-            </a:r>
-            <a:endParaRPr lang="en-US" dirty="0"/>
-          </a:p>
-        </p:txBody>
-      </p:sp>
-      <p:sp>
-        <p:nvSpPr>
-          <p:cNvPr id="3" name="Content Placeholder 2"/>
-          <p:cNvSpPr>
-            <a:spLocks noGrp="1"/>
-          </p:cNvSpPr>
-          <p:nvPr>
-            <p:ph sz="quarter" idx="1"/>
-          </p:nvPr>
-        </p:nvSpPr>
-        <p:spPr/>
-        <p:txBody>
-          <a:bodyPr/>
-          <a:lstStyle/>
-          <a:p>
+              <a:t>Social movements challenge authorities over </a:t>
+            </a:r>
+            <a:r>
+              <a:rPr lang="en-US" dirty="0" smtClean="0"/>
+              <a:t>grievances</a:t>
+            </a:r>
+          </a:p>
+          <a:p>
+            <a:pPr lvl="1"/>
             <a:r>
               <a:rPr lang="en-US" dirty="0"/>
-              <a:t>U</a:t>
-            </a:r>
-            <a:r>
-              <a:rPr lang="en-US" dirty="0" smtClean="0"/>
-              <a:t>biquitous, therefore inconsequential</a:t>
-            </a:r>
-          </a:p>
-          <a:p>
-            <a:r>
-              <a:rPr lang="en-US" dirty="0"/>
-              <a:t>R</a:t>
-            </a:r>
-            <a:r>
-              <a:rPr lang="en-US" dirty="0" smtClean="0"/>
-              <a:t>esult from objective structural or material conditions</a:t>
-            </a:r>
-          </a:p>
-          <a:p>
-            <a:r>
-              <a:rPr lang="en-US" dirty="0" smtClean="0"/>
-              <a:t>Result from heightened psychological states</a:t>
-            </a:r>
-            <a:endParaRPr lang="en-US" dirty="0"/>
+              <a:t>M</a:t>
+            </a:r>
+            <a:r>
+              <a:rPr lang="en-US" dirty="0" smtClean="0"/>
+              <a:t>atters </a:t>
+            </a:r>
+            <a:r>
+              <a:rPr lang="en-US" dirty="0" smtClean="0"/>
+              <a:t>about which they are troubled, passionate, </a:t>
+            </a:r>
+            <a:r>
+              <a:rPr lang="en-US" dirty="0" smtClean="0"/>
+              <a:t>or have </a:t>
+            </a:r>
+            <a:r>
+              <a:rPr lang="en-US" dirty="0" smtClean="0"/>
+              <a:t>considerable </a:t>
+            </a:r>
+            <a:r>
+              <a:rPr lang="en-US" dirty="0" smtClean="0"/>
+              <a:t>concern</a:t>
+            </a:r>
+            <a:endParaRPr lang="en-US" dirty="0" smtClean="0"/>
           </a:p>
         </p:txBody>
       </p:sp>
     </p:spTree>
     <p:extLst>
       <p:ext uri="{BB962C8B-B14F-4D97-AF65-F5344CB8AC3E}">
-        <p14:creationId xmlns:p14="http://schemas.microsoft.com/office/powerpoint/2010/main" val="2508419788"/>
+        <p14:creationId xmlns:p14="http://schemas.microsoft.com/office/powerpoint/2010/main" val="1231564739"/>
       </p:ext>
     </p:extLst>
   </p:cSld>
   <p:clrMapOvr>
     <a:masterClrMapping/>
   </p:clrMapOvr>
-  <mc:AlternateContent xmlns:mc="http://schemas.openxmlformats.org/markup-compatibility/2006" xmlns:p14="http://schemas.microsoft.com/office/powerpoint/2010/main">
-    <mc:Choice Requires="p14">
+  <mc:AlternateContent xmlns:mc="http://schemas.openxmlformats.org/markup-compatibility/2006">
+    <mc:Choice xmlns:p14="http://schemas.microsoft.com/office/powerpoint/2010/main" Requires="p14">
       <p:transition spd="med" p14:dur="700">
         <p:fade/>
       </p:transition>
     </mc:Choice>
-    <mc:Fallback xmlns="">
-      <p:transition xmlns:p14="http://schemas.microsoft.com/office/powerpoint/2010/main" spd="med">
+    <mc:Fallback>
+      <p:transition spd="med">
         <p:fade/>
       </p:transition>
     </mc:Fallback>
   </mc:AlternateContent>
+  <p:timing>
+    <p:tnLst>
+      <p:par>
+        <p:cTn id="1" dur="indefinite" restart="never" nodeType="tmRoot"/>
+      </p:par>
+    </p:tnLst>
+  </p:timing>
 </p:sld>
 </file>
 
@@ -8952,14 +10757,16 @@
         </p:nvSpPr>
         <p:spPr/>
         <p:txBody>
-          <a:bodyPr>
-            <a:normAutofit/>
-          </a:bodyPr>
-          <a:lstStyle/>
-          <a:p>
-            <a:r>
-              <a:rPr lang="en-US" dirty="0" smtClean="0"/>
-              <a:t>Grievances as Ubiquitous and Irrelevant</a:t>
+          <a:bodyPr/>
+          <a:lstStyle/>
+          <a:p>
+            <a:r>
+              <a:rPr lang="en-US" dirty="0" smtClean="0"/>
+              <a:t>Mobilizing </a:t>
+            </a:r>
+            <a:r>
+              <a:rPr lang="en-US" dirty="0" smtClean="0"/>
+              <a:t>Grievances are..</a:t>
             </a:r>
             <a:endParaRPr lang="en-US" dirty="0"/>
           </a:p>
@@ -8977,58 +10784,88 @@
         </p:nvSpPr>
         <p:spPr/>
         <p:txBody>
-          <a:bodyPr>
-            <a:normAutofit/>
-          </a:bodyPr>
-          <a:lstStyle/>
-          <a:p>
-            <a:r>
-              <a:rPr lang="en-US" dirty="0" smtClean="0"/>
-              <a:t>“Grievances, much like weeds, flourish naturally and abundantly, irrespective of environmental context or social conditions.”</a:t>
-            </a:r>
-          </a:p>
-          <a:p>
-            <a:endParaRPr lang="en-US" dirty="0" smtClean="0"/>
-          </a:p>
-          <a:p>
-            <a:r>
-              <a:rPr lang="en-US" dirty="0" smtClean="0"/>
-              <a:t>Grievances omnipresent. “There is always enough discontent in any society to supply grassroots support for a movement</a:t>
+          <a:bodyPr/>
+          <a:lstStyle/>
+          <a:p>
+            <a:pPr marL="514350" indent="-514350">
+              <a:buFont typeface="+mj-lt"/>
+              <a:buAutoNum type="arabicPeriod"/>
+            </a:pPr>
+            <a:r>
+              <a:rPr lang="en-US" dirty="0" smtClean="0"/>
+              <a:t>Strong feelings</a:t>
             </a:r>
             <a:r>
               <a:rPr lang="is-IS" dirty="0" smtClean="0"/>
               <a:t>…</a:t>
             </a:r>
-            <a:r>
-              <a:rPr lang="en-US" smtClean="0"/>
-              <a:t>"</a:t>
-            </a:r>
             <a:endParaRPr lang="en-US" dirty="0" smtClean="0"/>
+          </a:p>
+          <a:p>
+            <a:pPr marL="514350" indent="-514350">
+              <a:buFont typeface="+mj-lt"/>
+              <a:buAutoNum type="arabicPeriod"/>
+            </a:pPr>
+            <a:r>
+              <a:rPr lang="en-US" dirty="0" smtClean="0"/>
+              <a:t>shared amongst multiple actors (individuals or organizations)</a:t>
+            </a:r>
+            <a:r>
+              <a:rPr lang="is-IS" dirty="0" smtClean="0"/>
+              <a:t>…</a:t>
+            </a:r>
+            <a:endParaRPr lang="en-US" dirty="0" smtClean="0"/>
+          </a:p>
+          <a:p>
+            <a:pPr marL="514350" indent="-514350">
+              <a:buFont typeface="+mj-lt"/>
+              <a:buAutoNum type="arabicPeriod"/>
+            </a:pPr>
+            <a:r>
+              <a:rPr lang="en-US" b="1" dirty="0" smtClean="0"/>
+              <a:t>felt so strongly to warrant collective complaint </a:t>
+            </a:r>
+            <a:r>
+              <a:rPr lang="en-US" b="1" dirty="0" smtClean="0"/>
+              <a:t>and collective </a:t>
+            </a:r>
+            <a:r>
+              <a:rPr lang="en-US" b="1" dirty="0" smtClean="0"/>
+              <a:t>action</a:t>
+            </a:r>
+            <a:endParaRPr lang="en-US" b="1" dirty="0"/>
           </a:p>
         </p:txBody>
       </p:sp>
     </p:spTree>
     <p:extLst>
       <p:ext uri="{BB962C8B-B14F-4D97-AF65-F5344CB8AC3E}">
-        <p14:creationId xmlns:p14="http://schemas.microsoft.com/office/powerpoint/2010/main" val="599199196"/>
+        <p14:creationId xmlns:p14="http://schemas.microsoft.com/office/powerpoint/2010/main" val="1573047066"/>
       </p:ext>
     </p:extLst>
   </p:cSld>
   <p:clrMapOvr>
     <a:masterClrMapping/>
   </p:clrMapOvr>
-  <mc:AlternateContent xmlns:mc="http://schemas.openxmlformats.org/markup-compatibility/2006" xmlns:p14="http://schemas.microsoft.com/office/powerpoint/2010/main">
-    <mc:Choice Requires="p14">
+  <mc:AlternateContent xmlns:mc="http://schemas.openxmlformats.org/markup-compatibility/2006">
+    <mc:Choice xmlns:p14="http://schemas.microsoft.com/office/powerpoint/2010/main" Requires="p14">
       <p:transition spd="med" p14:dur="700">
         <p:fade/>
       </p:transition>
     </mc:Choice>
-    <mc:Fallback xmlns="">
-      <p:transition xmlns:p14="http://schemas.microsoft.com/office/powerpoint/2010/main" spd="med">
+    <mc:Fallback>
+      <p:transition spd="med">
         <p:fade/>
       </p:transition>
     </mc:Fallback>
   </mc:AlternateContent>
+  <p:timing>
+    <p:tnLst>
+      <p:par>
+        <p:cTn id="1" dur="indefinite" restart="never" nodeType="tmRoot"/>
+      </p:par>
+    </p:tnLst>
+  </p:timing>
 </p:sld>
 </file>
 
@@ -9068,7 +10905,11 @@
           <a:p>
             <a:r>
               <a:rPr lang="en-US" dirty="0" smtClean="0"/>
-              <a:t>Problem with “Grievances as Ubiquitous” Argument</a:t>
+              <a:t>Incorrect Arguments about </a:t>
+            </a:r>
+            <a:r>
+              <a:rPr lang="en-US" dirty="0" smtClean="0"/>
+              <a:t>Grievances</a:t>
             </a:r>
             <a:endParaRPr lang="en-US" dirty="0"/>
           </a:p>
@@ -9084,111 +10925,73 @@
             <p:ph sz="quarter" idx="1"/>
           </p:nvPr>
         </p:nvSpPr>
-        <p:spPr>
-          <a:xfrm>
-            <a:off x="816864" y="1544983"/>
-            <a:ext cx="8153400" cy="4495800"/>
-          </a:xfrm>
-        </p:spPr>
-        <p:txBody>
-          <a:bodyPr>
-            <a:normAutofit/>
-          </a:bodyPr>
-          <a:lstStyle/>
-          <a:p>
-            <a:r>
-              <a:rPr lang="en-US" dirty="0" smtClean="0"/>
-              <a:t>Conflates individual grievances and mobilizing grievances</a:t>
-            </a:r>
-          </a:p>
-          <a:p>
-            <a:pPr lvl="1"/>
-            <a:r>
-              <a:rPr lang="en-US" dirty="0" smtClean="0"/>
-              <a:t>Individual grievances:</a:t>
-            </a:r>
-          </a:p>
-          <a:p>
-            <a:pPr lvl="2"/>
-            <a:r>
-              <a:rPr lang="en-US" dirty="0" smtClean="0"/>
-              <a:t>Discontent or aggravation that is individually experienced</a:t>
-            </a:r>
-          </a:p>
-          <a:p>
-            <a:pPr lvl="2"/>
-            <a:r>
-              <a:rPr lang="en-US" dirty="0" smtClean="0"/>
-              <a:t>Not getting a raise, traffic, etc.</a:t>
-            </a:r>
-          </a:p>
-          <a:p>
-            <a:pPr lvl="2"/>
-            <a:r>
-              <a:rPr lang="en-US" i="1" dirty="0" smtClean="0">
-                <a:hlinkClick r:id="rId3"/>
-              </a:rPr>
-              <a:t>Falling Down</a:t>
-            </a:r>
-            <a:r>
-              <a:rPr lang="en-US" dirty="0" smtClean="0">
-                <a:hlinkClick r:id="rId3"/>
-              </a:rPr>
-              <a:t> (1993)</a:t>
+        <p:spPr/>
+        <p:txBody>
+          <a:bodyPr/>
+          <a:lstStyle/>
+          <a:p>
+            <a:r>
+              <a:rPr lang="en-US" dirty="0" smtClean="0"/>
+              <a:t>Ubiquitous</a:t>
+            </a:r>
+            <a:r>
+              <a:rPr lang="en-US" dirty="0" smtClean="0"/>
+              <a:t>, </a:t>
+            </a:r>
+            <a:r>
+              <a:rPr lang="en-US" dirty="0" smtClean="0"/>
+              <a:t>inconsequential</a:t>
+            </a:r>
+            <a:endParaRPr lang="en-US" dirty="0" smtClean="0"/>
+          </a:p>
+          <a:p>
+            <a:r>
+              <a:rPr lang="en-US" dirty="0"/>
+              <a:t>R</a:t>
+            </a:r>
+            <a:r>
+              <a:rPr lang="en-US" dirty="0" smtClean="0"/>
+              <a:t>esult from objective structural or material conditions</a:t>
+            </a:r>
+          </a:p>
+          <a:p>
+            <a:r>
+              <a:rPr lang="en-US" dirty="0" smtClean="0"/>
+              <a:t>Result from heightened psychological states</a:t>
             </a:r>
             <a:endParaRPr lang="en-US" dirty="0"/>
-          </a:p>
-          <a:p>
-            <a:pPr lvl="2"/>
-            <a:endParaRPr lang="en-US" dirty="0" smtClean="0"/>
-          </a:p>
-          <a:p>
-            <a:r>
-              <a:rPr lang="en-US" dirty="0" smtClean="0"/>
-              <a:t>Individual grievances rarely </a:t>
-            </a:r>
-            <a:r>
-              <a:rPr lang="en-US" dirty="0"/>
-              <a:t>congeal into collectively shared (mobilizing) grievances that spur collective </a:t>
-            </a:r>
-            <a:r>
-              <a:rPr lang="en-US" dirty="0" smtClean="0"/>
-              <a:t>action, since movements aren't always active</a:t>
-            </a:r>
-            <a:endParaRPr lang="en-US" dirty="0"/>
-          </a:p>
-          <a:p>
-            <a:pPr lvl="1"/>
-            <a:endParaRPr lang="en-US" dirty="0" smtClean="0"/>
-          </a:p>
-          <a:p>
-            <a:pPr lvl="2"/>
-            <a:endParaRPr lang="en-US" dirty="0" smtClean="0"/>
           </a:p>
         </p:txBody>
       </p:sp>
     </p:spTree>
     <p:extLst>
       <p:ext uri="{BB962C8B-B14F-4D97-AF65-F5344CB8AC3E}">
-        <p14:creationId xmlns:p14="http://schemas.microsoft.com/office/powerpoint/2010/main" val="1476798195"/>
+        <p14:creationId xmlns:p14="http://schemas.microsoft.com/office/powerpoint/2010/main" val="2508419788"/>
       </p:ext>
     </p:extLst>
   </p:cSld>
   <p:clrMapOvr>
     <a:masterClrMapping/>
   </p:clrMapOvr>
-  <mc:AlternateContent xmlns:mc="http://schemas.openxmlformats.org/markup-compatibility/2006" xmlns:p14="http://schemas.microsoft.com/office/powerpoint/2010/main">
-    <mc:Choice Requires="p14">
+  <mc:AlternateContent xmlns:mc="http://schemas.openxmlformats.org/markup-compatibility/2006">
+    <mc:Choice xmlns:p14="http://schemas.microsoft.com/office/powerpoint/2010/main" Requires="p14">
       <p:transition spd="med" p14:dur="700">
         <p:fade/>
       </p:transition>
     </mc:Choice>
-    <mc:Fallback xmlns="">
-      <p:transition xmlns:p14="http://schemas.microsoft.com/office/powerpoint/2010/main" spd="med">
+    <mc:Fallback>
+      <p:transition spd="med">
         <p:fade/>
       </p:transition>
     </mc:Fallback>
   </mc:AlternateContent>
+  <p:timing>
+    <p:tnLst>
+      <p:par>
+        <p:cTn id="1" dur="indefinite" restart="never" nodeType="tmRoot"/>
+      </p:par>
+    </p:tnLst>
+  </p:timing>
 </p:sld>
 </file>
 
@@ -9222,97 +11025,128 @@
         <p:spPr/>
         <p:txBody>
           <a:bodyPr>
-            <a:normAutofit fontScale="90000"/>
+            <a:normAutofit/>
           </a:bodyPr>
           <a:lstStyle/>
           <a:p>
             <a:r>
+              <a:rPr lang="en-US" dirty="0" smtClean="0"/>
+              <a:t>1: </a:t>
+            </a:r>
+            <a:r>
+              <a:rPr lang="en-US" dirty="0" smtClean="0"/>
+              <a:t>Grievances </a:t>
+            </a:r>
+            <a:r>
+              <a:rPr lang="en-US" dirty="0" smtClean="0"/>
+              <a:t>as Ubiquitous and Irrelevant</a:t>
+            </a:r>
+            <a:endParaRPr lang="en-US" dirty="0"/>
+          </a:p>
+        </p:txBody>
+      </p:sp>
+      <p:sp>
+        <p:nvSpPr>
+          <p:cNvPr id="3" name="Content Placeholder 2"/>
+          <p:cNvSpPr>
+            <a:spLocks noGrp="1"/>
+          </p:cNvSpPr>
+          <p:nvPr>
+            <p:ph sz="quarter" idx="1"/>
+          </p:nvPr>
+        </p:nvSpPr>
+        <p:spPr/>
+        <p:txBody>
+          <a:bodyPr>
+            <a:normAutofit/>
+          </a:bodyPr>
+          <a:lstStyle/>
+          <a:p>
+            <a:r>
+              <a:rPr lang="en-US" dirty="0" smtClean="0"/>
+              <a:t>Response to Collective Behavior theories</a:t>
+            </a:r>
+          </a:p>
+          <a:p>
+            <a:endParaRPr lang="en-US" dirty="0" smtClean="0"/>
+          </a:p>
+          <a:p>
+            <a:r>
               <a:rPr lang="en-US" dirty="0"/>
-              <a:t>Grievances as Function of Objective Structural or Material Conditions</a:t>
-            </a:r>
-          </a:p>
-        </p:txBody>
-      </p:sp>
-      <p:sp>
-        <p:nvSpPr>
-          <p:cNvPr id="3" name="Content Placeholder 2"/>
-          <p:cNvSpPr>
-            <a:spLocks noGrp="1"/>
-          </p:cNvSpPr>
-          <p:nvPr>
-            <p:ph sz="quarter" idx="1"/>
-          </p:nvPr>
-        </p:nvSpPr>
-        <p:spPr/>
-        <p:txBody>
-          <a:bodyPr/>
-          <a:lstStyle/>
-          <a:p>
-            <a:r>
-              <a:rPr lang="en-US" dirty="0" smtClean="0"/>
-              <a:t>Grievances result from two kinds of structural or material conditions:</a:t>
-            </a:r>
+              <a:t>Grievances </a:t>
+            </a:r>
+            <a:r>
+              <a:rPr lang="en-US" dirty="0" smtClean="0"/>
+              <a:t>omnipresent</a:t>
+            </a:r>
+            <a:endParaRPr lang="en-US" dirty="0" smtClean="0"/>
           </a:p>
           <a:p>
             <a:pPr lvl="1"/>
             <a:r>
               <a:rPr lang="en-US" dirty="0" smtClean="0"/>
-              <a:t>Inequality/Group Conflict</a:t>
-            </a:r>
-          </a:p>
-          <a:p>
-            <a:pPr lvl="2"/>
-            <a:r>
-              <a:rPr lang="en-US" dirty="0" smtClean="0"/>
-              <a:t>Social arrangements that places certain social groups in antagonistic relations with one another</a:t>
-            </a:r>
+              <a:t>“</a:t>
+            </a:r>
+            <a:r>
+              <a:rPr lang="en-US" dirty="0" smtClean="0"/>
+              <a:t>Grievances, much like weeds, flourish naturally and abundantly, irrespective of environmental context or social conditions</a:t>
+            </a:r>
+            <a:r>
+              <a:rPr lang="en-US" dirty="0" smtClean="0"/>
+              <a:t>.”</a:t>
+            </a:r>
+            <a:endParaRPr lang="en-US" dirty="0" smtClean="0"/>
           </a:p>
           <a:p>
             <a:pPr lvl="1"/>
             <a:r>
               <a:rPr lang="en-US" dirty="0" smtClean="0"/>
-              <a:t>Strain</a:t>
-            </a:r>
-          </a:p>
-          <a:p>
-            <a:pPr lvl="2"/>
-            <a:r>
-              <a:rPr lang="en-US" dirty="0" smtClean="0"/>
-              <a:t>Changes/trends that alter existing social arrangements and patterns of social life</a:t>
-            </a:r>
-          </a:p>
-          <a:p>
-            <a:pPr lvl="3"/>
-            <a:r>
-              <a:rPr lang="en-US" dirty="0" smtClean="0"/>
-              <a:t>Disintegration, Absolute Deprivation, Quotidian Disruption</a:t>
-            </a:r>
-            <a:endParaRPr lang="en-US" dirty="0"/>
+              <a:t>“</a:t>
+            </a:r>
+            <a:r>
+              <a:rPr lang="en-US" dirty="0" smtClean="0"/>
+              <a:t>There is always enough discontent in any society to supply grassroots support for a movement</a:t>
+            </a:r>
+            <a:r>
+              <a:rPr lang="is-IS" dirty="0" smtClean="0"/>
+              <a:t>…</a:t>
+            </a:r>
+            <a:r>
+              <a:rPr lang="en-US" dirty="0" smtClean="0"/>
+              <a:t>"</a:t>
+            </a:r>
           </a:p>
         </p:txBody>
       </p:sp>
     </p:spTree>
     <p:extLst>
       <p:ext uri="{BB962C8B-B14F-4D97-AF65-F5344CB8AC3E}">
-        <p14:creationId xmlns:p14="http://schemas.microsoft.com/office/powerpoint/2010/main" val="2395594713"/>
+        <p14:creationId xmlns:p14="http://schemas.microsoft.com/office/powerpoint/2010/main" val="599199196"/>
       </p:ext>
     </p:extLst>
   </p:cSld>
   <p:clrMapOvr>
     <a:masterClrMapping/>
   </p:clrMapOvr>
-  <mc:AlternateContent xmlns:mc="http://schemas.openxmlformats.org/markup-compatibility/2006" xmlns:p14="http://schemas.microsoft.com/office/powerpoint/2010/main">
-    <mc:Choice Requires="p14">
+  <mc:AlternateContent xmlns:mc="http://schemas.openxmlformats.org/markup-compatibility/2006">
+    <mc:Choice xmlns:p14="http://schemas.microsoft.com/office/powerpoint/2010/main" Requires="p14">
       <p:transition spd="med" p14:dur="700">
         <p:fade/>
       </p:transition>
     </mc:Choice>
-    <mc:Fallback xmlns="">
-      <p:transition xmlns:p14="http://schemas.microsoft.com/office/powerpoint/2010/main" spd="med">
+    <mc:Fallback>
+      <p:transition spd="med">
         <p:fade/>
       </p:transition>
     </mc:Fallback>
   </mc:AlternateContent>
+  <p:timing>
+    <p:tnLst>
+      <p:par>
+        <p:cTn id="1" dur="indefinite" restart="never" nodeType="tmRoot"/>
+      </p:par>
+    </p:tnLst>
+  </p:timing>
 </p:sld>
 </file>
 
@@ -9346,13 +11180,13 @@
         <p:spPr/>
         <p:txBody>
           <a:bodyPr>
-            <a:normAutofit fontScale="90000"/>
+            <a:normAutofit/>
           </a:bodyPr>
           <a:lstStyle/>
           <a:p>
             <a:r>
               <a:rPr lang="en-US" dirty="0" smtClean="0"/>
-              <a:t>Grievances as Function of Objective Structural or Material Conditions</a:t>
+              <a:t>Problem with “Grievances as Ubiquitous” Argument</a:t>
             </a:r>
             <a:endParaRPr lang="en-US" dirty="0"/>
           </a:p>
@@ -9368,25 +11202,89 @@
             <p:ph sz="quarter" idx="1"/>
           </p:nvPr>
         </p:nvSpPr>
-        <p:spPr/>
-        <p:txBody>
-          <a:bodyPr/>
-          <a:lstStyle/>
-          <a:p>
-            <a:r>
-              <a:rPr lang="en-US" dirty="0" smtClean="0"/>
-              <a:t>Inequality/Group Conflict</a:t>
+        <p:spPr>
+          <a:xfrm>
+            <a:off x="816863" y="1544983"/>
+            <a:ext cx="10636383" cy="4495800"/>
+          </a:xfrm>
+        </p:spPr>
+        <p:txBody>
+          <a:bodyPr>
+            <a:normAutofit/>
+          </a:bodyPr>
+          <a:lstStyle/>
+          <a:p>
+            <a:r>
+              <a:rPr lang="en-US" dirty="0" smtClean="0"/>
+              <a:t>Conflates individual grievances and mobilizing grievances</a:t>
+            </a:r>
+          </a:p>
+          <a:p>
+            <a:endParaRPr lang="en-US" dirty="0" smtClean="0"/>
+          </a:p>
+          <a:p>
+            <a:r>
+              <a:rPr lang="en-US" dirty="0" smtClean="0"/>
+              <a:t>Individual </a:t>
+            </a:r>
+            <a:r>
+              <a:rPr lang="en-US" dirty="0" smtClean="0"/>
+              <a:t>grievances:</a:t>
             </a:r>
           </a:p>
           <a:p>
             <a:pPr lvl="1"/>
             <a:r>
               <a:rPr lang="en-US" dirty="0" smtClean="0"/>
-              <a:t>Grievances generated by unequal distribution of rewards (money, status, power) and opportunities</a:t>
-            </a:r>
+              <a:t>Discontent or aggravation that is individually </a:t>
+            </a:r>
+            <a:r>
+              <a:rPr lang="en-US" dirty="0" smtClean="0"/>
+              <a:t>experienced (Not </a:t>
+            </a:r>
+            <a:r>
+              <a:rPr lang="en-US" dirty="0" smtClean="0"/>
+              <a:t>getting a raise, traffic, etc</a:t>
+            </a:r>
+            <a:r>
+              <a:rPr lang="en-US" dirty="0" smtClean="0"/>
+              <a:t>.)</a:t>
+            </a:r>
+            <a:endParaRPr lang="en-US" dirty="0" smtClean="0"/>
           </a:p>
           <a:p>
             <a:pPr lvl="1"/>
+            <a:r>
+              <a:rPr lang="en-US" i="1" dirty="0" smtClean="0">
+                <a:hlinkClick r:id="rId3"/>
+              </a:rPr>
+              <a:t>Falling Down</a:t>
+            </a:r>
+            <a:r>
+              <a:rPr lang="en-US" dirty="0" smtClean="0">
+                <a:hlinkClick r:id="rId3"/>
+              </a:rPr>
+              <a:t> (1993)</a:t>
+            </a:r>
+            <a:endParaRPr lang="en-US" dirty="0"/>
+          </a:p>
+          <a:p>
+            <a:pPr lvl="2"/>
+            <a:endParaRPr lang="en-US" dirty="0" smtClean="0"/>
+          </a:p>
+          <a:p>
+            <a:r>
+              <a:rPr lang="en-US" dirty="0" smtClean="0"/>
+              <a:t>Individual grievances rarely </a:t>
+            </a:r>
+            <a:r>
+              <a:rPr lang="en-US" dirty="0"/>
+              <a:t>congeal into collectively shared (mobilizing) grievances that spur collective </a:t>
+            </a:r>
+            <a:r>
+              <a:rPr lang="en-US" dirty="0" smtClean="0"/>
+              <a:t>action</a:t>
+            </a:r>
             <a:endParaRPr lang="en-US" dirty="0" smtClean="0"/>
           </a:p>
         </p:txBody>
@@ -9394,25 +11292,32 @@
     </p:spTree>
     <p:extLst>
       <p:ext uri="{BB962C8B-B14F-4D97-AF65-F5344CB8AC3E}">
-        <p14:creationId xmlns:p14="http://schemas.microsoft.com/office/powerpoint/2010/main" val="3293979405"/>
+        <p14:creationId xmlns:p14="http://schemas.microsoft.com/office/powerpoint/2010/main" val="1476798195"/>
       </p:ext>
     </p:extLst>
   </p:cSld>
   <p:clrMapOvr>
     <a:masterClrMapping/>
   </p:clrMapOvr>
-  <mc:AlternateContent xmlns:mc="http://schemas.openxmlformats.org/markup-compatibility/2006" xmlns:p14="http://schemas.microsoft.com/office/powerpoint/2010/main">
-    <mc:Choice Requires="p14">
+  <mc:AlternateContent xmlns:mc="http://schemas.openxmlformats.org/markup-compatibility/2006">
+    <mc:Choice xmlns:p14="http://schemas.microsoft.com/office/powerpoint/2010/main" Requires="p14">
       <p:transition spd="med" p14:dur="700">
         <p:fade/>
       </p:transition>
     </mc:Choice>
-    <mc:Fallback xmlns="">
-      <p:transition xmlns:p14="http://schemas.microsoft.com/office/powerpoint/2010/main" spd="med">
+    <mc:Fallback>
+      <p:transition spd="med">
         <p:fade/>
       </p:transition>
     </mc:Fallback>
   </mc:AlternateContent>
+  <p:timing>
+    <p:tnLst>
+      <p:par>
+        <p:cTn id="1" dur="indefinite" restart="never" nodeType="tmRoot"/>
+      </p:par>
+    </p:tnLst>
+  </p:timing>
 </p:sld>
 </file>
 
@@ -9446,15 +11351,26 @@
         <p:spPr/>
         <p:txBody>
           <a:bodyPr>
-            <a:noAutofit/>
+            <a:normAutofit fontScale="90000"/>
           </a:bodyPr>
           <a:lstStyle/>
           <a:p>
             <a:r>
-              <a:rPr lang="en-US" sz="3600" dirty="0"/>
-              <a:t>Problem with “Inequality” Argument</a:t>
-            </a:r>
-            <a:endParaRPr lang="en-US" sz="3600" dirty="0"/>
+              <a:rPr lang="en-US" dirty="0" smtClean="0"/>
+              <a:t>2: Grievances a Function </a:t>
+            </a:r>
+            <a:r>
+              <a:rPr lang="en-US" dirty="0"/>
+              <a:t>of Objective </a:t>
+            </a:r>
+            <a:r>
+              <a:rPr lang="en-US" dirty="0" smtClean="0"/>
+              <a:t>Structural/Material </a:t>
+            </a:r>
+            <a:r>
+              <a:rPr lang="en-US" dirty="0"/>
+              <a:t>Conditions</a:t>
+            </a:r>
           </a:p>
         </p:txBody>
       </p:sp>
@@ -9475,58 +11391,105 @@
           <a:p>
             <a:r>
               <a:rPr lang="en-US" dirty="0" smtClean="0"/>
-              <a:t>Groups are hierarchically situated in </a:t>
-            </a:r>
-            <a:r>
-              <a:rPr lang="en-US" dirty="0"/>
-              <a:t>the social </a:t>
-            </a:r>
-            <a:r>
-              <a:rPr lang="en-US" dirty="0" smtClean="0"/>
-              <a:t>system, yet </a:t>
-            </a:r>
-            <a:r>
-              <a:rPr lang="en-US" dirty="0"/>
-              <a:t>conflicts (over the distribution of resources, rewards, opportunity) </a:t>
-            </a:r>
-            <a:r>
-              <a:rPr lang="en-US" dirty="0" smtClean="0"/>
-              <a:t>don’t always materialize</a:t>
-            </a:r>
-          </a:p>
-          <a:p>
+              <a:t>Grievances result from two kinds of structural </a:t>
+            </a:r>
+            <a:r>
+              <a:rPr lang="en-US" dirty="0" smtClean="0"/>
+              <a:t>conditions</a:t>
+            </a:r>
+            <a:r>
+              <a:rPr lang="en-US" dirty="0" smtClean="0"/>
+              <a:t>:</a:t>
+            </a:r>
+          </a:p>
+          <a:p>
+            <a:pPr lvl="1"/>
             <a:endParaRPr lang="en-US" dirty="0" smtClean="0"/>
           </a:p>
           <a:p>
-            <a:r>
-              <a:rPr lang="en-US" dirty="0" smtClean="0"/>
-              <a:t>If conflicts do arise, doesn’t always translate into mobilizing grievances</a:t>
-            </a:r>
+            <a:pPr lvl="1"/>
+            <a:r>
+              <a:rPr lang="en-US" dirty="0" smtClean="0"/>
+              <a:t>Inequality/Group </a:t>
+            </a:r>
+            <a:r>
+              <a:rPr lang="en-US" dirty="0" smtClean="0"/>
+              <a:t>Conflict</a:t>
+            </a:r>
+          </a:p>
+          <a:p>
+            <a:pPr lvl="2"/>
+            <a:r>
+              <a:rPr lang="en-US" dirty="0" smtClean="0"/>
+              <a:t>Social arrangements that </a:t>
+            </a:r>
+            <a:r>
+              <a:rPr lang="en-US" dirty="0" smtClean="0"/>
+              <a:t>place </a:t>
+            </a:r>
+            <a:r>
+              <a:rPr lang="en-US" dirty="0" smtClean="0"/>
+              <a:t>certain social groups in antagonistic relations with one another</a:t>
+            </a:r>
+          </a:p>
+          <a:p>
+            <a:pPr lvl="1"/>
+            <a:endParaRPr lang="en-US" dirty="0" smtClean="0"/>
+          </a:p>
+          <a:p>
+            <a:pPr lvl="1"/>
+            <a:r>
+              <a:rPr lang="en-US" dirty="0" smtClean="0"/>
+              <a:t>Strain</a:t>
+            </a:r>
+            <a:endParaRPr lang="en-US" dirty="0" smtClean="0"/>
+          </a:p>
+          <a:p>
+            <a:pPr lvl="2"/>
+            <a:r>
+              <a:rPr lang="en-US" dirty="0" smtClean="0"/>
+              <a:t>Changes/trends that alter existing social arrangements and patterns of social life</a:t>
+            </a:r>
+          </a:p>
+          <a:p>
+            <a:pPr lvl="3"/>
+            <a:r>
+              <a:rPr lang="en-US" dirty="0" smtClean="0"/>
+              <a:t>Disintegration, Absolute Deprivation, Quotidian Disruption</a:t>
+            </a:r>
+            <a:endParaRPr lang="en-US" dirty="0"/>
           </a:p>
         </p:txBody>
       </p:sp>
     </p:spTree>
     <p:extLst>
       <p:ext uri="{BB962C8B-B14F-4D97-AF65-F5344CB8AC3E}">
-        <p14:creationId xmlns:p14="http://schemas.microsoft.com/office/powerpoint/2010/main" val="1954083259"/>
+        <p14:creationId xmlns:p14="http://schemas.microsoft.com/office/powerpoint/2010/main" val="2395594713"/>
       </p:ext>
     </p:extLst>
   </p:cSld>
   <p:clrMapOvr>
     <a:masterClrMapping/>
   </p:clrMapOvr>
-  <mc:AlternateContent xmlns:mc="http://schemas.openxmlformats.org/markup-compatibility/2006" xmlns:p14="http://schemas.microsoft.com/office/powerpoint/2010/main">
-    <mc:Choice Requires="p14">
+  <mc:AlternateContent xmlns:mc="http://schemas.openxmlformats.org/markup-compatibility/2006">
+    <mc:Choice xmlns:p14="http://schemas.microsoft.com/office/powerpoint/2010/main" Requires="p14">
       <p:transition spd="med" p14:dur="700">
         <p:fade/>
       </p:transition>
     </mc:Choice>
-    <mc:Fallback xmlns="">
-      <p:transition xmlns:p14="http://schemas.microsoft.com/office/powerpoint/2010/main" spd="med">
+    <mc:Fallback>
+      <p:transition spd="med">
         <p:fade/>
       </p:transition>
     </mc:Fallback>
   </mc:AlternateContent>
+  <p:timing>
+    <p:tnLst>
+      <p:par>
+        <p:cTn id="1" dur="indefinite" restart="never" nodeType="tmRoot"/>
+      </p:par>
+    </p:tnLst>
+  </p:timing>
 </p:sld>
 </file>
 
